--- a/Miscellaneous/Contact_Manager.pptx
+++ b/Miscellaneous/Contact_Manager.pptx
@@ -251,7 +251,7 @@
           <a:p>
             <a:fld id="{058ABBF3-49A8-4B3F-9773-22E67695BB12}" type="datetimeFigureOut">
               <a:rPr lang="en-US" smtClean="0"/>
-              <a:t>9/13/2021</a:t>
+              <a:t>9/14/2021</a:t>
             </a:fld>
             <a:endParaRPr lang="en-US" dirty="0"/>
           </a:p>
@@ -428,7 +428,7 @@
           <a:p>
             <a:fld id="{F44AAC2B-A50D-4386-849A-6B59FB991B4C}" type="datetimeFigureOut">
               <a:rPr lang="en-US" smtClean="0"/>
-              <a:t>9/13/2021</a:t>
+              <a:t>9/14/2021</a:t>
             </a:fld>
             <a:endParaRPr lang="en-US" dirty="0"/>
           </a:p>
@@ -50711,8 +50711,17 @@
               <a:rPr lang="en-US" dirty="0">
                 <a:latin typeface="Century Schoolbook" panose="02040604050505020304" pitchFamily="18" charset="0"/>
               </a:rPr>
-              <a:t>Names!</a:t>
+              <a:t>By: Kaleb, Braedon, Julia, Tristan, &amp; </a:t>
             </a:r>
+            <a:r>
+              <a:rPr lang="en-US" dirty="0" err="1">
+                <a:latin typeface="Century Schoolbook" panose="02040604050505020304" pitchFamily="18" charset="0"/>
+              </a:rPr>
+              <a:t>Ege</a:t>
+            </a:r>
+            <a:endParaRPr lang="en-US" dirty="0">
+              <a:latin typeface="Century Schoolbook" panose="02040604050505020304" pitchFamily="18" charset="0"/>
+            </a:endParaRPr>
           </a:p>
         </p:txBody>
       </p:sp>
@@ -50726,6 +50735,18 @@
   <p:clrMapOvr>
     <a:masterClrMapping/>
   </p:clrMapOvr>
+  <mc:AlternateContent xmlns:mc="http://schemas.openxmlformats.org/markup-compatibility/2006">
+    <mc:Choice xmlns:p159="http://schemas.microsoft.com/office/powerpoint/2015/09/main" Requires="p159">
+      <p:transition xmlns:p14="http://schemas.microsoft.com/office/powerpoint/2010/main" spd="slow" p14:dur="2000">
+        <p159:morph option="byObject"/>
+      </p:transition>
+    </mc:Choice>
+    <mc:Fallback>
+      <p:transition spd="slow">
+        <p:fade/>
+      </p:transition>
+    </mc:Fallback>
+  </mc:AlternateContent>
 </p:sld>
 </file>
 
@@ -50879,7 +50900,7 @@
           <p:nvPr>
             <p:extLst>
               <p:ext uri="{D42A27DB-BD31-4B8C-83A1-F6EECF244321}">
-                <p14:modId xmlns:p14="http://schemas.microsoft.com/office/powerpoint/2010/main" val="3600454505"/>
+                <p14:modId xmlns:p14="http://schemas.microsoft.com/office/powerpoint/2010/main" val="3829137961"/>
               </p:ext>
             </p:extLst>
           </p:nvPr>
@@ -52208,7 +52229,7 @@
           <p:nvPr>
             <p:extLst>
               <p:ext uri="{D42A27DB-BD31-4B8C-83A1-F6EECF244321}">
-                <p14:modId xmlns:p14="http://schemas.microsoft.com/office/powerpoint/2010/main" val="1909508168"/>
+                <p14:modId xmlns:p14="http://schemas.microsoft.com/office/powerpoint/2010/main" val="746959849"/>
               </p:ext>
             </p:extLst>
           </p:nvPr>
@@ -52351,19 +52372,7 @@
                           </a:solidFill>
                           <a:latin typeface="Century Schoolbook" panose="02040604050505020304" pitchFamily="18" charset="0"/>
                         </a:rPr>
-                        <a:t>Our group wasn’t filled until the second week of class…</a:t>
-                      </a:r>
-                    </a:p>
-                    <a:p>
-                      <a:pPr algn="ctr"/>
-                      <a:r>
-                        <a:rPr lang="en-US" sz="1600" dirty="0">
-                          <a:solidFill>
-                            <a:schemeClr val="tx2"/>
-                          </a:solidFill>
-                          <a:latin typeface="Century Schoolbook" panose="02040604050505020304" pitchFamily="18" charset="0"/>
-                        </a:rPr>
-                        <a:t>Bummer!</a:t>
+                        <a:t>Our group wasn’t filled until the second week of class… Bummer!</a:t>
                       </a:r>
                     </a:p>
                   </a:txBody>
@@ -52569,8 +52578,8 @@
           </p:nvPr>
         </p:nvGraphicFramePr>
         <p:xfrm>
-          <a:off x="4725834" y="1667790"/>
-          <a:ext cx="6827231" cy="3914302"/>
+          <a:off x="4725988" y="1668463"/>
+          <a:ext cx="6827837" cy="3913187"/>
         </p:xfrm>
         <a:graphic>
           <a:graphicData uri="http://schemas.openxmlformats.org/presentationml/2006/ole">
@@ -52597,8 +52606,8 @@
                     </p:blipFill>
                     <p:spPr>
                       <a:xfrm>
-                        <a:off x="4725834" y="1667790"/>
-                        <a:ext cx="6827231" cy="3914302"/>
+                        <a:off x="4725988" y="1668463"/>
+                        <a:ext cx="6827837" cy="3913187"/>
                       </a:xfrm>
                       <a:prstGeom prst="rect">
                         <a:avLst/>
@@ -52895,7 +52904,7 @@
         </p:nvSpPr>
         <p:spPr>
           <a:xfrm>
-            <a:off x="914400" y="2514600"/>
+            <a:off x="914400" y="2879725"/>
             <a:ext cx="3400425" cy="3840480"/>
           </a:xfrm>
         </p:spPr>
@@ -52988,7 +52997,7 @@
         </p:blipFill>
         <p:spPr>
           <a:xfrm>
-            <a:off x="3637219" y="3167887"/>
+            <a:off x="3989917" y="3429000"/>
             <a:ext cx="3725333" cy="2794001"/>
           </a:xfrm>
           <a:prstGeom prst="rect">
@@ -53910,25 +53919,6 @@
 </file>
 
 <file path=customXml/item2.xml><?xml version="1.0" encoding="utf-8"?>
-<p:properties xmlns:p="http://schemas.microsoft.com/office/2006/metadata/properties" xmlns:xsi="http://www.w3.org/2001/XMLSchema-instance" xmlns:pc="http://schemas.microsoft.com/office/infopath/2007/PartnerControls">
-  <documentManagement>
-    <_ip_UnifiedCompliancePolicyUIAction xmlns="http://schemas.microsoft.com/sharepoint/v3" xsi:nil="true"/>
-    <Image xmlns="71af3243-3dd4-4a8d-8c0d-dd76da1f02a5">
-      <Url xsi:nil="true"/>
-      <Description xsi:nil="true"/>
-    </Image>
-    <Status xmlns="71af3243-3dd4-4a8d-8c0d-dd76da1f02a5">Not started</Status>
-    <_ip_UnifiedCompliancePolicyProperties xmlns="http://schemas.microsoft.com/sharepoint/v3" xsi:nil="true"/>
-    <ImageTagsTaxHTField xmlns="71af3243-3dd4-4a8d-8c0d-dd76da1f02a5">
-      <Terms xmlns="http://schemas.microsoft.com/office/infopath/2007/PartnerControls"/>
-    </ImageTagsTaxHTField>
-    <TaxCatchAll xmlns="230e9df3-be65-4c73-a93b-d1236ebd677e"/>
-    <MediaServiceKeyPoints xmlns="71af3243-3dd4-4a8d-8c0d-dd76da1f02a5" xsi:nil="true"/>
-  </documentManagement>
-</p:properties>
-</file>
-
-<file path=customXml/item3.xml><?xml version="1.0" encoding="utf-8"?>
 <ct:contentTypeSchema xmlns:ct="http://schemas.microsoft.com/office/2006/metadata/contentType" xmlns:ma="http://schemas.microsoft.com/office/2006/metadata/properties/metaAttributes" ct:_="" ma:_="" ma:contentTypeName="Document" ma:contentTypeID="0x01010079F111ED35F8CC479449609E8A0923A6" ma:contentTypeVersion="20" ma:contentTypeDescription="Create a new document." ma:contentTypeScope="" ma:versionID="1267097ee5f5874adfcc408041ae252e">
   <xsd:schema xmlns:xsd="http://www.w3.org/2001/XMLSchema" xmlns:xs="http://www.w3.org/2001/XMLSchema" xmlns:p="http://schemas.microsoft.com/office/2006/metadata/properties" xmlns:ns1="http://schemas.microsoft.com/sharepoint/v3" xmlns:ns2="71af3243-3dd4-4a8d-8c0d-dd76da1f02a5" xmlns:ns3="16c05727-aa75-4e4a-9b5f-8a80a1165891" xmlns:ns4="230e9df3-be65-4c73-a93b-d1236ebd677e" targetNamespace="http://schemas.microsoft.com/office/2006/metadata/properties" ma:root="true" ma:fieldsID="395891a93df65b14727750f2c06c306c" ns1:_="" ns2:_="" ns3:_="" ns4:_="">
     <xsd:import namespace="http://schemas.microsoft.com/sharepoint/v3"/>
@@ -54204,6 +54194,25 @@
 </ct:contentTypeSchema>
 </file>
 
+<file path=customXml/item3.xml><?xml version="1.0" encoding="utf-8"?>
+<p:properties xmlns:p="http://schemas.microsoft.com/office/2006/metadata/properties" xmlns:xsi="http://www.w3.org/2001/XMLSchema-instance" xmlns:pc="http://schemas.microsoft.com/office/infopath/2007/PartnerControls">
+  <documentManagement>
+    <_ip_UnifiedCompliancePolicyUIAction xmlns="http://schemas.microsoft.com/sharepoint/v3" xsi:nil="true"/>
+    <Image xmlns="71af3243-3dd4-4a8d-8c0d-dd76da1f02a5">
+      <Url xsi:nil="true"/>
+      <Description xsi:nil="true"/>
+    </Image>
+    <Status xmlns="71af3243-3dd4-4a8d-8c0d-dd76da1f02a5">Not started</Status>
+    <_ip_UnifiedCompliancePolicyProperties xmlns="http://schemas.microsoft.com/sharepoint/v3" xsi:nil="true"/>
+    <ImageTagsTaxHTField xmlns="71af3243-3dd4-4a8d-8c0d-dd76da1f02a5">
+      <Terms xmlns="http://schemas.microsoft.com/office/infopath/2007/PartnerControls"/>
+    </ImageTagsTaxHTField>
+    <TaxCatchAll xmlns="230e9df3-be65-4c73-a93b-d1236ebd677e"/>
+    <MediaServiceKeyPoints xmlns="71af3243-3dd4-4a8d-8c0d-dd76da1f02a5" xsi:nil="true"/>
+  </documentManagement>
+</p:properties>
+</file>
+
 <file path=customXml/itemProps1.xml><?xml version="1.0" encoding="utf-8"?>
 <ds:datastoreItem xmlns:ds="http://schemas.openxmlformats.org/officeDocument/2006/customXml" ds:itemID="{66D1D862-643C-46A1-A5ED-679CEB6DE28E}">
   <ds:schemaRefs>
@@ -54213,18 +54222,6 @@
 </file>
 
 <file path=customXml/itemProps2.xml><?xml version="1.0" encoding="utf-8"?>
-<ds:datastoreItem xmlns:ds="http://schemas.openxmlformats.org/officeDocument/2006/customXml" ds:itemID="{854F7209-A407-4CFB-9C3E-C69AB93152F3}">
-  <ds:schemaRefs>
-    <ds:schemaRef ds:uri="http://schemas.microsoft.com/office/2006/metadata/properties"/>
-    <ds:schemaRef ds:uri="http://schemas.microsoft.com/office/infopath/2007/PartnerControls"/>
-    <ds:schemaRef ds:uri="http://schemas.microsoft.com/sharepoint/v3"/>
-    <ds:schemaRef ds:uri="71af3243-3dd4-4a8d-8c0d-dd76da1f02a5"/>
-    <ds:schemaRef ds:uri="230e9df3-be65-4c73-a93b-d1236ebd677e"/>
-  </ds:schemaRefs>
-</ds:datastoreItem>
-</file>
-
-<file path=customXml/itemProps3.xml><?xml version="1.0" encoding="utf-8"?>
 <ds:datastoreItem xmlns:ds="http://schemas.openxmlformats.org/officeDocument/2006/customXml" ds:itemID="{97CDCE58-E008-4D50-B18E-ADC19CB29049}">
   <ds:schemaRefs>
     <ds:schemaRef ds:uri="http://schemas.microsoft.com/office/2006/metadata/contentType"/>
@@ -54243,4 +54240,16 @@
     <ds:schemaRef ds:uri="http://schemas.microsoft.com/internal/obd"/>
   </ds:schemaRefs>
 </ds:datastoreItem>
+</file>
+
+<file path=customXml/itemProps3.xml><?xml version="1.0" encoding="utf-8"?>
+<ds:datastoreItem xmlns:ds="http://schemas.openxmlformats.org/officeDocument/2006/customXml" ds:itemID="{854F7209-A407-4CFB-9C3E-C69AB93152F3}">
+  <ds:schemaRefs>
+    <ds:schemaRef ds:uri="http://schemas.microsoft.com/office/2006/metadata/properties"/>
+    <ds:schemaRef ds:uri="http://schemas.microsoft.com/office/infopath/2007/PartnerControls"/>
+    <ds:schemaRef ds:uri="http://schemas.microsoft.com/sharepoint/v3"/>
+    <ds:schemaRef ds:uri="71af3243-3dd4-4a8d-8c0d-dd76da1f02a5"/>
+    <ds:schemaRef ds:uri="230e9df3-be65-4c73-a93b-d1236ebd677e"/>
+  </ds:schemaRefs>
+</ds:datastoreItem>
 </file>
--- a/Miscellaneous/Contact_Manager.pptx
+++ b/Miscellaneous/Contact_Manager.pptx
@@ -5,10 +5,10 @@
     <p:sldMasterId id="2147483648" r:id="rId4"/>
   </p:sldMasterIdLst>
   <p:notesMasterIdLst>
-    <p:notesMasterId r:id="rId14"/>
+    <p:notesMasterId r:id="rId17"/>
   </p:notesMasterIdLst>
   <p:handoutMasterIdLst>
-    <p:handoutMasterId r:id="rId15"/>
+    <p:handoutMasterId r:id="rId18"/>
   </p:handoutMasterIdLst>
   <p:sldIdLst>
     <p:sldId id="256" r:id="rId5"/>
@@ -18,8 +18,11 @@
     <p:sldId id="289" r:id="rId9"/>
     <p:sldId id="262" r:id="rId10"/>
     <p:sldId id="263" r:id="rId11"/>
-    <p:sldId id="264" r:id="rId12"/>
-    <p:sldId id="258" r:id="rId13"/>
+    <p:sldId id="292" r:id="rId12"/>
+    <p:sldId id="293" r:id="rId13"/>
+    <p:sldId id="294" r:id="rId14"/>
+    <p:sldId id="264" r:id="rId15"/>
+    <p:sldId id="258" r:id="rId16"/>
   </p:sldIdLst>
   <p:sldSz cx="12192000" cy="6858000"/>
   <p:notesSz cx="6858000" cy="9144000"/>
@@ -50735,18 +50738,441 @@
   <p:clrMapOvr>
     <a:masterClrMapping/>
   </p:clrMapOvr>
-  <mc:AlternateContent xmlns:mc="http://schemas.openxmlformats.org/markup-compatibility/2006">
-    <mc:Choice xmlns:p159="http://schemas.microsoft.com/office/powerpoint/2015/09/main" Requires="p159">
+  <mc:AlternateContent xmlns:mc="http://schemas.openxmlformats.org/markup-compatibility/2006" xmlns:p159="http://schemas.microsoft.com/office/powerpoint/2015/09/main">
+    <mc:Choice Requires="p159">
       <p:transition xmlns:p14="http://schemas.microsoft.com/office/powerpoint/2010/main" spd="slow" p14:dur="2000">
         <p159:morph option="byObject"/>
       </p:transition>
     </mc:Choice>
-    <mc:Fallback>
+    <mc:Fallback xmlns="">
       <p:transition spd="slow">
         <p:fade/>
       </p:transition>
     </mc:Fallback>
   </mc:AlternateContent>
+</p:sld>
+</file>
+
+<file path=ppt/slides/slide10.xml><?xml version="1.0" encoding="utf-8"?>
+<p:sld xmlns:a="http://schemas.openxmlformats.org/drawingml/2006/main" xmlns:r="http://schemas.openxmlformats.org/officeDocument/2006/relationships" xmlns:p="http://schemas.openxmlformats.org/presentationml/2006/main">
+  <p:cSld>
+    <p:spTree>
+      <p:nvGrpSpPr>
+        <p:cNvPr id="1" name=""/>
+        <p:cNvGrpSpPr/>
+        <p:nvPr/>
+      </p:nvGrpSpPr>
+      <p:grpSpPr>
+        <a:xfrm>
+          <a:off x="0" y="0"/>
+          <a:ext cx="0" cy="0"/>
+          <a:chOff x="0" y="0"/>
+          <a:chExt cx="0" cy="0"/>
+        </a:xfrm>
+      </p:grpSpPr>
+      <p:sp>
+        <p:nvSpPr>
+          <p:cNvPr id="2" name="Title 1">
+            <a:extLst>
+              <a:ext uri="{FF2B5EF4-FFF2-40B4-BE49-F238E27FC236}">
+                <a16:creationId xmlns:a16="http://schemas.microsoft.com/office/drawing/2014/main" id="{1A7175AC-2765-4C2D-BDFB-81744B71A693}"/>
+              </a:ext>
+            </a:extLst>
+          </p:cNvPr>
+          <p:cNvSpPr>
+            <a:spLocks noGrp="1"/>
+          </p:cNvSpPr>
+          <p:nvPr>
+            <p:ph type="title"/>
+          </p:nvPr>
+        </p:nvSpPr>
+        <p:spPr/>
+        <p:txBody>
+          <a:bodyPr/>
+          <a:lstStyle/>
+          <a:p>
+            <a:r>
+              <a:rPr lang="en-US" dirty="0" err="1">
+                <a:latin typeface="Fugaz One" pitchFamily="2" charset="0"/>
+              </a:rPr>
+              <a:t>Swaggerhub</a:t>
+            </a:r>
+            <a:r>
+              <a:rPr lang="en-US" dirty="0">
+                <a:latin typeface="Fugaz One" pitchFamily="2" charset="0"/>
+              </a:rPr>
+              <a:t> demo</a:t>
+            </a:r>
+          </a:p>
+        </p:txBody>
+      </p:sp>
+      <p:sp>
+        <p:nvSpPr>
+          <p:cNvPr id="3" name="Text Placeholder 2">
+            <a:extLst>
+              <a:ext uri="{FF2B5EF4-FFF2-40B4-BE49-F238E27FC236}">
+                <a16:creationId xmlns:a16="http://schemas.microsoft.com/office/drawing/2014/main" id="{52C117A6-455B-4903-B044-9B03C038434D}"/>
+              </a:ext>
+            </a:extLst>
+          </p:cNvPr>
+          <p:cNvSpPr>
+            <a:spLocks noGrp="1"/>
+          </p:cNvSpPr>
+          <p:nvPr>
+            <p:ph type="body" sz="quarter" idx="13"/>
+          </p:nvPr>
+        </p:nvSpPr>
+        <p:spPr/>
+        <p:txBody>
+          <a:bodyPr/>
+          <a:lstStyle/>
+          <a:p>
+            <a:pPr marL="285750" indent="-285750">
+              <a:buFont typeface="Arial" panose="020B0604020202020204" pitchFamily="34" charset="0"/>
+              <a:buChar char="•"/>
+            </a:pPr>
+            <a:r>
+              <a:rPr lang="en-ZA" noProof="1">
+                <a:solidFill>
+                  <a:schemeClr val="accent4"/>
+                </a:solidFill>
+                <a:latin typeface="Century Schoolbook" panose="02040604050505020304" pitchFamily="18" charset="0"/>
+              </a:rPr>
+              <a:t>Demonstration of the Register API</a:t>
+            </a:r>
+            <a:endParaRPr lang="en-ZA" noProof="1">
+              <a:solidFill>
+                <a:schemeClr val="accent4"/>
+              </a:solidFill>
+              <a:latin typeface="Century Schoolbook" panose="02040604050505020304" pitchFamily="18" charset="0"/>
+              <a:hlinkClick r:id="rId2">
+                <a:extLst>
+                  <a:ext uri="{A12FA001-AC4F-418D-AE19-62706E023703}">
+                    <ahyp:hlinkClr xmlns:ahyp="http://schemas.microsoft.com/office/drawing/2018/hyperlinkcolor" val="tx"/>
+                  </a:ext>
+                </a:extLst>
+              </a:hlinkClick>
+            </a:endParaRPr>
+          </a:p>
+          <a:p>
+            <a:pPr marL="285750" indent="-285750">
+              <a:buFont typeface="Arial" panose="020B0604020202020204" pitchFamily="34" charset="0"/>
+              <a:buChar char="•"/>
+            </a:pPr>
+            <a:r>
+              <a:rPr lang="en-ZA" noProof="1">
+                <a:solidFill>
+                  <a:srgbClr val="AD1F1F"/>
+                </a:solidFill>
+                <a:latin typeface="Century Schoolbook" panose="02040604050505020304" pitchFamily="18" charset="0"/>
+                <a:hlinkClick r:id="rId2">
+                  <a:extLst>
+                    <a:ext uri="{A12FA001-AC4F-418D-AE19-62706E023703}">
+                      <ahyp:hlinkClr xmlns:ahyp="http://schemas.microsoft.com/office/drawing/2018/hyperlinkcolor" val="tx"/>
+                    </a:ext>
+                  </a:extLst>
+                </a:hlinkClick>
+              </a:rPr>
+              <a:t>Swaggerhub Link!</a:t>
+            </a:r>
+            <a:endParaRPr lang="en-ZA" noProof="1">
+              <a:latin typeface="Century Schoolbook" panose="02040604050505020304" pitchFamily="18" charset="0"/>
+            </a:endParaRPr>
+          </a:p>
+          <a:p>
+            <a:endParaRPr lang="en-US" dirty="0"/>
+          </a:p>
+        </p:txBody>
+      </p:sp>
+      <p:sp>
+        <p:nvSpPr>
+          <p:cNvPr id="6" name="Slide Number Placeholder 5">
+            <a:extLst>
+              <a:ext uri="{FF2B5EF4-FFF2-40B4-BE49-F238E27FC236}">
+                <a16:creationId xmlns:a16="http://schemas.microsoft.com/office/drawing/2014/main" id="{3D893450-9163-4D63-8465-58369374A2D4}"/>
+              </a:ext>
+            </a:extLst>
+          </p:cNvPr>
+          <p:cNvSpPr>
+            <a:spLocks noGrp="1"/>
+          </p:cNvSpPr>
+          <p:nvPr>
+            <p:ph type="sldNum" sz="quarter" idx="12"/>
+          </p:nvPr>
+        </p:nvSpPr>
+        <p:spPr/>
+        <p:txBody>
+          <a:bodyPr/>
+          <a:lstStyle/>
+          <a:p>
+            <a:fld id="{B5CEABB6-07DC-46E8-9B57-56EC44A396E5}" type="slidenum">
+              <a:rPr lang="en-US" smtClean="0">
+                <a:solidFill>
+                  <a:schemeClr val="bg1">
+                    <a:lumMod val="95000"/>
+                  </a:schemeClr>
+                </a:solidFill>
+              </a:rPr>
+              <a:pPr/>
+              <a:t>10</a:t>
+            </a:fld>
+            <a:endParaRPr lang="en-US" dirty="0">
+              <a:solidFill>
+                <a:schemeClr val="bg1">
+                  <a:lumMod val="95000"/>
+                </a:schemeClr>
+              </a:solidFill>
+            </a:endParaRPr>
+          </a:p>
+        </p:txBody>
+      </p:sp>
+    </p:spTree>
+    <p:extLst>
+      <p:ext uri="{BB962C8B-B14F-4D97-AF65-F5344CB8AC3E}">
+        <p14:creationId xmlns:p14="http://schemas.microsoft.com/office/powerpoint/2010/main" val="1984820522"/>
+      </p:ext>
+    </p:extLst>
+  </p:cSld>
+  <p:clrMapOvr>
+    <a:masterClrMapping/>
+  </p:clrMapOvr>
+</p:sld>
+</file>
+
+<file path=ppt/slides/slide11.xml><?xml version="1.0" encoding="utf-8"?>
+<p:sld xmlns:a="http://schemas.openxmlformats.org/drawingml/2006/main" xmlns:r="http://schemas.openxmlformats.org/officeDocument/2006/relationships" xmlns:p="http://schemas.openxmlformats.org/presentationml/2006/main">
+  <p:cSld>
+    <p:spTree>
+      <p:nvGrpSpPr>
+        <p:cNvPr id="1" name=""/>
+        <p:cNvGrpSpPr/>
+        <p:nvPr/>
+      </p:nvGrpSpPr>
+      <p:grpSpPr>
+        <a:xfrm>
+          <a:off x="0" y="0"/>
+          <a:ext cx="0" cy="0"/>
+          <a:chOff x="0" y="0"/>
+          <a:chExt cx="0" cy="0"/>
+        </a:xfrm>
+      </p:grpSpPr>
+      <p:sp>
+        <p:nvSpPr>
+          <p:cNvPr id="2" name="Title 1">
+            <a:extLst>
+              <a:ext uri="{FF2B5EF4-FFF2-40B4-BE49-F238E27FC236}">
+                <a16:creationId xmlns:a16="http://schemas.microsoft.com/office/drawing/2014/main" id="{537E1C88-627C-4655-A4FB-0BB02EDB078A}"/>
+              </a:ext>
+            </a:extLst>
+          </p:cNvPr>
+          <p:cNvSpPr>
+            <a:spLocks noGrp="1"/>
+          </p:cNvSpPr>
+          <p:nvPr>
+            <p:ph type="title"/>
+          </p:nvPr>
+        </p:nvSpPr>
+        <p:spPr/>
+        <p:txBody>
+          <a:bodyPr/>
+          <a:lstStyle/>
+          <a:p>
+            <a:r>
+              <a:rPr lang="en-US" dirty="0">
+                <a:latin typeface="Fugaz One" pitchFamily="2" charset="0"/>
+              </a:rPr>
+              <a:t>Website demonstration</a:t>
+            </a:r>
+          </a:p>
+        </p:txBody>
+      </p:sp>
+      <p:sp>
+        <p:nvSpPr>
+          <p:cNvPr id="3" name="Content Placeholder 2">
+            <a:extLst>
+              <a:ext uri="{FF2B5EF4-FFF2-40B4-BE49-F238E27FC236}">
+                <a16:creationId xmlns:a16="http://schemas.microsoft.com/office/drawing/2014/main" id="{033634FE-ADF0-4BC3-A0A9-447EA9DD096B}"/>
+              </a:ext>
+            </a:extLst>
+          </p:cNvPr>
+          <p:cNvSpPr>
+            <a:spLocks noGrp="1"/>
+          </p:cNvSpPr>
+          <p:nvPr>
+            <p:ph type="body" sz="quarter" idx="13"/>
+          </p:nvPr>
+        </p:nvSpPr>
+        <p:spPr>
+          <a:xfrm>
+            <a:off x="914400" y="2221992"/>
+            <a:ext cx="3400425" cy="3840480"/>
+          </a:xfrm>
+        </p:spPr>
+        <p:txBody>
+          <a:bodyPr vert="horz" lIns="91440" tIns="45720" rIns="91440" bIns="45720" rtlCol="0" anchor="t">
+            <a:normAutofit/>
+          </a:bodyPr>
+          <a:lstStyle/>
+          <a:p>
+            <a:r>
+              <a:rPr lang="en-ZA" noProof="1">
+                <a:latin typeface="Century Schoolbook" panose="02040604050505020304" pitchFamily="18" charset="0"/>
+                <a:hlinkClick r:id="rId2"/>
+              </a:rPr>
+              <a:t>Website Link!</a:t>
+            </a:r>
+            <a:endParaRPr lang="en-US" dirty="0"/>
+          </a:p>
+          <a:p>
+            <a:r>
+              <a:rPr lang="en-ZA" noProof="1">
+                <a:latin typeface="Century Schoolbook" panose="02040604050505020304" pitchFamily="18" charset="0"/>
+              </a:rPr>
+              <a:t>	</a:t>
+            </a:r>
+          </a:p>
+        </p:txBody>
+      </p:sp>
+      <p:sp>
+        <p:nvSpPr>
+          <p:cNvPr id="6" name="Slide Number Placeholder 5">
+            <a:extLst>
+              <a:ext uri="{FF2B5EF4-FFF2-40B4-BE49-F238E27FC236}">
+                <a16:creationId xmlns:a16="http://schemas.microsoft.com/office/drawing/2014/main" id="{6AB5FBE9-888B-4FE5-8AC6-FB80C5520650}"/>
+              </a:ext>
+            </a:extLst>
+          </p:cNvPr>
+          <p:cNvSpPr>
+            <a:spLocks noGrp="1"/>
+          </p:cNvSpPr>
+          <p:nvPr>
+            <p:ph type="sldNum" sz="quarter" idx="12"/>
+          </p:nvPr>
+        </p:nvSpPr>
+        <p:spPr/>
+        <p:txBody>
+          <a:bodyPr/>
+          <a:lstStyle/>
+          <a:p>
+            <a:fld id="{B5CEABB6-07DC-46E8-9B57-56EC44A396E5}" type="slidenum">
+              <a:rPr lang="en-US" smtClean="0"/>
+              <a:pPr/>
+              <a:t>11</a:t>
+            </a:fld>
+            <a:endParaRPr lang="en-US" dirty="0"/>
+          </a:p>
+        </p:txBody>
+      </p:sp>
+    </p:spTree>
+    <p:extLst>
+      <p:ext uri="{BB962C8B-B14F-4D97-AF65-F5344CB8AC3E}">
+        <p14:creationId xmlns:p14="http://schemas.microsoft.com/office/powerpoint/2010/main" val="1346372204"/>
+      </p:ext>
+    </p:extLst>
+  </p:cSld>
+  <p:clrMapOvr>
+    <a:masterClrMapping/>
+  </p:clrMapOvr>
+</p:sld>
+</file>
+
+<file path=ppt/slides/slide12.xml><?xml version="1.0" encoding="utf-8"?>
+<p:sld xmlns:a="http://schemas.openxmlformats.org/drawingml/2006/main" xmlns:r="http://schemas.openxmlformats.org/officeDocument/2006/relationships" xmlns:p="http://schemas.openxmlformats.org/presentationml/2006/main">
+  <p:cSld>
+    <p:spTree>
+      <p:nvGrpSpPr>
+        <p:cNvPr id="1" name=""/>
+        <p:cNvGrpSpPr/>
+        <p:nvPr/>
+      </p:nvGrpSpPr>
+      <p:grpSpPr>
+        <a:xfrm>
+          <a:off x="0" y="0"/>
+          <a:ext cx="0" cy="0"/>
+          <a:chOff x="0" y="0"/>
+          <a:chExt cx="0" cy="0"/>
+        </a:xfrm>
+      </p:grpSpPr>
+      <p:sp>
+        <p:nvSpPr>
+          <p:cNvPr id="2" name="Title 1">
+            <a:extLst>
+              <a:ext uri="{FF2B5EF4-FFF2-40B4-BE49-F238E27FC236}">
+                <a16:creationId xmlns:a16="http://schemas.microsoft.com/office/drawing/2014/main" id="{A29DE7F2-E890-4744-88DD-A75F5E300513}"/>
+              </a:ext>
+            </a:extLst>
+          </p:cNvPr>
+          <p:cNvSpPr>
+            <a:spLocks noGrp="1"/>
+          </p:cNvSpPr>
+          <p:nvPr>
+            <p:ph type="ctrTitle"/>
+          </p:nvPr>
+        </p:nvSpPr>
+        <p:spPr>
+          <a:xfrm>
+            <a:off x="6096000" y="1098339"/>
+            <a:ext cx="5609329" cy="1187661"/>
+          </a:xfrm>
+        </p:spPr>
+        <p:txBody>
+          <a:bodyPr>
+            <a:normAutofit/>
+          </a:bodyPr>
+          <a:lstStyle/>
+          <a:p>
+            <a:r>
+              <a:rPr lang="en-US" dirty="0">
+                <a:latin typeface="Fugaz One" pitchFamily="2" charset="0"/>
+              </a:rPr>
+              <a:t>Questions?</a:t>
+            </a:r>
+            <a:endParaRPr lang="en-US" sz="2700" dirty="0">
+              <a:latin typeface="Fugaz One" pitchFamily="2" charset="0"/>
+            </a:endParaRPr>
+          </a:p>
+        </p:txBody>
+      </p:sp>
+      <p:sp>
+        <p:nvSpPr>
+          <p:cNvPr id="5" name="Slide Number Placeholder 4">
+            <a:extLst>
+              <a:ext uri="{FF2B5EF4-FFF2-40B4-BE49-F238E27FC236}">
+                <a16:creationId xmlns:a16="http://schemas.microsoft.com/office/drawing/2014/main" id="{65AC6C41-3BBF-4721-A0AE-9007E9927EDE}"/>
+              </a:ext>
+            </a:extLst>
+          </p:cNvPr>
+          <p:cNvSpPr>
+            <a:spLocks noGrp="1"/>
+          </p:cNvSpPr>
+          <p:nvPr>
+            <p:ph type="sldNum" sz="quarter" idx="12"/>
+          </p:nvPr>
+        </p:nvSpPr>
+        <p:spPr/>
+        <p:txBody>
+          <a:bodyPr/>
+          <a:lstStyle/>
+          <a:p>
+            <a:fld id="{B5CEABB6-07DC-46E8-9B57-56EC44A396E5}" type="slidenum">
+              <a:rPr lang="en-US" smtClean="0"/>
+              <a:pPr/>
+              <a:t>12</a:t>
+            </a:fld>
+            <a:endParaRPr lang="en-US" dirty="0"/>
+          </a:p>
+        </p:txBody>
+      </p:sp>
+    </p:spTree>
+    <p:extLst>
+      <p:ext uri="{BB962C8B-B14F-4D97-AF65-F5344CB8AC3E}">
+        <p14:creationId xmlns:p14="http://schemas.microsoft.com/office/powerpoint/2010/main" val="707789176"/>
+      </p:ext>
+    </p:extLst>
+  </p:cSld>
+  <p:clrMapOvr>
+    <a:masterClrMapping/>
+  </p:clrMapOvr>
 </p:sld>
 </file>
 
@@ -50900,7 +51326,7 @@
           <p:nvPr>
             <p:extLst>
               <p:ext uri="{D42A27DB-BD31-4B8C-83A1-F6EECF244321}">
-                <p14:modId xmlns:p14="http://schemas.microsoft.com/office/powerpoint/2010/main" val="3829137961"/>
+                <p14:modId xmlns:p14="http://schemas.microsoft.com/office/powerpoint/2010/main" val="752442078"/>
               </p:ext>
             </p:extLst>
           </p:nvPr>
@@ -51144,6 +51570,24 @@
                     <a:lstStyle/>
                     <a:p>
                       <a:pPr algn="l"/>
+                      <a:r>
+                        <a:rPr lang="en-US" dirty="0">
+                          <a:solidFill>
+                            <a:schemeClr val="accent4"/>
+                          </a:solidFill>
+                          <a:latin typeface="Century Schoolbook" panose="02040604050505020304" pitchFamily="18" charset="0"/>
+                        </a:rPr>
+                        <a:t>PHP, </a:t>
+                      </a:r>
+                      <a:r>
+                        <a:rPr lang="en-US" dirty="0" err="1">
+                          <a:solidFill>
+                            <a:schemeClr val="accent4"/>
+                          </a:solidFill>
+                          <a:latin typeface="Century Schoolbook" panose="02040604050505020304" pitchFamily="18" charset="0"/>
+                        </a:rPr>
+                        <a:t>SwaggerHub</a:t>
+                      </a:r>
                       <a:endParaRPr lang="en-US" dirty="0">
                         <a:solidFill>
                           <a:schemeClr val="accent4"/>
@@ -51205,6 +51649,24 @@
                     <a:lstStyle/>
                     <a:p>
                       <a:pPr algn="l"/>
+                      <a:r>
+                        <a:rPr lang="en-US" dirty="0">
+                          <a:solidFill>
+                            <a:schemeClr val="accent4"/>
+                          </a:solidFill>
+                          <a:latin typeface="Century Schoolbook" panose="02040604050505020304" pitchFamily="18" charset="0"/>
+                        </a:rPr>
+                        <a:t>PHP, </a:t>
+                      </a:r>
+                      <a:r>
+                        <a:rPr lang="en-US" dirty="0" err="1">
+                          <a:solidFill>
+                            <a:schemeClr val="accent4"/>
+                          </a:solidFill>
+                          <a:latin typeface="Century Schoolbook" panose="02040604050505020304" pitchFamily="18" charset="0"/>
+                        </a:rPr>
+                        <a:t>SwaggerHub</a:t>
+                      </a:r>
                       <a:endParaRPr lang="en-US" dirty="0">
                         <a:solidFill>
                           <a:schemeClr val="accent4"/>
@@ -52850,7 +53312,7 @@
           <p:cNvPr id="2" name="Title 1">
             <a:extLst>
               <a:ext uri="{FF2B5EF4-FFF2-40B4-BE49-F238E27FC236}">
-                <a16:creationId xmlns:a16="http://schemas.microsoft.com/office/drawing/2014/main" id="{537E1C88-627C-4655-A4FB-0BB02EDB078A}"/>
+                <a16:creationId xmlns:a16="http://schemas.microsoft.com/office/drawing/2014/main" id="{FDDAF57A-12FD-4324-A565-3DC42EC2EA73}"/>
               </a:ext>
             </a:extLst>
           </p:cNvPr>
@@ -52867,31 +53329,51 @@
           <a:lstStyle/>
           <a:p>
             <a:r>
-              <a:rPr lang="en-US" dirty="0">
+              <a:rPr lang="en-US" dirty="0" err="1">
                 <a:latin typeface="Fugaz One" pitchFamily="2" charset="0"/>
               </a:rPr>
-              <a:t>Demonstrations </a:t>
+              <a:t>APi</a:t>
             </a:r>
-            <a:br>
-              <a:rPr lang="en-US" dirty="0">
-                <a:latin typeface="Fugaz One" pitchFamily="2" charset="0"/>
-              </a:rPr>
-            </a:br>
+            <a:endParaRPr lang="en-US" dirty="0">
+              <a:latin typeface="Fugaz One" pitchFamily="2" charset="0"/>
+            </a:endParaRPr>
+          </a:p>
+        </p:txBody>
+      </p:sp>
+      <p:sp>
+        <p:nvSpPr>
+          <p:cNvPr id="3" name="Text Placeholder 2">
+            <a:extLst>
+              <a:ext uri="{FF2B5EF4-FFF2-40B4-BE49-F238E27FC236}">
+                <a16:creationId xmlns:a16="http://schemas.microsoft.com/office/drawing/2014/main" id="{970A254E-2D9F-44A2-B0F2-DA03400F8E23}"/>
+              </a:ext>
+            </a:extLst>
+          </p:cNvPr>
+          <p:cNvSpPr>
+            <a:spLocks noGrp="1"/>
+          </p:cNvSpPr>
+          <p:nvPr>
+            <p:ph type="body" sz="quarter" idx="15"/>
+          </p:nvPr>
+        </p:nvSpPr>
+        <p:spPr/>
+        <p:txBody>
+          <a:bodyPr/>
+          <a:lstStyle/>
+          <a:p>
             <a:r>
-              <a:rPr lang="en-US" dirty="0">
-                <a:latin typeface="Fugaz One" pitchFamily="2" charset="0"/>
-              </a:rPr>
-              <a:t>&amp; links</a:t>
+              <a:rPr lang="en-US" dirty="0"/>
+              <a:t>Login</a:t>
             </a:r>
           </a:p>
         </p:txBody>
       </p:sp>
       <p:sp>
         <p:nvSpPr>
-          <p:cNvPr id="3" name="Content Placeholder 2">
+          <p:cNvPr id="4" name="Text Placeholder 3">
             <a:extLst>
               <a:ext uri="{FF2B5EF4-FFF2-40B4-BE49-F238E27FC236}">
-                <a16:creationId xmlns:a16="http://schemas.microsoft.com/office/drawing/2014/main" id="{033634FE-ADF0-4BC3-A0A9-447EA9DD096B}"/>
+                <a16:creationId xmlns:a16="http://schemas.microsoft.com/office/drawing/2014/main" id="{C8D2584D-20AF-4C2D-8610-88D689512D70}"/>
               </a:ext>
             </a:extLst>
           </p:cNvPr>
@@ -52902,55 +53384,308 @@
             <p:ph type="body" sz="quarter" idx="13"/>
           </p:nvPr>
         </p:nvSpPr>
-        <p:spPr>
-          <a:xfrm>
-            <a:off x="914400" y="2879725"/>
-            <a:ext cx="3400425" cy="3840480"/>
-          </a:xfrm>
-        </p:spPr>
+        <p:spPr/>
         <p:txBody>
-          <a:bodyPr vert="horz" lIns="91440" tIns="45720" rIns="91440" bIns="45720" rtlCol="0" anchor="t">
+          <a:bodyPr>
             <a:normAutofit/>
           </a:bodyPr>
           <a:lstStyle/>
           <a:p>
+            <a:pPr marL="285750" indent="-285750">
+              <a:buFont typeface="Arial" panose="020B0604020202020204" pitchFamily="34" charset="0"/>
+              <a:buChar char="•"/>
+            </a:pPr>
             <a:r>
-              <a:rPr lang="en-ZA" noProof="1">
+              <a:rPr lang="en-US" dirty="0">
                 <a:latin typeface="Century Schoolbook" panose="02040604050505020304" pitchFamily="18" charset="0"/>
-                <a:hlinkClick r:id="rId2"/>
               </a:rPr>
-              <a:t>Swaggerhub Link!</a:t>
+              <a:t>Input: login, password</a:t>
             </a:r>
-            <a:endParaRPr lang="en-ZA" noProof="1">
+          </a:p>
+          <a:p>
+            <a:pPr marL="285750" indent="-285750">
+              <a:buFont typeface="Arial" panose="020B0604020202020204" pitchFamily="34" charset="0"/>
+              <a:buChar char="•"/>
+            </a:pPr>
+            <a:endParaRPr lang="en-US" dirty="0">
               <a:latin typeface="Century Schoolbook" panose="02040604050505020304" pitchFamily="18" charset="0"/>
             </a:endParaRPr>
           </a:p>
           <a:p>
+            <a:pPr marL="285750" indent="-285750">
+              <a:buFont typeface="Arial" panose="020B0604020202020204" pitchFamily="34" charset="0"/>
+              <a:buChar char="•"/>
+            </a:pPr>
             <a:r>
-              <a:rPr lang="en-ZA" noProof="1">
-                <a:latin typeface="Century Schoolbook" panose="02040604050505020304" pitchFamily="18" charset="0"/>
-                <a:hlinkClick r:id="rId3"/>
-              </a:rPr>
-              <a:t>Website Link!</a:t>
-            </a:r>
-            <a:endParaRPr lang="en-US" dirty="0"/>
-          </a:p>
-          <a:p>
-            <a:r>
-              <a:rPr lang="en-ZA" noProof="1">
+              <a:rPr lang="en-US" dirty="0">
                 <a:latin typeface="Century Schoolbook" panose="02040604050505020304" pitchFamily="18" charset="0"/>
               </a:rPr>
-              <a:t>	</a:t>
+              <a:t>Output: user ID, first name, last name</a:t>
             </a:r>
           </a:p>
         </p:txBody>
       </p:sp>
       <p:sp>
         <p:nvSpPr>
-          <p:cNvPr id="6" name="Slide Number Placeholder 5">
+          <p:cNvPr id="5" name="Text Placeholder 4">
             <a:extLst>
               <a:ext uri="{FF2B5EF4-FFF2-40B4-BE49-F238E27FC236}">
-                <a16:creationId xmlns:a16="http://schemas.microsoft.com/office/drawing/2014/main" id="{6AB5FBE9-888B-4FE5-8AC6-FB80C5520650}"/>
+                <a16:creationId xmlns:a16="http://schemas.microsoft.com/office/drawing/2014/main" id="{149ADDF0-6BF9-4AEB-B0D2-042FA6DE3635}"/>
+              </a:ext>
+            </a:extLst>
+          </p:cNvPr>
+          <p:cNvSpPr>
+            <a:spLocks noGrp="1"/>
+          </p:cNvSpPr>
+          <p:nvPr>
+            <p:ph type="body" sz="quarter" idx="16"/>
+          </p:nvPr>
+        </p:nvSpPr>
+        <p:spPr/>
+        <p:txBody>
+          <a:bodyPr/>
+          <a:lstStyle/>
+          <a:p>
+            <a:r>
+              <a:rPr lang="en-US" dirty="0"/>
+              <a:t>register</a:t>
+            </a:r>
+          </a:p>
+        </p:txBody>
+      </p:sp>
+      <p:sp>
+        <p:nvSpPr>
+          <p:cNvPr id="6" name="Text Placeholder 5">
+            <a:extLst>
+              <a:ext uri="{FF2B5EF4-FFF2-40B4-BE49-F238E27FC236}">
+                <a16:creationId xmlns:a16="http://schemas.microsoft.com/office/drawing/2014/main" id="{1F965AD3-2C55-468B-95E6-350C75F0AA37}"/>
+              </a:ext>
+            </a:extLst>
+          </p:cNvPr>
+          <p:cNvSpPr>
+            <a:spLocks noGrp="1"/>
+          </p:cNvSpPr>
+          <p:nvPr>
+            <p:ph type="body" sz="quarter" idx="14"/>
+          </p:nvPr>
+        </p:nvSpPr>
+        <p:spPr/>
+        <p:txBody>
+          <a:bodyPr>
+            <a:noAutofit/>
+          </a:bodyPr>
+          <a:lstStyle/>
+          <a:p>
+            <a:pPr marL="285750" indent="-285750">
+              <a:buFont typeface="Arial" panose="020B0604020202020204" pitchFamily="34" charset="0"/>
+              <a:buChar char="•"/>
+            </a:pPr>
+            <a:r>
+              <a:rPr lang="en-US" dirty="0">
+                <a:latin typeface="Century Schoolbook" panose="02040604050505020304" pitchFamily="18" charset="0"/>
+              </a:rPr>
+              <a:t>Input: first name, last name, email, phone number, login, password</a:t>
+            </a:r>
+          </a:p>
+          <a:p>
+            <a:pPr marL="285750" indent="-285750">
+              <a:buFont typeface="Arial" panose="020B0604020202020204" pitchFamily="34" charset="0"/>
+              <a:buChar char="•"/>
+            </a:pPr>
+            <a:endParaRPr lang="en-US" dirty="0">
+              <a:latin typeface="Century Schoolbook" panose="02040604050505020304" pitchFamily="18" charset="0"/>
+            </a:endParaRPr>
+          </a:p>
+          <a:p>
+            <a:pPr marL="285750" indent="-285750">
+              <a:buFont typeface="Arial" panose="020B0604020202020204" pitchFamily="34" charset="0"/>
+              <a:buChar char="•"/>
+            </a:pPr>
+            <a:r>
+              <a:rPr lang="en-US" dirty="0">
+                <a:latin typeface="Century Schoolbook" panose="02040604050505020304" pitchFamily="18" charset="0"/>
+              </a:rPr>
+              <a:t>Output: user ID</a:t>
+            </a:r>
+          </a:p>
+        </p:txBody>
+      </p:sp>
+      <p:sp>
+        <p:nvSpPr>
+          <p:cNvPr id="7" name="Text Placeholder 6">
+            <a:extLst>
+              <a:ext uri="{FF2B5EF4-FFF2-40B4-BE49-F238E27FC236}">
+                <a16:creationId xmlns:a16="http://schemas.microsoft.com/office/drawing/2014/main" id="{1DBC60E8-CF0E-4303-ADE4-1542485FE284}"/>
+              </a:ext>
+            </a:extLst>
+          </p:cNvPr>
+          <p:cNvSpPr>
+            <a:spLocks noGrp="1"/>
+          </p:cNvSpPr>
+          <p:nvPr>
+            <p:ph type="body" sz="quarter" idx="19"/>
+          </p:nvPr>
+        </p:nvSpPr>
+        <p:spPr/>
+        <p:txBody>
+          <a:bodyPr/>
+          <a:lstStyle/>
+          <a:p>
+            <a:r>
+              <a:rPr lang="en-US" dirty="0"/>
+              <a:t>Add contact</a:t>
+            </a:r>
+          </a:p>
+        </p:txBody>
+      </p:sp>
+      <p:sp>
+        <p:nvSpPr>
+          <p:cNvPr id="8" name="Text Placeholder 7">
+            <a:extLst>
+              <a:ext uri="{FF2B5EF4-FFF2-40B4-BE49-F238E27FC236}">
+                <a16:creationId xmlns:a16="http://schemas.microsoft.com/office/drawing/2014/main" id="{CB5A9583-FD25-4697-8E82-512F7D0D21EF}"/>
+              </a:ext>
+            </a:extLst>
+          </p:cNvPr>
+          <p:cNvSpPr>
+            <a:spLocks noGrp="1"/>
+          </p:cNvSpPr>
+          <p:nvPr>
+            <p:ph type="body" sz="quarter" idx="17"/>
+          </p:nvPr>
+        </p:nvSpPr>
+        <p:spPr/>
+        <p:txBody>
+          <a:bodyPr>
+            <a:normAutofit/>
+          </a:bodyPr>
+          <a:lstStyle/>
+          <a:p>
+            <a:pPr marL="285750" indent="-285750">
+              <a:buFont typeface="Arial" panose="020B0604020202020204" pitchFamily="34" charset="0"/>
+              <a:buChar char="•"/>
+            </a:pPr>
+            <a:r>
+              <a:rPr lang="en-US" dirty="0">
+                <a:latin typeface="Century Schoolbook" panose="02040604050505020304" pitchFamily="18" charset="0"/>
+              </a:rPr>
+              <a:t>Input: first name, last name, email, phone number, user ID</a:t>
+            </a:r>
+          </a:p>
+          <a:p>
+            <a:pPr marL="285750" indent="-285750">
+              <a:buFont typeface="Arial" panose="020B0604020202020204" pitchFamily="34" charset="0"/>
+              <a:buChar char="•"/>
+            </a:pPr>
+            <a:endParaRPr lang="en-US" dirty="0">
+              <a:latin typeface="Century Schoolbook" panose="02040604050505020304" pitchFamily="18" charset="0"/>
+            </a:endParaRPr>
+          </a:p>
+          <a:p>
+            <a:pPr marL="285750" indent="-285750">
+              <a:buFont typeface="Arial" panose="020B0604020202020204" pitchFamily="34" charset="0"/>
+              <a:buChar char="•"/>
+            </a:pPr>
+            <a:r>
+              <a:rPr lang="en-US" dirty="0">
+                <a:latin typeface="Century Schoolbook" panose="02040604050505020304" pitchFamily="18" charset="0"/>
+              </a:rPr>
+              <a:t>Output: print statement </a:t>
+            </a:r>
+          </a:p>
+        </p:txBody>
+      </p:sp>
+      <p:sp>
+        <p:nvSpPr>
+          <p:cNvPr id="9" name="Text Placeholder 8">
+            <a:extLst>
+              <a:ext uri="{FF2B5EF4-FFF2-40B4-BE49-F238E27FC236}">
+                <a16:creationId xmlns:a16="http://schemas.microsoft.com/office/drawing/2014/main" id="{26194CE6-042F-4F4E-92BB-2A751AECF25D}"/>
+              </a:ext>
+            </a:extLst>
+          </p:cNvPr>
+          <p:cNvSpPr>
+            <a:spLocks noGrp="1"/>
+          </p:cNvSpPr>
+          <p:nvPr>
+            <p:ph type="body" sz="quarter" idx="20"/>
+          </p:nvPr>
+        </p:nvSpPr>
+        <p:spPr/>
+        <p:txBody>
+          <a:bodyPr/>
+          <a:lstStyle/>
+          <a:p>
+            <a:r>
+              <a:rPr lang="en-US" dirty="0"/>
+              <a:t>Delete contact</a:t>
+            </a:r>
+          </a:p>
+        </p:txBody>
+      </p:sp>
+      <p:sp>
+        <p:nvSpPr>
+          <p:cNvPr id="10" name="Text Placeholder 9">
+            <a:extLst>
+              <a:ext uri="{FF2B5EF4-FFF2-40B4-BE49-F238E27FC236}">
+                <a16:creationId xmlns:a16="http://schemas.microsoft.com/office/drawing/2014/main" id="{BAE47FCD-22A2-4D9B-8EF6-7C16C9F4ABC3}"/>
+              </a:ext>
+            </a:extLst>
+          </p:cNvPr>
+          <p:cNvSpPr>
+            <a:spLocks noGrp="1"/>
+          </p:cNvSpPr>
+          <p:nvPr>
+            <p:ph type="body" sz="quarter" idx="18"/>
+          </p:nvPr>
+        </p:nvSpPr>
+        <p:spPr/>
+        <p:txBody>
+          <a:bodyPr>
+            <a:normAutofit/>
+          </a:bodyPr>
+          <a:lstStyle/>
+          <a:p>
+            <a:pPr marL="285750" indent="-285750">
+              <a:buFont typeface="Arial" panose="020B0604020202020204" pitchFamily="34" charset="0"/>
+              <a:buChar char="•"/>
+            </a:pPr>
+            <a:r>
+              <a:rPr lang="en-US" dirty="0">
+                <a:latin typeface="Century Schoolbook" panose="02040604050505020304" pitchFamily="18" charset="0"/>
+              </a:rPr>
+              <a:t>Input: user ID, contact ID</a:t>
+            </a:r>
+          </a:p>
+          <a:p>
+            <a:pPr marL="285750" indent="-285750">
+              <a:buFont typeface="Arial" panose="020B0604020202020204" pitchFamily="34" charset="0"/>
+              <a:buChar char="•"/>
+            </a:pPr>
+            <a:endParaRPr lang="en-US" dirty="0">
+              <a:latin typeface="Century Schoolbook" panose="02040604050505020304" pitchFamily="18" charset="0"/>
+            </a:endParaRPr>
+          </a:p>
+          <a:p>
+            <a:pPr marL="285750" indent="-285750">
+              <a:buFont typeface="Arial" panose="020B0604020202020204" pitchFamily="34" charset="0"/>
+              <a:buChar char="•"/>
+            </a:pPr>
+            <a:r>
+              <a:rPr lang="en-US" dirty="0">
+                <a:latin typeface="Century Schoolbook" panose="02040604050505020304" pitchFamily="18" charset="0"/>
+              </a:rPr>
+              <a:t>Output: print statement</a:t>
+            </a:r>
+          </a:p>
+        </p:txBody>
+      </p:sp>
+      <p:sp>
+        <p:nvSpPr>
+          <p:cNvPr id="13" name="Slide Number Placeholder 12">
+            <a:extLst>
+              <a:ext uri="{FF2B5EF4-FFF2-40B4-BE49-F238E27FC236}">
+                <a16:creationId xmlns:a16="http://schemas.microsoft.com/office/drawing/2014/main" id="{286CDD6D-3A42-45B8-AC82-6D0B8FE9D90D}"/>
               </a:ext>
             </a:extLst>
           </p:cNvPr>
@@ -52975,40 +53710,10 @@
           </a:p>
         </p:txBody>
       </p:sp>
-      <p:pic>
-        <p:nvPicPr>
-          <p:cNvPr id="8" name="Picture 7" descr="A picture containing text&#10;&#10;Description automatically generated">
-            <a:extLst>
-              <a:ext uri="{FF2B5EF4-FFF2-40B4-BE49-F238E27FC236}">
-                <a16:creationId xmlns:a16="http://schemas.microsoft.com/office/drawing/2014/main" id="{44742C84-3650-465C-B29A-01053DEA642C}"/>
-              </a:ext>
-            </a:extLst>
-          </p:cNvPr>
-          <p:cNvPicPr>
-            <a:picLocks noChangeAspect="1"/>
-          </p:cNvPicPr>
-          <p:nvPr/>
-        </p:nvPicPr>
-        <p:blipFill>
-          <a:blip r:embed="rId4"/>
-          <a:stretch>
-            <a:fillRect/>
-          </a:stretch>
-        </p:blipFill>
-        <p:spPr>
-          <a:xfrm>
-            <a:off x="3989917" y="3429000"/>
-            <a:ext cx="3725333" cy="2794001"/>
-          </a:xfrm>
-          <a:prstGeom prst="rect">
-            <a:avLst/>
-          </a:prstGeom>
-        </p:spPr>
-      </p:pic>
     </p:spTree>
     <p:extLst>
       <p:ext uri="{BB962C8B-B14F-4D97-AF65-F5344CB8AC3E}">
-        <p14:creationId xmlns:p14="http://schemas.microsoft.com/office/powerpoint/2010/main" val="1346372204"/>
+        <p14:creationId xmlns:p14="http://schemas.microsoft.com/office/powerpoint/2010/main" val="975038328"/>
       </p:ext>
     </p:extLst>
   </p:cSld>
@@ -53040,7 +53745,7 @@
           <p:cNvPr id="2" name="Title 1">
             <a:extLst>
               <a:ext uri="{FF2B5EF4-FFF2-40B4-BE49-F238E27FC236}">
-                <a16:creationId xmlns:a16="http://schemas.microsoft.com/office/drawing/2014/main" id="{A29DE7F2-E890-4744-88DD-A75F5E300513}"/>
+                <a16:creationId xmlns:a16="http://schemas.microsoft.com/office/drawing/2014/main" id="{18098F23-F482-493A-80F7-3FA661759010}"/>
               </a:ext>
             </a:extLst>
           </p:cNvPr>
@@ -53048,28 +53753,21 @@
             <a:spLocks noGrp="1"/>
           </p:cNvSpPr>
           <p:nvPr>
-            <p:ph type="ctrTitle"/>
+            <p:ph type="title"/>
           </p:nvPr>
         </p:nvSpPr>
-        <p:spPr>
-          <a:xfrm>
-            <a:off x="6096000" y="1098339"/>
-            <a:ext cx="5609329" cy="1187661"/>
-          </a:xfrm>
-        </p:spPr>
+        <p:spPr/>
         <p:txBody>
-          <a:bodyPr>
-            <a:normAutofit/>
-          </a:bodyPr>
+          <a:bodyPr/>
           <a:lstStyle/>
           <a:p>
             <a:r>
-              <a:rPr lang="en-US" dirty="0">
+              <a:rPr lang="en-US" dirty="0" err="1">
                 <a:latin typeface="Fugaz One" pitchFamily="2" charset="0"/>
               </a:rPr>
-              <a:t>Questions?</a:t>
+              <a:t>api</a:t>
             </a:r>
-            <a:endParaRPr lang="en-US" sz="2700" dirty="0">
+            <a:endParaRPr lang="en-US" dirty="0">
               <a:latin typeface="Fugaz One" pitchFamily="2" charset="0"/>
             </a:endParaRPr>
           </a:p>
@@ -53077,10 +53775,265 @@
       </p:sp>
       <p:sp>
         <p:nvSpPr>
-          <p:cNvPr id="5" name="Slide Number Placeholder 4">
+          <p:cNvPr id="3" name="Text Placeholder 2">
             <a:extLst>
               <a:ext uri="{FF2B5EF4-FFF2-40B4-BE49-F238E27FC236}">
-                <a16:creationId xmlns:a16="http://schemas.microsoft.com/office/drawing/2014/main" id="{65AC6C41-3BBF-4721-A0AE-9007E9927EDE}"/>
+                <a16:creationId xmlns:a16="http://schemas.microsoft.com/office/drawing/2014/main" id="{9FEA5514-183A-45D7-BBCB-842A9AB07111}"/>
+              </a:ext>
+            </a:extLst>
+          </p:cNvPr>
+          <p:cNvSpPr>
+            <a:spLocks noGrp="1"/>
+          </p:cNvSpPr>
+          <p:nvPr>
+            <p:ph type="body" sz="quarter" idx="15"/>
+          </p:nvPr>
+        </p:nvSpPr>
+        <p:spPr/>
+        <p:txBody>
+          <a:bodyPr/>
+          <a:lstStyle/>
+          <a:p>
+            <a:r>
+              <a:rPr lang="en-US" dirty="0"/>
+              <a:t>Read contact</a:t>
+            </a:r>
+          </a:p>
+        </p:txBody>
+      </p:sp>
+      <p:sp>
+        <p:nvSpPr>
+          <p:cNvPr id="4" name="Text Placeholder 3">
+            <a:extLst>
+              <a:ext uri="{FF2B5EF4-FFF2-40B4-BE49-F238E27FC236}">
+                <a16:creationId xmlns:a16="http://schemas.microsoft.com/office/drawing/2014/main" id="{7916EC7B-44EC-4138-B12F-C059C6B18173}"/>
+              </a:ext>
+            </a:extLst>
+          </p:cNvPr>
+          <p:cNvSpPr>
+            <a:spLocks noGrp="1"/>
+          </p:cNvSpPr>
+          <p:nvPr>
+            <p:ph type="body" sz="quarter" idx="13"/>
+          </p:nvPr>
+        </p:nvSpPr>
+        <p:spPr/>
+        <p:txBody>
+          <a:bodyPr>
+            <a:normAutofit/>
+          </a:bodyPr>
+          <a:lstStyle/>
+          <a:p>
+            <a:pPr marL="285750" indent="-285750">
+              <a:buFont typeface="Arial" panose="020B0604020202020204" pitchFamily="34" charset="0"/>
+              <a:buChar char="•"/>
+            </a:pPr>
+            <a:r>
+              <a:rPr lang="en-US" dirty="0">
+                <a:latin typeface="Century Schoolbook" panose="02040604050505020304" pitchFamily="18" charset="0"/>
+              </a:rPr>
+              <a:t>Input: user ID, contact ID</a:t>
+            </a:r>
+          </a:p>
+          <a:p>
+            <a:pPr marL="285750" indent="-285750">
+              <a:buFont typeface="Arial" panose="020B0604020202020204" pitchFamily="34" charset="0"/>
+              <a:buChar char="•"/>
+            </a:pPr>
+            <a:endParaRPr lang="en-US" dirty="0">
+              <a:latin typeface="Century Schoolbook" panose="02040604050505020304" pitchFamily="18" charset="0"/>
+            </a:endParaRPr>
+          </a:p>
+          <a:p>
+            <a:pPr marL="285750" indent="-285750">
+              <a:buFont typeface="Arial" panose="020B0604020202020204" pitchFamily="34" charset="0"/>
+              <a:buChar char="•"/>
+            </a:pPr>
+            <a:r>
+              <a:rPr lang="en-US" dirty="0">
+                <a:latin typeface="Century Schoolbook" panose="02040604050505020304" pitchFamily="18" charset="0"/>
+              </a:rPr>
+              <a:t>Output: first name, last name, email, phone number</a:t>
+            </a:r>
+          </a:p>
+        </p:txBody>
+      </p:sp>
+      <p:sp>
+        <p:nvSpPr>
+          <p:cNvPr id="5" name="Text Placeholder 4">
+            <a:extLst>
+              <a:ext uri="{FF2B5EF4-FFF2-40B4-BE49-F238E27FC236}">
+                <a16:creationId xmlns:a16="http://schemas.microsoft.com/office/drawing/2014/main" id="{36B4586F-24D8-4B2C-976C-9CDC2A80BC35}"/>
+              </a:ext>
+            </a:extLst>
+          </p:cNvPr>
+          <p:cNvSpPr>
+            <a:spLocks noGrp="1"/>
+          </p:cNvSpPr>
+          <p:nvPr>
+            <p:ph type="body" sz="quarter" idx="16"/>
+          </p:nvPr>
+        </p:nvSpPr>
+        <p:spPr/>
+        <p:txBody>
+          <a:bodyPr/>
+          <a:lstStyle/>
+          <a:p>
+            <a:r>
+              <a:rPr lang="en-US" dirty="0"/>
+              <a:t>Edit contact</a:t>
+            </a:r>
+          </a:p>
+        </p:txBody>
+      </p:sp>
+      <p:sp>
+        <p:nvSpPr>
+          <p:cNvPr id="6" name="Text Placeholder 5">
+            <a:extLst>
+              <a:ext uri="{FF2B5EF4-FFF2-40B4-BE49-F238E27FC236}">
+                <a16:creationId xmlns:a16="http://schemas.microsoft.com/office/drawing/2014/main" id="{FA832644-4D0E-46BD-920E-EF4DB3819437}"/>
+              </a:ext>
+            </a:extLst>
+          </p:cNvPr>
+          <p:cNvSpPr>
+            <a:spLocks noGrp="1"/>
+          </p:cNvSpPr>
+          <p:nvPr>
+            <p:ph type="body" sz="quarter" idx="14"/>
+          </p:nvPr>
+        </p:nvSpPr>
+        <p:spPr/>
+        <p:txBody>
+          <a:bodyPr>
+            <a:noAutofit/>
+          </a:bodyPr>
+          <a:lstStyle/>
+          <a:p>
+            <a:pPr marL="285750" indent="-285750">
+              <a:buFont typeface="Arial" panose="020B0604020202020204" pitchFamily="34" charset="0"/>
+              <a:buChar char="•"/>
+            </a:pPr>
+            <a:r>
+              <a:rPr lang="en-US" dirty="0">
+                <a:latin typeface="Century Schoolbook" panose="02040604050505020304" pitchFamily="18" charset="0"/>
+              </a:rPr>
+              <a:t>Input: first name, last name, email, phone number, user ID, contact ID</a:t>
+            </a:r>
+          </a:p>
+          <a:p>
+            <a:pPr marL="285750" indent="-285750">
+              <a:buFont typeface="Arial" panose="020B0604020202020204" pitchFamily="34" charset="0"/>
+              <a:buChar char="•"/>
+            </a:pPr>
+            <a:endParaRPr lang="en-US" dirty="0">
+              <a:latin typeface="Century Schoolbook" panose="02040604050505020304" pitchFamily="18" charset="0"/>
+            </a:endParaRPr>
+          </a:p>
+          <a:p>
+            <a:pPr marL="285750" indent="-285750">
+              <a:buFont typeface="Arial" panose="020B0604020202020204" pitchFamily="34" charset="0"/>
+              <a:buChar char="•"/>
+            </a:pPr>
+            <a:r>
+              <a:rPr lang="en-US" dirty="0">
+                <a:latin typeface="Century Schoolbook" panose="02040604050505020304" pitchFamily="18" charset="0"/>
+              </a:rPr>
+              <a:t>Output: print statement</a:t>
+            </a:r>
+          </a:p>
+        </p:txBody>
+      </p:sp>
+      <p:sp>
+        <p:nvSpPr>
+          <p:cNvPr id="7" name="Text Placeholder 6">
+            <a:extLst>
+              <a:ext uri="{FF2B5EF4-FFF2-40B4-BE49-F238E27FC236}">
+                <a16:creationId xmlns:a16="http://schemas.microsoft.com/office/drawing/2014/main" id="{01CF3796-BD5F-42B3-8FCB-A5A9E1F5B257}"/>
+              </a:ext>
+            </a:extLst>
+          </p:cNvPr>
+          <p:cNvSpPr>
+            <a:spLocks noGrp="1"/>
+          </p:cNvSpPr>
+          <p:nvPr>
+            <p:ph type="body" sz="quarter" idx="19"/>
+          </p:nvPr>
+        </p:nvSpPr>
+        <p:spPr/>
+        <p:txBody>
+          <a:bodyPr/>
+          <a:lstStyle/>
+          <a:p>
+            <a:r>
+              <a:rPr lang="en-US" dirty="0"/>
+              <a:t>Search contact</a:t>
+            </a:r>
+          </a:p>
+        </p:txBody>
+      </p:sp>
+      <p:sp>
+        <p:nvSpPr>
+          <p:cNvPr id="8" name="Text Placeholder 7">
+            <a:extLst>
+              <a:ext uri="{FF2B5EF4-FFF2-40B4-BE49-F238E27FC236}">
+                <a16:creationId xmlns:a16="http://schemas.microsoft.com/office/drawing/2014/main" id="{5BDFE21D-D9D6-426C-91ED-993FC309A40B}"/>
+              </a:ext>
+            </a:extLst>
+          </p:cNvPr>
+          <p:cNvSpPr>
+            <a:spLocks noGrp="1"/>
+          </p:cNvSpPr>
+          <p:nvPr>
+            <p:ph type="body" sz="quarter" idx="17"/>
+          </p:nvPr>
+        </p:nvSpPr>
+        <p:spPr/>
+        <p:txBody>
+          <a:bodyPr>
+            <a:normAutofit/>
+          </a:bodyPr>
+          <a:lstStyle/>
+          <a:p>
+            <a:pPr marL="285750" indent="-285750">
+              <a:buFont typeface="Arial" panose="020B0604020202020204" pitchFamily="34" charset="0"/>
+              <a:buChar char="•"/>
+            </a:pPr>
+            <a:r>
+              <a:rPr lang="en-US" dirty="0">
+                <a:latin typeface="Century Schoolbook" panose="02040604050505020304" pitchFamily="18" charset="0"/>
+              </a:rPr>
+              <a:t>Input: search keywords, user ID</a:t>
+            </a:r>
+          </a:p>
+          <a:p>
+            <a:pPr marL="285750" indent="-285750">
+              <a:buFont typeface="Arial" panose="020B0604020202020204" pitchFamily="34" charset="0"/>
+              <a:buChar char="•"/>
+            </a:pPr>
+            <a:endParaRPr lang="en-US" dirty="0">
+              <a:latin typeface="Century Schoolbook" panose="02040604050505020304" pitchFamily="18" charset="0"/>
+            </a:endParaRPr>
+          </a:p>
+          <a:p>
+            <a:pPr marL="285750" indent="-285750">
+              <a:buFont typeface="Arial" panose="020B0604020202020204" pitchFamily="34" charset="0"/>
+              <a:buChar char="•"/>
+            </a:pPr>
+            <a:r>
+              <a:rPr lang="en-US" dirty="0">
+                <a:latin typeface="Century Schoolbook" panose="02040604050505020304" pitchFamily="18" charset="0"/>
+              </a:rPr>
+              <a:t>Output: first name and contact ID of matches</a:t>
+            </a:r>
+          </a:p>
+        </p:txBody>
+      </p:sp>
+      <p:sp>
+        <p:nvSpPr>
+          <p:cNvPr id="13" name="Slide Number Placeholder 12">
+            <a:extLst>
+              <a:ext uri="{FF2B5EF4-FFF2-40B4-BE49-F238E27FC236}">
+                <a16:creationId xmlns:a16="http://schemas.microsoft.com/office/drawing/2014/main" id="{CAF7A222-582A-4492-8771-7A6A36B939AE}"/>
               </a:ext>
             </a:extLst>
           </p:cNvPr>
@@ -53108,7 +54061,7 @@
     </p:spTree>
     <p:extLst>
       <p:ext uri="{BB962C8B-B14F-4D97-AF65-F5344CB8AC3E}">
-        <p14:creationId xmlns:p14="http://schemas.microsoft.com/office/powerpoint/2010/main" val="707789176"/>
+        <p14:creationId xmlns:p14="http://schemas.microsoft.com/office/powerpoint/2010/main" val="2936266322"/>
       </p:ext>
     </p:extLst>
   </p:cSld>

--- a/Miscellaneous/Contact_Manager.pptx
+++ b/Miscellaneous/Contact_Manager.pptx
@@ -5,10 +5,10 @@
     <p:sldMasterId id="2147483648" r:id="rId4"/>
   </p:sldMasterIdLst>
   <p:notesMasterIdLst>
-    <p:notesMasterId r:id="rId17"/>
+    <p:notesMasterId r:id="rId18"/>
   </p:notesMasterIdLst>
   <p:handoutMasterIdLst>
-    <p:handoutMasterId r:id="rId18"/>
+    <p:handoutMasterId r:id="rId19"/>
   </p:handoutMasterIdLst>
   <p:sldIdLst>
     <p:sldId id="256" r:id="rId5"/>
@@ -17,12 +17,13 @@
     <p:sldId id="288" r:id="rId8"/>
     <p:sldId id="289" r:id="rId9"/>
     <p:sldId id="262" r:id="rId10"/>
-    <p:sldId id="263" r:id="rId11"/>
-    <p:sldId id="292" r:id="rId12"/>
-    <p:sldId id="293" r:id="rId13"/>
-    <p:sldId id="294" r:id="rId14"/>
-    <p:sldId id="264" r:id="rId15"/>
-    <p:sldId id="258" r:id="rId16"/>
+    <p:sldId id="299" r:id="rId11"/>
+    <p:sldId id="263" r:id="rId12"/>
+    <p:sldId id="300" r:id="rId13"/>
+    <p:sldId id="292" r:id="rId14"/>
+    <p:sldId id="293" r:id="rId15"/>
+    <p:sldId id="294" r:id="rId16"/>
+    <p:sldId id="258" r:id="rId17"/>
   </p:sldIdLst>
   <p:sldSz cx="12192000" cy="6858000"/>
   <p:notesSz cx="6858000" cy="9144000"/>
@@ -254,7 +255,7 @@
           <a:p>
             <a:fld id="{058ABBF3-49A8-4B3F-9773-22E67695BB12}" type="datetimeFigureOut">
               <a:rPr lang="en-US" smtClean="0"/>
-              <a:t>9/14/2021</a:t>
+              <a:t>9/15/2021</a:t>
             </a:fld>
             <a:endParaRPr lang="en-US" dirty="0"/>
           </a:p>
@@ -431,7 +432,7 @@
           <a:p>
             <a:fld id="{F44AAC2B-A50D-4386-849A-6B59FB991B4C}" type="datetimeFigureOut">
               <a:rPr lang="en-US" smtClean="0"/>
-              <a:t>9/14/2021</a:t>
+              <a:t>9/15/2021</a:t>
             </a:fld>
             <a:endParaRPr lang="en-US" dirty="0"/>
           </a:p>
@@ -50712,17 +50713,35 @@
           <a:p>
             <a:r>
               <a:rPr lang="en-US" dirty="0">
+                <a:solidFill>
+                  <a:schemeClr val="tx1">
+                    <a:lumMod val="75000"/>
+                    <a:lumOff val="25000"/>
+                  </a:schemeClr>
+                </a:solidFill>
                 <a:latin typeface="Century Schoolbook" panose="02040604050505020304" pitchFamily="18" charset="0"/>
               </a:rPr>
               <a:t>By: Kaleb, Braedon, Julia, Tristan, &amp; </a:t>
             </a:r>
             <a:r>
               <a:rPr lang="en-US" dirty="0" err="1">
+                <a:solidFill>
+                  <a:schemeClr val="tx1">
+                    <a:lumMod val="75000"/>
+                    <a:lumOff val="25000"/>
+                  </a:schemeClr>
+                </a:solidFill>
                 <a:latin typeface="Century Schoolbook" panose="02040604050505020304" pitchFamily="18" charset="0"/>
               </a:rPr>
               <a:t>Ege</a:t>
             </a:r>
             <a:endParaRPr lang="en-US" dirty="0">
+              <a:solidFill>
+                <a:schemeClr val="tx1">
+                  <a:lumMod val="75000"/>
+                  <a:lumOff val="25000"/>
+                </a:schemeClr>
+              </a:solidFill>
               <a:latin typeface="Century Schoolbook" panose="02040604050505020304" pitchFamily="18" charset="0"/>
             </a:endParaRPr>
           </a:p>
@@ -50738,13 +50757,13 @@
   <p:clrMapOvr>
     <a:masterClrMapping/>
   </p:clrMapOvr>
-  <mc:AlternateContent xmlns:mc="http://schemas.openxmlformats.org/markup-compatibility/2006" xmlns:p159="http://schemas.microsoft.com/office/powerpoint/2015/09/main">
-    <mc:Choice Requires="p159">
+  <mc:AlternateContent xmlns:mc="http://schemas.openxmlformats.org/markup-compatibility/2006">
+    <mc:Choice xmlns:p159="http://schemas.microsoft.com/office/powerpoint/2015/09/main" Requires="p159">
       <p:transition xmlns:p14="http://schemas.microsoft.com/office/powerpoint/2010/main" spd="slow" p14:dur="2000">
         <p159:morph option="byObject"/>
       </p:transition>
     </mc:Choice>
-    <mc:Fallback xmlns="">
+    <mc:Fallback>
       <p:transition spd="slow">
         <p:fade/>
       </p:transition>
@@ -50754,6 +50773,954 @@
 </file>
 
 <file path=ppt/slides/slide10.xml><?xml version="1.0" encoding="utf-8"?>
+<p:sld xmlns:a="http://schemas.openxmlformats.org/drawingml/2006/main" xmlns:r="http://schemas.openxmlformats.org/officeDocument/2006/relationships" xmlns:p="http://schemas.openxmlformats.org/presentationml/2006/main">
+  <p:cSld>
+    <p:spTree>
+      <p:nvGrpSpPr>
+        <p:cNvPr id="1" name=""/>
+        <p:cNvGrpSpPr/>
+        <p:nvPr/>
+      </p:nvGrpSpPr>
+      <p:grpSpPr>
+        <a:xfrm>
+          <a:off x="0" y="0"/>
+          <a:ext cx="0" cy="0"/>
+          <a:chOff x="0" y="0"/>
+          <a:chExt cx="0" cy="0"/>
+        </a:xfrm>
+      </p:grpSpPr>
+      <p:sp>
+        <p:nvSpPr>
+          <p:cNvPr id="2" name="Title 1">
+            <a:extLst>
+              <a:ext uri="{FF2B5EF4-FFF2-40B4-BE49-F238E27FC236}">
+                <a16:creationId xmlns:a16="http://schemas.microsoft.com/office/drawing/2014/main" id="{FDDAF57A-12FD-4324-A565-3DC42EC2EA73}"/>
+              </a:ext>
+            </a:extLst>
+          </p:cNvPr>
+          <p:cNvSpPr>
+            <a:spLocks noGrp="1"/>
+          </p:cNvSpPr>
+          <p:nvPr>
+            <p:ph type="title"/>
+          </p:nvPr>
+        </p:nvSpPr>
+        <p:spPr/>
+        <p:txBody>
+          <a:bodyPr/>
+          <a:lstStyle/>
+          <a:p>
+            <a:r>
+              <a:rPr lang="en-US" dirty="0" err="1">
+                <a:solidFill>
+                  <a:schemeClr val="bg2">
+                    <a:lumMod val="75000"/>
+                  </a:schemeClr>
+                </a:solidFill>
+                <a:latin typeface="Fugaz One" pitchFamily="2" charset="0"/>
+              </a:rPr>
+              <a:t>APi</a:t>
+            </a:r>
+            <a:endParaRPr lang="en-US" dirty="0">
+              <a:solidFill>
+                <a:schemeClr val="bg2">
+                  <a:lumMod val="75000"/>
+                </a:schemeClr>
+              </a:solidFill>
+              <a:latin typeface="Fugaz One" pitchFamily="2" charset="0"/>
+            </a:endParaRPr>
+          </a:p>
+        </p:txBody>
+      </p:sp>
+      <p:sp>
+        <p:nvSpPr>
+          <p:cNvPr id="3" name="Text Placeholder 2">
+            <a:extLst>
+              <a:ext uri="{FF2B5EF4-FFF2-40B4-BE49-F238E27FC236}">
+                <a16:creationId xmlns:a16="http://schemas.microsoft.com/office/drawing/2014/main" id="{970A254E-2D9F-44A2-B0F2-DA03400F8E23}"/>
+              </a:ext>
+            </a:extLst>
+          </p:cNvPr>
+          <p:cNvSpPr>
+            <a:spLocks noGrp="1"/>
+          </p:cNvSpPr>
+          <p:nvPr>
+            <p:ph type="body" sz="quarter" idx="15"/>
+          </p:nvPr>
+        </p:nvSpPr>
+        <p:spPr/>
+        <p:txBody>
+          <a:bodyPr/>
+          <a:lstStyle/>
+          <a:p>
+            <a:r>
+              <a:rPr lang="en-US" dirty="0">
+                <a:solidFill>
+                  <a:schemeClr val="bg2">
+                    <a:lumMod val="75000"/>
+                  </a:schemeClr>
+                </a:solidFill>
+              </a:rPr>
+              <a:t>Login</a:t>
+            </a:r>
+          </a:p>
+        </p:txBody>
+      </p:sp>
+      <p:sp>
+        <p:nvSpPr>
+          <p:cNvPr id="4" name="Text Placeholder 3">
+            <a:extLst>
+              <a:ext uri="{FF2B5EF4-FFF2-40B4-BE49-F238E27FC236}">
+                <a16:creationId xmlns:a16="http://schemas.microsoft.com/office/drawing/2014/main" id="{C8D2584D-20AF-4C2D-8610-88D689512D70}"/>
+              </a:ext>
+            </a:extLst>
+          </p:cNvPr>
+          <p:cNvSpPr>
+            <a:spLocks noGrp="1"/>
+          </p:cNvSpPr>
+          <p:nvPr>
+            <p:ph type="body" sz="quarter" idx="13"/>
+          </p:nvPr>
+        </p:nvSpPr>
+        <p:spPr/>
+        <p:txBody>
+          <a:bodyPr>
+            <a:normAutofit/>
+          </a:bodyPr>
+          <a:lstStyle/>
+          <a:p>
+            <a:pPr marL="285750" indent="-285750">
+              <a:buFont typeface="Arial" panose="020B0604020202020204" pitchFamily="34" charset="0"/>
+              <a:buChar char="•"/>
+            </a:pPr>
+            <a:r>
+              <a:rPr lang="en-US" dirty="0">
+                <a:solidFill>
+                  <a:schemeClr val="bg2">
+                    <a:lumMod val="90000"/>
+                  </a:schemeClr>
+                </a:solidFill>
+                <a:latin typeface="Century Schoolbook" panose="02040604050505020304" pitchFamily="18" charset="0"/>
+              </a:rPr>
+              <a:t>Input: login, password</a:t>
+            </a:r>
+          </a:p>
+          <a:p>
+            <a:pPr marL="285750" indent="-285750">
+              <a:buFont typeface="Arial" panose="020B0604020202020204" pitchFamily="34" charset="0"/>
+              <a:buChar char="•"/>
+            </a:pPr>
+            <a:endParaRPr lang="en-US" dirty="0">
+              <a:solidFill>
+                <a:schemeClr val="bg2">
+                  <a:lumMod val="90000"/>
+                </a:schemeClr>
+              </a:solidFill>
+              <a:latin typeface="Century Schoolbook" panose="02040604050505020304" pitchFamily="18" charset="0"/>
+            </a:endParaRPr>
+          </a:p>
+          <a:p>
+            <a:pPr marL="285750" indent="-285750">
+              <a:buFont typeface="Arial" panose="020B0604020202020204" pitchFamily="34" charset="0"/>
+              <a:buChar char="•"/>
+            </a:pPr>
+            <a:r>
+              <a:rPr lang="en-US" dirty="0">
+                <a:solidFill>
+                  <a:schemeClr val="bg2">
+                    <a:lumMod val="90000"/>
+                  </a:schemeClr>
+                </a:solidFill>
+                <a:latin typeface="Century Schoolbook" panose="02040604050505020304" pitchFamily="18" charset="0"/>
+              </a:rPr>
+              <a:t>Output: user ID, first name, last name</a:t>
+            </a:r>
+          </a:p>
+        </p:txBody>
+      </p:sp>
+      <p:sp>
+        <p:nvSpPr>
+          <p:cNvPr id="5" name="Text Placeholder 4">
+            <a:extLst>
+              <a:ext uri="{FF2B5EF4-FFF2-40B4-BE49-F238E27FC236}">
+                <a16:creationId xmlns:a16="http://schemas.microsoft.com/office/drawing/2014/main" id="{149ADDF0-6BF9-4AEB-B0D2-042FA6DE3635}"/>
+              </a:ext>
+            </a:extLst>
+          </p:cNvPr>
+          <p:cNvSpPr>
+            <a:spLocks noGrp="1"/>
+          </p:cNvSpPr>
+          <p:nvPr>
+            <p:ph type="body" sz="quarter" idx="16"/>
+          </p:nvPr>
+        </p:nvSpPr>
+        <p:spPr/>
+        <p:txBody>
+          <a:bodyPr/>
+          <a:lstStyle/>
+          <a:p>
+            <a:r>
+              <a:rPr lang="en-US" dirty="0">
+                <a:solidFill>
+                  <a:schemeClr val="bg2">
+                    <a:lumMod val="75000"/>
+                  </a:schemeClr>
+                </a:solidFill>
+              </a:rPr>
+              <a:t>register</a:t>
+            </a:r>
+          </a:p>
+        </p:txBody>
+      </p:sp>
+      <p:sp>
+        <p:nvSpPr>
+          <p:cNvPr id="6" name="Text Placeholder 5">
+            <a:extLst>
+              <a:ext uri="{FF2B5EF4-FFF2-40B4-BE49-F238E27FC236}">
+                <a16:creationId xmlns:a16="http://schemas.microsoft.com/office/drawing/2014/main" id="{1F965AD3-2C55-468B-95E6-350C75F0AA37}"/>
+              </a:ext>
+            </a:extLst>
+          </p:cNvPr>
+          <p:cNvSpPr>
+            <a:spLocks noGrp="1"/>
+          </p:cNvSpPr>
+          <p:nvPr>
+            <p:ph type="body" sz="quarter" idx="14"/>
+          </p:nvPr>
+        </p:nvSpPr>
+        <p:spPr/>
+        <p:txBody>
+          <a:bodyPr>
+            <a:noAutofit/>
+          </a:bodyPr>
+          <a:lstStyle/>
+          <a:p>
+            <a:pPr marL="285750" indent="-285750">
+              <a:buFont typeface="Arial" panose="020B0604020202020204" pitchFamily="34" charset="0"/>
+              <a:buChar char="•"/>
+            </a:pPr>
+            <a:r>
+              <a:rPr lang="en-US" dirty="0">
+                <a:solidFill>
+                  <a:schemeClr val="bg2">
+                    <a:lumMod val="90000"/>
+                  </a:schemeClr>
+                </a:solidFill>
+                <a:latin typeface="Century Schoolbook" panose="02040604050505020304" pitchFamily="18" charset="0"/>
+              </a:rPr>
+              <a:t>Input: first name, last name, email, phone number, login, password</a:t>
+            </a:r>
+          </a:p>
+          <a:p>
+            <a:pPr marL="285750" indent="-285750">
+              <a:buFont typeface="Arial" panose="020B0604020202020204" pitchFamily="34" charset="0"/>
+              <a:buChar char="•"/>
+            </a:pPr>
+            <a:endParaRPr lang="en-US" dirty="0">
+              <a:solidFill>
+                <a:schemeClr val="bg2">
+                  <a:lumMod val="90000"/>
+                </a:schemeClr>
+              </a:solidFill>
+              <a:latin typeface="Century Schoolbook" panose="02040604050505020304" pitchFamily="18" charset="0"/>
+            </a:endParaRPr>
+          </a:p>
+          <a:p>
+            <a:pPr marL="285750" indent="-285750">
+              <a:buFont typeface="Arial" panose="020B0604020202020204" pitchFamily="34" charset="0"/>
+              <a:buChar char="•"/>
+            </a:pPr>
+            <a:r>
+              <a:rPr lang="en-US" dirty="0">
+                <a:solidFill>
+                  <a:schemeClr val="bg2">
+                    <a:lumMod val="90000"/>
+                  </a:schemeClr>
+                </a:solidFill>
+                <a:latin typeface="Century Schoolbook" panose="02040604050505020304" pitchFamily="18" charset="0"/>
+              </a:rPr>
+              <a:t>Output: user ID</a:t>
+            </a:r>
+          </a:p>
+        </p:txBody>
+      </p:sp>
+      <p:sp>
+        <p:nvSpPr>
+          <p:cNvPr id="7" name="Text Placeholder 6">
+            <a:extLst>
+              <a:ext uri="{FF2B5EF4-FFF2-40B4-BE49-F238E27FC236}">
+                <a16:creationId xmlns:a16="http://schemas.microsoft.com/office/drawing/2014/main" id="{1DBC60E8-CF0E-4303-ADE4-1542485FE284}"/>
+              </a:ext>
+            </a:extLst>
+          </p:cNvPr>
+          <p:cNvSpPr>
+            <a:spLocks noGrp="1"/>
+          </p:cNvSpPr>
+          <p:nvPr>
+            <p:ph type="body" sz="quarter" idx="19"/>
+          </p:nvPr>
+        </p:nvSpPr>
+        <p:spPr/>
+        <p:txBody>
+          <a:bodyPr/>
+          <a:lstStyle/>
+          <a:p>
+            <a:r>
+              <a:rPr lang="en-US" dirty="0">
+                <a:solidFill>
+                  <a:schemeClr val="bg2">
+                    <a:lumMod val="75000"/>
+                  </a:schemeClr>
+                </a:solidFill>
+              </a:rPr>
+              <a:t>Add contact</a:t>
+            </a:r>
+          </a:p>
+        </p:txBody>
+      </p:sp>
+      <p:sp>
+        <p:nvSpPr>
+          <p:cNvPr id="8" name="Text Placeholder 7">
+            <a:extLst>
+              <a:ext uri="{FF2B5EF4-FFF2-40B4-BE49-F238E27FC236}">
+                <a16:creationId xmlns:a16="http://schemas.microsoft.com/office/drawing/2014/main" id="{CB5A9583-FD25-4697-8E82-512F7D0D21EF}"/>
+              </a:ext>
+            </a:extLst>
+          </p:cNvPr>
+          <p:cNvSpPr>
+            <a:spLocks noGrp="1"/>
+          </p:cNvSpPr>
+          <p:nvPr>
+            <p:ph type="body" sz="quarter" idx="17"/>
+          </p:nvPr>
+        </p:nvSpPr>
+        <p:spPr/>
+        <p:txBody>
+          <a:bodyPr>
+            <a:normAutofit/>
+          </a:bodyPr>
+          <a:lstStyle/>
+          <a:p>
+            <a:pPr marL="285750" indent="-285750">
+              <a:buFont typeface="Arial" panose="020B0604020202020204" pitchFamily="34" charset="0"/>
+              <a:buChar char="•"/>
+            </a:pPr>
+            <a:r>
+              <a:rPr lang="en-US" dirty="0">
+                <a:solidFill>
+                  <a:schemeClr val="bg2">
+                    <a:lumMod val="90000"/>
+                  </a:schemeClr>
+                </a:solidFill>
+                <a:latin typeface="Century Schoolbook" panose="02040604050505020304" pitchFamily="18" charset="0"/>
+              </a:rPr>
+              <a:t>Input: first name, last name, email, phone number, user ID</a:t>
+            </a:r>
+          </a:p>
+          <a:p>
+            <a:pPr marL="285750" indent="-285750">
+              <a:buFont typeface="Arial" panose="020B0604020202020204" pitchFamily="34" charset="0"/>
+              <a:buChar char="•"/>
+            </a:pPr>
+            <a:endParaRPr lang="en-US" dirty="0">
+              <a:solidFill>
+                <a:schemeClr val="bg2">
+                  <a:lumMod val="90000"/>
+                </a:schemeClr>
+              </a:solidFill>
+              <a:latin typeface="Century Schoolbook" panose="02040604050505020304" pitchFamily="18" charset="0"/>
+            </a:endParaRPr>
+          </a:p>
+          <a:p>
+            <a:pPr marL="285750" indent="-285750">
+              <a:buFont typeface="Arial" panose="020B0604020202020204" pitchFamily="34" charset="0"/>
+              <a:buChar char="•"/>
+            </a:pPr>
+            <a:r>
+              <a:rPr lang="en-US" dirty="0">
+                <a:solidFill>
+                  <a:schemeClr val="bg2">
+                    <a:lumMod val="90000"/>
+                  </a:schemeClr>
+                </a:solidFill>
+                <a:latin typeface="Century Schoolbook" panose="02040604050505020304" pitchFamily="18" charset="0"/>
+              </a:rPr>
+              <a:t>Output: print statement </a:t>
+            </a:r>
+          </a:p>
+        </p:txBody>
+      </p:sp>
+      <p:sp>
+        <p:nvSpPr>
+          <p:cNvPr id="9" name="Text Placeholder 8">
+            <a:extLst>
+              <a:ext uri="{FF2B5EF4-FFF2-40B4-BE49-F238E27FC236}">
+                <a16:creationId xmlns:a16="http://schemas.microsoft.com/office/drawing/2014/main" id="{26194CE6-042F-4F4E-92BB-2A751AECF25D}"/>
+              </a:ext>
+            </a:extLst>
+          </p:cNvPr>
+          <p:cNvSpPr>
+            <a:spLocks noGrp="1"/>
+          </p:cNvSpPr>
+          <p:nvPr>
+            <p:ph type="body" sz="quarter" idx="20"/>
+          </p:nvPr>
+        </p:nvSpPr>
+        <p:spPr/>
+        <p:txBody>
+          <a:bodyPr/>
+          <a:lstStyle/>
+          <a:p>
+            <a:r>
+              <a:rPr lang="en-US" dirty="0">
+                <a:solidFill>
+                  <a:schemeClr val="bg2">
+                    <a:lumMod val="75000"/>
+                  </a:schemeClr>
+                </a:solidFill>
+              </a:rPr>
+              <a:t>Delete contact</a:t>
+            </a:r>
+          </a:p>
+        </p:txBody>
+      </p:sp>
+      <p:sp>
+        <p:nvSpPr>
+          <p:cNvPr id="10" name="Text Placeholder 9">
+            <a:extLst>
+              <a:ext uri="{FF2B5EF4-FFF2-40B4-BE49-F238E27FC236}">
+                <a16:creationId xmlns:a16="http://schemas.microsoft.com/office/drawing/2014/main" id="{BAE47FCD-22A2-4D9B-8EF6-7C16C9F4ABC3}"/>
+              </a:ext>
+            </a:extLst>
+          </p:cNvPr>
+          <p:cNvSpPr>
+            <a:spLocks noGrp="1"/>
+          </p:cNvSpPr>
+          <p:nvPr>
+            <p:ph type="body" sz="quarter" idx="18"/>
+          </p:nvPr>
+        </p:nvSpPr>
+        <p:spPr/>
+        <p:txBody>
+          <a:bodyPr>
+            <a:normAutofit/>
+          </a:bodyPr>
+          <a:lstStyle/>
+          <a:p>
+            <a:pPr marL="285750" indent="-285750">
+              <a:buFont typeface="Arial" panose="020B0604020202020204" pitchFamily="34" charset="0"/>
+              <a:buChar char="•"/>
+            </a:pPr>
+            <a:r>
+              <a:rPr lang="en-US" dirty="0">
+                <a:solidFill>
+                  <a:schemeClr val="bg2">
+                    <a:lumMod val="90000"/>
+                  </a:schemeClr>
+                </a:solidFill>
+                <a:latin typeface="Century Schoolbook" panose="02040604050505020304" pitchFamily="18" charset="0"/>
+              </a:rPr>
+              <a:t>Input: user ID, contact ID</a:t>
+            </a:r>
+          </a:p>
+          <a:p>
+            <a:pPr marL="285750" indent="-285750">
+              <a:buFont typeface="Arial" panose="020B0604020202020204" pitchFamily="34" charset="0"/>
+              <a:buChar char="•"/>
+            </a:pPr>
+            <a:endParaRPr lang="en-US" dirty="0">
+              <a:solidFill>
+                <a:schemeClr val="bg2">
+                  <a:lumMod val="90000"/>
+                </a:schemeClr>
+              </a:solidFill>
+              <a:latin typeface="Century Schoolbook" panose="02040604050505020304" pitchFamily="18" charset="0"/>
+            </a:endParaRPr>
+          </a:p>
+          <a:p>
+            <a:pPr marL="285750" indent="-285750">
+              <a:buFont typeface="Arial" panose="020B0604020202020204" pitchFamily="34" charset="0"/>
+              <a:buChar char="•"/>
+            </a:pPr>
+            <a:r>
+              <a:rPr lang="en-US" dirty="0">
+                <a:solidFill>
+                  <a:schemeClr val="bg2">
+                    <a:lumMod val="90000"/>
+                  </a:schemeClr>
+                </a:solidFill>
+                <a:latin typeface="Century Schoolbook" panose="02040604050505020304" pitchFamily="18" charset="0"/>
+              </a:rPr>
+              <a:t>Output: print statement</a:t>
+            </a:r>
+          </a:p>
+        </p:txBody>
+      </p:sp>
+      <p:sp>
+        <p:nvSpPr>
+          <p:cNvPr id="13" name="Slide Number Placeholder 12">
+            <a:extLst>
+              <a:ext uri="{FF2B5EF4-FFF2-40B4-BE49-F238E27FC236}">
+                <a16:creationId xmlns:a16="http://schemas.microsoft.com/office/drawing/2014/main" id="{286CDD6D-3A42-45B8-AC82-6D0B8FE9D90D}"/>
+              </a:ext>
+            </a:extLst>
+          </p:cNvPr>
+          <p:cNvSpPr>
+            <a:spLocks noGrp="1"/>
+          </p:cNvSpPr>
+          <p:nvPr>
+            <p:ph type="sldNum" sz="quarter" idx="12"/>
+          </p:nvPr>
+        </p:nvSpPr>
+        <p:spPr/>
+        <p:txBody>
+          <a:bodyPr/>
+          <a:lstStyle/>
+          <a:p>
+            <a:fld id="{B5CEABB6-07DC-46E8-9B57-56EC44A396E5}" type="slidenum">
+              <a:rPr lang="en-US" smtClean="0"/>
+              <a:pPr/>
+              <a:t>10</a:t>
+            </a:fld>
+            <a:endParaRPr lang="en-US" dirty="0"/>
+          </a:p>
+        </p:txBody>
+      </p:sp>
+    </p:spTree>
+    <p:extLst>
+      <p:ext uri="{BB962C8B-B14F-4D97-AF65-F5344CB8AC3E}">
+        <p14:creationId xmlns:p14="http://schemas.microsoft.com/office/powerpoint/2010/main" val="975038328"/>
+      </p:ext>
+    </p:extLst>
+  </p:cSld>
+  <p:clrMapOvr>
+    <a:masterClrMapping/>
+  </p:clrMapOvr>
+</p:sld>
+</file>
+
+<file path=ppt/slides/slide11.xml><?xml version="1.0" encoding="utf-8"?>
+<p:sld xmlns:a="http://schemas.openxmlformats.org/drawingml/2006/main" xmlns:r="http://schemas.openxmlformats.org/officeDocument/2006/relationships" xmlns:p="http://schemas.openxmlformats.org/presentationml/2006/main">
+  <p:cSld>
+    <p:spTree>
+      <p:nvGrpSpPr>
+        <p:cNvPr id="1" name=""/>
+        <p:cNvGrpSpPr/>
+        <p:nvPr/>
+      </p:nvGrpSpPr>
+      <p:grpSpPr>
+        <a:xfrm>
+          <a:off x="0" y="0"/>
+          <a:ext cx="0" cy="0"/>
+          <a:chOff x="0" y="0"/>
+          <a:chExt cx="0" cy="0"/>
+        </a:xfrm>
+      </p:grpSpPr>
+      <p:sp>
+        <p:nvSpPr>
+          <p:cNvPr id="2" name="Title 1">
+            <a:extLst>
+              <a:ext uri="{FF2B5EF4-FFF2-40B4-BE49-F238E27FC236}">
+                <a16:creationId xmlns:a16="http://schemas.microsoft.com/office/drawing/2014/main" id="{18098F23-F482-493A-80F7-3FA661759010}"/>
+              </a:ext>
+            </a:extLst>
+          </p:cNvPr>
+          <p:cNvSpPr>
+            <a:spLocks noGrp="1"/>
+          </p:cNvSpPr>
+          <p:nvPr>
+            <p:ph type="title"/>
+          </p:nvPr>
+        </p:nvSpPr>
+        <p:spPr/>
+        <p:txBody>
+          <a:bodyPr/>
+          <a:lstStyle/>
+          <a:p>
+            <a:r>
+              <a:rPr lang="en-US" dirty="0" err="1">
+                <a:solidFill>
+                  <a:schemeClr val="bg2">
+                    <a:lumMod val="75000"/>
+                  </a:schemeClr>
+                </a:solidFill>
+                <a:latin typeface="Fugaz One" pitchFamily="2" charset="0"/>
+              </a:rPr>
+              <a:t>api</a:t>
+            </a:r>
+            <a:endParaRPr lang="en-US" dirty="0">
+              <a:solidFill>
+                <a:schemeClr val="bg2">
+                  <a:lumMod val="75000"/>
+                </a:schemeClr>
+              </a:solidFill>
+              <a:latin typeface="Fugaz One" pitchFamily="2" charset="0"/>
+            </a:endParaRPr>
+          </a:p>
+        </p:txBody>
+      </p:sp>
+      <p:sp>
+        <p:nvSpPr>
+          <p:cNvPr id="3" name="Text Placeholder 2">
+            <a:extLst>
+              <a:ext uri="{FF2B5EF4-FFF2-40B4-BE49-F238E27FC236}">
+                <a16:creationId xmlns:a16="http://schemas.microsoft.com/office/drawing/2014/main" id="{9FEA5514-183A-45D7-BBCB-842A9AB07111}"/>
+              </a:ext>
+            </a:extLst>
+          </p:cNvPr>
+          <p:cNvSpPr>
+            <a:spLocks noGrp="1"/>
+          </p:cNvSpPr>
+          <p:nvPr>
+            <p:ph type="body" sz="quarter" idx="15"/>
+          </p:nvPr>
+        </p:nvSpPr>
+        <p:spPr/>
+        <p:txBody>
+          <a:bodyPr/>
+          <a:lstStyle/>
+          <a:p>
+            <a:r>
+              <a:rPr lang="en-US" dirty="0">
+                <a:solidFill>
+                  <a:schemeClr val="bg2">
+                    <a:lumMod val="75000"/>
+                  </a:schemeClr>
+                </a:solidFill>
+              </a:rPr>
+              <a:t>Read contact</a:t>
+            </a:r>
+          </a:p>
+        </p:txBody>
+      </p:sp>
+      <p:sp>
+        <p:nvSpPr>
+          <p:cNvPr id="4" name="Text Placeholder 3">
+            <a:extLst>
+              <a:ext uri="{FF2B5EF4-FFF2-40B4-BE49-F238E27FC236}">
+                <a16:creationId xmlns:a16="http://schemas.microsoft.com/office/drawing/2014/main" id="{7916EC7B-44EC-4138-B12F-C059C6B18173}"/>
+              </a:ext>
+            </a:extLst>
+          </p:cNvPr>
+          <p:cNvSpPr>
+            <a:spLocks noGrp="1"/>
+          </p:cNvSpPr>
+          <p:nvPr>
+            <p:ph type="body" sz="quarter" idx="13"/>
+          </p:nvPr>
+        </p:nvSpPr>
+        <p:spPr/>
+        <p:txBody>
+          <a:bodyPr>
+            <a:normAutofit/>
+          </a:bodyPr>
+          <a:lstStyle/>
+          <a:p>
+            <a:pPr marL="285750" indent="-285750">
+              <a:buFont typeface="Arial" panose="020B0604020202020204" pitchFamily="34" charset="0"/>
+              <a:buChar char="•"/>
+            </a:pPr>
+            <a:r>
+              <a:rPr lang="en-US" dirty="0">
+                <a:solidFill>
+                  <a:schemeClr val="bg2">
+                    <a:lumMod val="90000"/>
+                  </a:schemeClr>
+                </a:solidFill>
+                <a:latin typeface="Century Schoolbook" panose="02040604050505020304" pitchFamily="18" charset="0"/>
+              </a:rPr>
+              <a:t>Input: user ID, contact ID</a:t>
+            </a:r>
+          </a:p>
+          <a:p>
+            <a:pPr marL="285750" indent="-285750">
+              <a:buFont typeface="Arial" panose="020B0604020202020204" pitchFamily="34" charset="0"/>
+              <a:buChar char="•"/>
+            </a:pPr>
+            <a:endParaRPr lang="en-US" dirty="0">
+              <a:solidFill>
+                <a:schemeClr val="bg2">
+                  <a:lumMod val="90000"/>
+                </a:schemeClr>
+              </a:solidFill>
+              <a:latin typeface="Century Schoolbook" panose="02040604050505020304" pitchFamily="18" charset="0"/>
+            </a:endParaRPr>
+          </a:p>
+          <a:p>
+            <a:pPr marL="285750" indent="-285750">
+              <a:buFont typeface="Arial" panose="020B0604020202020204" pitchFamily="34" charset="0"/>
+              <a:buChar char="•"/>
+            </a:pPr>
+            <a:r>
+              <a:rPr lang="en-US" dirty="0">
+                <a:solidFill>
+                  <a:schemeClr val="bg2">
+                    <a:lumMod val="90000"/>
+                  </a:schemeClr>
+                </a:solidFill>
+                <a:latin typeface="Century Schoolbook" panose="02040604050505020304" pitchFamily="18" charset="0"/>
+              </a:rPr>
+              <a:t>Output: first name, last name, email, phone number</a:t>
+            </a:r>
+          </a:p>
+        </p:txBody>
+      </p:sp>
+      <p:sp>
+        <p:nvSpPr>
+          <p:cNvPr id="5" name="Text Placeholder 4">
+            <a:extLst>
+              <a:ext uri="{FF2B5EF4-FFF2-40B4-BE49-F238E27FC236}">
+                <a16:creationId xmlns:a16="http://schemas.microsoft.com/office/drawing/2014/main" id="{36B4586F-24D8-4B2C-976C-9CDC2A80BC35}"/>
+              </a:ext>
+            </a:extLst>
+          </p:cNvPr>
+          <p:cNvSpPr>
+            <a:spLocks noGrp="1"/>
+          </p:cNvSpPr>
+          <p:nvPr>
+            <p:ph type="body" sz="quarter" idx="16"/>
+          </p:nvPr>
+        </p:nvSpPr>
+        <p:spPr/>
+        <p:txBody>
+          <a:bodyPr/>
+          <a:lstStyle/>
+          <a:p>
+            <a:r>
+              <a:rPr lang="en-US" dirty="0">
+                <a:solidFill>
+                  <a:schemeClr val="bg2">
+                    <a:lumMod val="75000"/>
+                  </a:schemeClr>
+                </a:solidFill>
+              </a:rPr>
+              <a:t>Edit contact</a:t>
+            </a:r>
+          </a:p>
+        </p:txBody>
+      </p:sp>
+      <p:sp>
+        <p:nvSpPr>
+          <p:cNvPr id="6" name="Text Placeholder 5">
+            <a:extLst>
+              <a:ext uri="{FF2B5EF4-FFF2-40B4-BE49-F238E27FC236}">
+                <a16:creationId xmlns:a16="http://schemas.microsoft.com/office/drawing/2014/main" id="{FA832644-4D0E-46BD-920E-EF4DB3819437}"/>
+              </a:ext>
+            </a:extLst>
+          </p:cNvPr>
+          <p:cNvSpPr>
+            <a:spLocks noGrp="1"/>
+          </p:cNvSpPr>
+          <p:nvPr>
+            <p:ph type="body" sz="quarter" idx="14"/>
+          </p:nvPr>
+        </p:nvSpPr>
+        <p:spPr/>
+        <p:txBody>
+          <a:bodyPr>
+            <a:noAutofit/>
+          </a:bodyPr>
+          <a:lstStyle/>
+          <a:p>
+            <a:pPr marL="285750" indent="-285750">
+              <a:buFont typeface="Arial" panose="020B0604020202020204" pitchFamily="34" charset="0"/>
+              <a:buChar char="•"/>
+            </a:pPr>
+            <a:r>
+              <a:rPr lang="en-US" dirty="0">
+                <a:solidFill>
+                  <a:schemeClr val="bg2">
+                    <a:lumMod val="90000"/>
+                  </a:schemeClr>
+                </a:solidFill>
+                <a:latin typeface="Century Schoolbook" panose="02040604050505020304" pitchFamily="18" charset="0"/>
+              </a:rPr>
+              <a:t>Input: first name, last name, email, phone number, user ID, contact ID</a:t>
+            </a:r>
+          </a:p>
+          <a:p>
+            <a:pPr marL="285750" indent="-285750">
+              <a:buFont typeface="Arial" panose="020B0604020202020204" pitchFamily="34" charset="0"/>
+              <a:buChar char="•"/>
+            </a:pPr>
+            <a:endParaRPr lang="en-US" dirty="0">
+              <a:solidFill>
+                <a:schemeClr val="bg2">
+                  <a:lumMod val="90000"/>
+                </a:schemeClr>
+              </a:solidFill>
+              <a:latin typeface="Century Schoolbook" panose="02040604050505020304" pitchFamily="18" charset="0"/>
+            </a:endParaRPr>
+          </a:p>
+          <a:p>
+            <a:pPr marL="285750" indent="-285750">
+              <a:buFont typeface="Arial" panose="020B0604020202020204" pitchFamily="34" charset="0"/>
+              <a:buChar char="•"/>
+            </a:pPr>
+            <a:r>
+              <a:rPr lang="en-US" dirty="0">
+                <a:solidFill>
+                  <a:schemeClr val="bg2">
+                    <a:lumMod val="90000"/>
+                  </a:schemeClr>
+                </a:solidFill>
+                <a:latin typeface="Century Schoolbook" panose="02040604050505020304" pitchFamily="18" charset="0"/>
+              </a:rPr>
+              <a:t>Output: print statement</a:t>
+            </a:r>
+          </a:p>
+        </p:txBody>
+      </p:sp>
+      <p:sp>
+        <p:nvSpPr>
+          <p:cNvPr id="7" name="Text Placeholder 6">
+            <a:extLst>
+              <a:ext uri="{FF2B5EF4-FFF2-40B4-BE49-F238E27FC236}">
+                <a16:creationId xmlns:a16="http://schemas.microsoft.com/office/drawing/2014/main" id="{01CF3796-BD5F-42B3-8FCB-A5A9E1F5B257}"/>
+              </a:ext>
+            </a:extLst>
+          </p:cNvPr>
+          <p:cNvSpPr>
+            <a:spLocks noGrp="1"/>
+          </p:cNvSpPr>
+          <p:nvPr>
+            <p:ph type="body" sz="quarter" idx="19"/>
+          </p:nvPr>
+        </p:nvSpPr>
+        <p:spPr/>
+        <p:txBody>
+          <a:bodyPr/>
+          <a:lstStyle/>
+          <a:p>
+            <a:r>
+              <a:rPr lang="en-US" dirty="0">
+                <a:solidFill>
+                  <a:schemeClr val="bg2">
+                    <a:lumMod val="75000"/>
+                  </a:schemeClr>
+                </a:solidFill>
+              </a:rPr>
+              <a:t>Search contact</a:t>
+            </a:r>
+          </a:p>
+        </p:txBody>
+      </p:sp>
+      <p:sp>
+        <p:nvSpPr>
+          <p:cNvPr id="8" name="Text Placeholder 7">
+            <a:extLst>
+              <a:ext uri="{FF2B5EF4-FFF2-40B4-BE49-F238E27FC236}">
+                <a16:creationId xmlns:a16="http://schemas.microsoft.com/office/drawing/2014/main" id="{5BDFE21D-D9D6-426C-91ED-993FC309A40B}"/>
+              </a:ext>
+            </a:extLst>
+          </p:cNvPr>
+          <p:cNvSpPr>
+            <a:spLocks noGrp="1"/>
+          </p:cNvSpPr>
+          <p:nvPr>
+            <p:ph type="body" sz="quarter" idx="17"/>
+          </p:nvPr>
+        </p:nvSpPr>
+        <p:spPr/>
+        <p:txBody>
+          <a:bodyPr>
+            <a:normAutofit/>
+          </a:bodyPr>
+          <a:lstStyle/>
+          <a:p>
+            <a:pPr marL="285750" indent="-285750">
+              <a:buFont typeface="Arial" panose="020B0604020202020204" pitchFamily="34" charset="0"/>
+              <a:buChar char="•"/>
+            </a:pPr>
+            <a:r>
+              <a:rPr lang="en-US" dirty="0">
+                <a:solidFill>
+                  <a:schemeClr val="bg2">
+                    <a:lumMod val="90000"/>
+                  </a:schemeClr>
+                </a:solidFill>
+                <a:latin typeface="Century Schoolbook" panose="02040604050505020304" pitchFamily="18" charset="0"/>
+              </a:rPr>
+              <a:t>Input: search keywords, user ID</a:t>
+            </a:r>
+          </a:p>
+          <a:p>
+            <a:pPr marL="285750" indent="-285750">
+              <a:buFont typeface="Arial" panose="020B0604020202020204" pitchFamily="34" charset="0"/>
+              <a:buChar char="•"/>
+            </a:pPr>
+            <a:endParaRPr lang="en-US" dirty="0">
+              <a:solidFill>
+                <a:schemeClr val="bg2">
+                  <a:lumMod val="90000"/>
+                </a:schemeClr>
+              </a:solidFill>
+              <a:latin typeface="Century Schoolbook" panose="02040604050505020304" pitchFamily="18" charset="0"/>
+            </a:endParaRPr>
+          </a:p>
+          <a:p>
+            <a:pPr marL="285750" indent="-285750">
+              <a:buFont typeface="Arial" panose="020B0604020202020204" pitchFamily="34" charset="0"/>
+              <a:buChar char="•"/>
+            </a:pPr>
+            <a:r>
+              <a:rPr lang="en-US" dirty="0">
+                <a:solidFill>
+                  <a:schemeClr val="bg2">
+                    <a:lumMod val="90000"/>
+                  </a:schemeClr>
+                </a:solidFill>
+                <a:latin typeface="Century Schoolbook" panose="02040604050505020304" pitchFamily="18" charset="0"/>
+              </a:rPr>
+              <a:t>Output: first name and contact ID of matches</a:t>
+            </a:r>
+          </a:p>
+        </p:txBody>
+      </p:sp>
+      <p:sp>
+        <p:nvSpPr>
+          <p:cNvPr id="13" name="Slide Number Placeholder 12">
+            <a:extLst>
+              <a:ext uri="{FF2B5EF4-FFF2-40B4-BE49-F238E27FC236}">
+                <a16:creationId xmlns:a16="http://schemas.microsoft.com/office/drawing/2014/main" id="{CAF7A222-582A-4492-8771-7A6A36B939AE}"/>
+              </a:ext>
+            </a:extLst>
+          </p:cNvPr>
+          <p:cNvSpPr>
+            <a:spLocks noGrp="1"/>
+          </p:cNvSpPr>
+          <p:nvPr>
+            <p:ph type="sldNum" sz="quarter" idx="12"/>
+          </p:nvPr>
+        </p:nvSpPr>
+        <p:spPr/>
+        <p:txBody>
+          <a:bodyPr/>
+          <a:lstStyle/>
+          <a:p>
+            <a:fld id="{B5CEABB6-07DC-46E8-9B57-56EC44A396E5}" type="slidenum">
+              <a:rPr lang="en-US" smtClean="0"/>
+              <a:pPr/>
+              <a:t>11</a:t>
+            </a:fld>
+            <a:endParaRPr lang="en-US" dirty="0"/>
+          </a:p>
+        </p:txBody>
+      </p:sp>
+    </p:spTree>
+    <p:extLst>
+      <p:ext uri="{BB962C8B-B14F-4D97-AF65-F5344CB8AC3E}">
+        <p14:creationId xmlns:p14="http://schemas.microsoft.com/office/powerpoint/2010/main" val="2936266322"/>
+      </p:ext>
+    </p:extLst>
+  </p:cSld>
+  <p:clrMapOvr>
+    <a:masterClrMapping/>
+  </p:clrMapOvr>
+</p:sld>
+</file>
+
+<file path=ppt/slides/slide12.xml><?xml version="1.0" encoding="utf-8"?>
 <p:sld xmlns:a="http://schemas.openxmlformats.org/drawingml/2006/main" xmlns:r="http://schemas.openxmlformats.org/officeDocument/2006/relationships" xmlns:p="http://schemas.openxmlformats.org/presentationml/2006/main">
   <p:cSld>
     <p:spTree>
@@ -50792,16 +51759,10 @@
           <a:lstStyle/>
           <a:p>
             <a:r>
-              <a:rPr lang="en-US" dirty="0" err="1">
-                <a:latin typeface="Fugaz One" pitchFamily="2" charset="0"/>
-              </a:rPr>
-              <a:t>Swaggerhub</a:t>
-            </a:r>
-            <a:r>
               <a:rPr lang="en-US" dirty="0">
                 <a:latin typeface="Fugaz One" pitchFamily="2" charset="0"/>
               </a:rPr>
-              <a:t> demo</a:t>
+              <a:t>Demo &amp; Links</a:t>
             </a:r>
           </a:p>
         </p:txBody>
@@ -50855,14 +51816,10 @@
             </a:endParaRPr>
           </a:p>
           <a:p>
-            <a:pPr marL="285750" indent="-285750">
-              <a:buFont typeface="Arial" panose="020B0604020202020204" pitchFamily="34" charset="0"/>
-              <a:buChar char="•"/>
-            </a:pPr>
             <a:r>
               <a:rPr lang="en-ZA" noProof="1">
                 <a:solidFill>
-                  <a:srgbClr val="AD1F1F"/>
+                  <a:srgbClr val="FF0000"/>
                 </a:solidFill>
                 <a:latin typeface="Century Schoolbook" panose="02040604050505020304" pitchFamily="18" charset="0"/>
                 <a:hlinkClick r:id="rId2">
@@ -50875,6 +51832,68 @@
               </a:rPr>
               <a:t>Swaggerhub Link!</a:t>
             </a:r>
+            <a:endParaRPr lang="en-ZA" noProof="1">
+              <a:solidFill>
+                <a:srgbClr val="FF0000"/>
+              </a:solidFill>
+              <a:latin typeface="Century Schoolbook" panose="02040604050505020304" pitchFamily="18" charset="0"/>
+            </a:endParaRPr>
+          </a:p>
+          <a:p>
+            <a:pPr marL="285750" indent="-285750">
+              <a:buFont typeface="Arial" panose="020B0604020202020204" pitchFamily="34" charset="0"/>
+              <a:buChar char="•"/>
+            </a:pPr>
+            <a:endParaRPr lang="en-ZA" noProof="1">
+              <a:solidFill>
+                <a:srgbClr val="FF0000"/>
+              </a:solidFill>
+              <a:latin typeface="Century Schoolbook" panose="02040604050505020304" pitchFamily="18" charset="0"/>
+            </a:endParaRPr>
+          </a:p>
+          <a:p>
+            <a:pPr marL="285750" indent="-285750">
+              <a:buFont typeface="Arial" panose="020B0604020202020204" pitchFamily="34" charset="0"/>
+              <a:buChar char="•"/>
+            </a:pPr>
+            <a:r>
+              <a:rPr lang="en-ZA" noProof="1">
+                <a:solidFill>
+                  <a:schemeClr val="accent4"/>
+                </a:solidFill>
+                <a:latin typeface="Century Schoolbook" panose="02040604050505020304" pitchFamily="18" charset="0"/>
+              </a:rPr>
+              <a:t>Website Demonstration</a:t>
+            </a:r>
+          </a:p>
+          <a:p>
+            <a:r>
+              <a:rPr lang="en-ZA" noProof="1">
+                <a:solidFill>
+                  <a:srgbClr val="FF0000"/>
+                </a:solidFill>
+                <a:latin typeface="Century Schoolbook" panose="02040604050505020304" pitchFamily="18" charset="0"/>
+                <a:hlinkClick r:id="rId3">
+                  <a:extLst>
+                    <a:ext uri="{A12FA001-AC4F-418D-AE19-62706E023703}">
+                      <ahyp:hlinkClr xmlns:ahyp="http://schemas.microsoft.com/office/drawing/2018/hyperlinkcolor" val="tx"/>
+                    </a:ext>
+                  </a:extLst>
+                </a:hlinkClick>
+              </a:rPr>
+              <a:t>Website Link!</a:t>
+            </a:r>
+            <a:endParaRPr lang="en-US" dirty="0">
+              <a:solidFill>
+                <a:srgbClr val="FF0000"/>
+              </a:solidFill>
+            </a:endParaRPr>
+          </a:p>
+          <a:p>
+            <a:pPr marL="285750" indent="-285750">
+              <a:buFont typeface="Arial" panose="020B0604020202020204" pitchFamily="34" charset="0"/>
+              <a:buChar char="•"/>
+            </a:pPr>
             <a:endParaRPr lang="en-ZA" noProof="1">
               <a:latin typeface="Century Schoolbook" panose="02040604050505020304" pitchFamily="18" charset="0"/>
             </a:endParaRPr>
@@ -50914,7 +51933,7 @@
                 </a:solidFill>
               </a:rPr>
               <a:pPr/>
-              <a:t>10</a:t>
+              <a:t>12</a:t>
             </a:fld>
             <a:endParaRPr lang="en-US" dirty="0">
               <a:solidFill>
@@ -50939,144 +51958,7 @@
 </p:sld>
 </file>
 
-<file path=ppt/slides/slide11.xml><?xml version="1.0" encoding="utf-8"?>
-<p:sld xmlns:a="http://schemas.openxmlformats.org/drawingml/2006/main" xmlns:r="http://schemas.openxmlformats.org/officeDocument/2006/relationships" xmlns:p="http://schemas.openxmlformats.org/presentationml/2006/main">
-  <p:cSld>
-    <p:spTree>
-      <p:nvGrpSpPr>
-        <p:cNvPr id="1" name=""/>
-        <p:cNvGrpSpPr/>
-        <p:nvPr/>
-      </p:nvGrpSpPr>
-      <p:grpSpPr>
-        <a:xfrm>
-          <a:off x="0" y="0"/>
-          <a:ext cx="0" cy="0"/>
-          <a:chOff x="0" y="0"/>
-          <a:chExt cx="0" cy="0"/>
-        </a:xfrm>
-      </p:grpSpPr>
-      <p:sp>
-        <p:nvSpPr>
-          <p:cNvPr id="2" name="Title 1">
-            <a:extLst>
-              <a:ext uri="{FF2B5EF4-FFF2-40B4-BE49-F238E27FC236}">
-                <a16:creationId xmlns:a16="http://schemas.microsoft.com/office/drawing/2014/main" id="{537E1C88-627C-4655-A4FB-0BB02EDB078A}"/>
-              </a:ext>
-            </a:extLst>
-          </p:cNvPr>
-          <p:cNvSpPr>
-            <a:spLocks noGrp="1"/>
-          </p:cNvSpPr>
-          <p:nvPr>
-            <p:ph type="title"/>
-          </p:nvPr>
-        </p:nvSpPr>
-        <p:spPr/>
-        <p:txBody>
-          <a:bodyPr/>
-          <a:lstStyle/>
-          <a:p>
-            <a:r>
-              <a:rPr lang="en-US" dirty="0">
-                <a:latin typeface="Fugaz One" pitchFamily="2" charset="0"/>
-              </a:rPr>
-              <a:t>Website demonstration</a:t>
-            </a:r>
-          </a:p>
-        </p:txBody>
-      </p:sp>
-      <p:sp>
-        <p:nvSpPr>
-          <p:cNvPr id="3" name="Content Placeholder 2">
-            <a:extLst>
-              <a:ext uri="{FF2B5EF4-FFF2-40B4-BE49-F238E27FC236}">
-                <a16:creationId xmlns:a16="http://schemas.microsoft.com/office/drawing/2014/main" id="{033634FE-ADF0-4BC3-A0A9-447EA9DD096B}"/>
-              </a:ext>
-            </a:extLst>
-          </p:cNvPr>
-          <p:cNvSpPr>
-            <a:spLocks noGrp="1"/>
-          </p:cNvSpPr>
-          <p:nvPr>
-            <p:ph type="body" sz="quarter" idx="13"/>
-          </p:nvPr>
-        </p:nvSpPr>
-        <p:spPr>
-          <a:xfrm>
-            <a:off x="914400" y="2221992"/>
-            <a:ext cx="3400425" cy="3840480"/>
-          </a:xfrm>
-        </p:spPr>
-        <p:txBody>
-          <a:bodyPr vert="horz" lIns="91440" tIns="45720" rIns="91440" bIns="45720" rtlCol="0" anchor="t">
-            <a:normAutofit/>
-          </a:bodyPr>
-          <a:lstStyle/>
-          <a:p>
-            <a:r>
-              <a:rPr lang="en-ZA" noProof="1">
-                <a:latin typeface="Century Schoolbook" panose="02040604050505020304" pitchFamily="18" charset="0"/>
-                <a:hlinkClick r:id="rId2"/>
-              </a:rPr>
-              <a:t>Website Link!</a:t>
-            </a:r>
-            <a:endParaRPr lang="en-US" dirty="0"/>
-          </a:p>
-          <a:p>
-            <a:r>
-              <a:rPr lang="en-ZA" noProof="1">
-                <a:latin typeface="Century Schoolbook" panose="02040604050505020304" pitchFamily="18" charset="0"/>
-              </a:rPr>
-              <a:t>	</a:t>
-            </a:r>
-          </a:p>
-        </p:txBody>
-      </p:sp>
-      <p:sp>
-        <p:nvSpPr>
-          <p:cNvPr id="6" name="Slide Number Placeholder 5">
-            <a:extLst>
-              <a:ext uri="{FF2B5EF4-FFF2-40B4-BE49-F238E27FC236}">
-                <a16:creationId xmlns:a16="http://schemas.microsoft.com/office/drawing/2014/main" id="{6AB5FBE9-888B-4FE5-8AC6-FB80C5520650}"/>
-              </a:ext>
-            </a:extLst>
-          </p:cNvPr>
-          <p:cNvSpPr>
-            <a:spLocks noGrp="1"/>
-          </p:cNvSpPr>
-          <p:nvPr>
-            <p:ph type="sldNum" sz="quarter" idx="12"/>
-          </p:nvPr>
-        </p:nvSpPr>
-        <p:spPr/>
-        <p:txBody>
-          <a:bodyPr/>
-          <a:lstStyle/>
-          <a:p>
-            <a:fld id="{B5CEABB6-07DC-46E8-9B57-56EC44A396E5}" type="slidenum">
-              <a:rPr lang="en-US" smtClean="0"/>
-              <a:pPr/>
-              <a:t>11</a:t>
-            </a:fld>
-            <a:endParaRPr lang="en-US" dirty="0"/>
-          </a:p>
-        </p:txBody>
-      </p:sp>
-    </p:spTree>
-    <p:extLst>
-      <p:ext uri="{BB962C8B-B14F-4D97-AF65-F5344CB8AC3E}">
-        <p14:creationId xmlns:p14="http://schemas.microsoft.com/office/powerpoint/2010/main" val="1346372204"/>
-      </p:ext>
-    </p:extLst>
-  </p:cSld>
-  <p:clrMapOvr>
-    <a:masterClrMapping/>
-  </p:clrMapOvr>
-</p:sld>
-</file>
-
-<file path=ppt/slides/slide12.xml><?xml version="1.0" encoding="utf-8"?>
+<file path=ppt/slides/slide13.xml><?xml version="1.0" encoding="utf-8"?>
 <p:sld xmlns:a="http://schemas.openxmlformats.org/drawingml/2006/main" xmlns:r="http://schemas.openxmlformats.org/officeDocument/2006/relationships" xmlns:p="http://schemas.openxmlformats.org/presentationml/2006/main">
   <p:cSld>
     <p:spTree>
@@ -51157,7 +52039,7 @@
             <a:fld id="{B5CEABB6-07DC-46E8-9B57-56EC44A396E5}" type="slidenum">
               <a:rPr lang="en-US" smtClean="0"/>
               <a:pPr/>
-              <a:t>12</a:t>
+              <a:t>13</a:t>
             </a:fld>
             <a:endParaRPr lang="en-US" dirty="0"/>
           </a:p>
@@ -51326,7 +52208,7 @@
           <p:nvPr>
             <p:extLst>
               <p:ext uri="{D42A27DB-BD31-4B8C-83A1-F6EECF244321}">
-                <p14:modId xmlns:p14="http://schemas.microsoft.com/office/powerpoint/2010/main" val="752442078"/>
+                <p14:modId xmlns:p14="http://schemas.microsoft.com/office/powerpoint/2010/main" val="2143910552"/>
               </p:ext>
             </p:extLst>
           </p:nvPr>
@@ -51416,7 +52298,7 @@
                           </a:solidFill>
                           <a:latin typeface="Century Schoolbook" panose="02040604050505020304" pitchFamily="18" charset="0"/>
                         </a:rPr>
-                        <a:t>HTML, JS</a:t>
+                        <a:t>HTML, CSS, &amp; JS</a:t>
                       </a:r>
                       <a:endParaRPr lang="en-US" sz="1400" dirty="0">
                         <a:solidFill>
@@ -51498,23 +52380,8 @@
                           </a:solidFill>
                           <a:latin typeface="Century Schoolbook" panose="02040604050505020304" pitchFamily="18" charset="0"/>
                         </a:rPr>
-                        <a:t>PowerPoint, Graphs</a:t>
+                        <a:t>PowerPoint, Graphs, &amp; JS</a:t>
                       </a:r>
-                      <a:r>
-                        <a:rPr lang="en-US">
-                          <a:solidFill>
-                            <a:schemeClr val="accent4"/>
-                          </a:solidFill>
-                          <a:latin typeface="Century Schoolbook" panose="02040604050505020304" pitchFamily="18" charset="0"/>
-                        </a:rPr>
-                        <a:t>, &amp; JS</a:t>
-                      </a:r>
-                      <a:endParaRPr lang="en-US" dirty="0">
-                        <a:solidFill>
-                          <a:schemeClr val="accent4"/>
-                        </a:solidFill>
-                        <a:latin typeface="Century Schoolbook" panose="02040604050505020304" pitchFamily="18" charset="0"/>
-                      </a:endParaRPr>
                     </a:p>
                   </a:txBody>
                   <a:tcPr/>
@@ -51577,7 +52444,7 @@
                           </a:solidFill>
                           <a:latin typeface="Century Schoolbook" panose="02040604050505020304" pitchFamily="18" charset="0"/>
                         </a:rPr>
-                        <a:t>PHP, </a:t>
+                        <a:t>PHP &amp; </a:t>
                       </a:r>
                       <a:r>
                         <a:rPr lang="en-US" dirty="0" err="1">
@@ -51656,7 +52523,7 @@
                           </a:solidFill>
                           <a:latin typeface="Century Schoolbook" panose="02040604050505020304" pitchFamily="18" charset="0"/>
                         </a:rPr>
-                        <a:t>PHP, </a:t>
+                        <a:t>PHP &amp; </a:t>
                       </a:r>
                       <a:r>
                         <a:rPr lang="en-US" dirty="0" err="1">
@@ -51734,12 +52601,15 @@
                     <a:lstStyle/>
                     <a:p>
                       <a:pPr algn="l"/>
-                      <a:endParaRPr lang="en-US" dirty="0">
-                        <a:solidFill>
-                          <a:schemeClr val="accent4"/>
-                        </a:solidFill>
-                        <a:latin typeface="Century Schoolbook" panose="02040604050505020304" pitchFamily="18" charset="0"/>
-                      </a:endParaRPr>
+                      <a:r>
+                        <a:rPr lang="en-US" dirty="0">
+                          <a:solidFill>
+                            <a:schemeClr val="accent4"/>
+                          </a:solidFill>
+                          <a:latin typeface="Century Schoolbook" panose="02040604050505020304" pitchFamily="18" charset="0"/>
+                        </a:rPr>
+                        <a:t>Digital Ocean &amp; MySQL</a:t>
+                      </a:r>
                     </a:p>
                   </a:txBody>
                   <a:tcPr/>
@@ -51808,7 +52678,9 @@
             <a:r>
               <a:rPr lang="en-US" dirty="0">
                 <a:solidFill>
-                  <a:schemeClr val="accent2"/>
+                  <a:schemeClr val="tx2">
+                    <a:lumMod val="75000"/>
+                  </a:schemeClr>
                 </a:solidFill>
                 <a:latin typeface="Fugaz One" pitchFamily="2" charset="0"/>
               </a:rPr>
@@ -51839,7 +52711,13 @@
           <a:lstStyle/>
           <a:p>
             <a:r>
-              <a:rPr lang="en-US" dirty="0"/>
+              <a:rPr lang="en-US" dirty="0">
+                <a:solidFill>
+                  <a:schemeClr val="tx2">
+                    <a:lumMod val="75000"/>
+                  </a:schemeClr>
+                </a:solidFill>
+              </a:rPr>
               <a:t>Digital Ocean</a:t>
             </a:r>
           </a:p>
@@ -51870,6 +52748,11 @@
           <a:p>
             <a:r>
               <a:rPr lang="en-US" dirty="0">
+                <a:solidFill>
+                  <a:schemeClr val="accent2">
+                    <a:lumMod val="75000"/>
+                  </a:schemeClr>
+                </a:solidFill>
                 <a:latin typeface="Century Schoolbook" panose="02040604050505020304" pitchFamily="18" charset="0"/>
               </a:rPr>
               <a:t>Hosting Server</a:t>
@@ -51878,6 +52761,11 @@
           <a:p>
             <a:r>
               <a:rPr lang="en-US" dirty="0">
+                <a:solidFill>
+                  <a:schemeClr val="accent2">
+                    <a:lumMod val="75000"/>
+                  </a:schemeClr>
+                </a:solidFill>
                 <a:latin typeface="Century Schoolbook" panose="02040604050505020304" pitchFamily="18" charset="0"/>
               </a:rPr>
               <a:t>&amp; Database</a:t>
@@ -51907,10 +52795,22 @@
           <a:lstStyle/>
           <a:p>
             <a:r>
-              <a:rPr lang="en-US" dirty="0" err="1"/>
+              <a:rPr lang="en-US" dirty="0" err="1">
+                <a:solidFill>
+                  <a:schemeClr val="tx2">
+                    <a:lumMod val="75000"/>
+                  </a:schemeClr>
+                </a:solidFill>
+              </a:rPr>
               <a:t>SwaggerHub</a:t>
             </a:r>
-            <a:endParaRPr lang="en-US" dirty="0"/>
+            <a:endParaRPr lang="en-US" dirty="0">
+              <a:solidFill>
+                <a:schemeClr val="tx2">
+                  <a:lumMod val="75000"/>
+                </a:schemeClr>
+              </a:solidFill>
+            </a:endParaRPr>
           </a:p>
         </p:txBody>
       </p:sp>
@@ -51939,6 +52839,11 @@
           <a:p>
             <a:r>
               <a:rPr lang="en-US" dirty="0">
+                <a:solidFill>
+                  <a:schemeClr val="accent2">
+                    <a:lumMod val="75000"/>
+                  </a:schemeClr>
+                </a:solidFill>
                 <a:latin typeface="Century Schoolbook" panose="02040604050505020304" pitchFamily="18" charset="0"/>
               </a:rPr>
               <a:t>API Endpoints</a:t>
@@ -51968,10 +52873,22 @@
           <a:lstStyle/>
           <a:p>
             <a:r>
-              <a:rPr lang="en-US" dirty="0" err="1"/>
+              <a:rPr lang="en-US" dirty="0" err="1">
+                <a:solidFill>
+                  <a:schemeClr val="tx2">
+                    <a:lumMod val="75000"/>
+                  </a:schemeClr>
+                </a:solidFill>
+              </a:rPr>
               <a:t>github</a:t>
             </a:r>
-            <a:endParaRPr lang="en-US" dirty="0"/>
+            <a:endParaRPr lang="en-US" dirty="0">
+              <a:solidFill>
+                <a:schemeClr val="tx2">
+                  <a:lumMod val="75000"/>
+                </a:schemeClr>
+              </a:solidFill>
+            </a:endParaRPr>
           </a:p>
         </p:txBody>
       </p:sp>
@@ -52000,6 +52917,11 @@
           <a:p>
             <a:r>
               <a:rPr lang="en-US" dirty="0">
+                <a:solidFill>
+                  <a:schemeClr val="accent2">
+                    <a:lumMod val="75000"/>
+                  </a:schemeClr>
+                </a:solidFill>
                 <a:latin typeface="Century Schoolbook" panose="02040604050505020304" pitchFamily="18" charset="0"/>
               </a:rPr>
               <a:t>Repository</a:t>
@@ -52008,6 +52930,11 @@
           <a:p>
             <a:r>
               <a:rPr lang="en-US" dirty="0">
+                <a:solidFill>
+                  <a:schemeClr val="accent2">
+                    <a:lumMod val="75000"/>
+                  </a:schemeClr>
+                </a:solidFill>
                 <a:latin typeface="Century Schoolbook" panose="02040604050505020304" pitchFamily="18" charset="0"/>
               </a:rPr>
               <a:t>&amp; Version Control</a:t>
@@ -52042,13 +52969,25 @@
           <a:lstStyle/>
           <a:p>
             <a:r>
-              <a:rPr lang="en-US" dirty="0"/>
+              <a:rPr lang="en-US" dirty="0">
+                <a:solidFill>
+                  <a:schemeClr val="tx2">
+                    <a:lumMod val="75000"/>
+                  </a:schemeClr>
+                </a:solidFill>
+              </a:rPr>
               <a:t>Which cord?</a:t>
             </a:r>
           </a:p>
           <a:p>
             <a:r>
-              <a:rPr lang="en-US" dirty="0"/>
+              <a:rPr lang="en-US" dirty="0">
+                <a:solidFill>
+                  <a:schemeClr val="tx2">
+                    <a:lumMod val="75000"/>
+                  </a:schemeClr>
+                </a:solidFill>
+              </a:rPr>
               <a:t>Discord.</a:t>
             </a:r>
           </a:p>
@@ -52144,6 +53083,11 @@
           <a:p>
             <a:r>
               <a:rPr lang="en-US" sz="1400" dirty="0">
+                <a:solidFill>
+                  <a:schemeClr val="accent2">
+                    <a:lumMod val="75000"/>
+                  </a:schemeClr>
+                </a:solidFill>
                 <a:latin typeface="Century Schoolbook" panose="02040604050505020304" pitchFamily="18" charset="0"/>
               </a:rPr>
               <a:t>Messaging </a:t>
@@ -52152,6 +53096,11 @@
           <a:p>
             <a:r>
               <a:rPr lang="en-US" sz="1400" dirty="0">
+                <a:solidFill>
+                  <a:schemeClr val="accent2">
+                    <a:lumMod val="75000"/>
+                  </a:schemeClr>
+                </a:solidFill>
                 <a:latin typeface="Century Schoolbook" panose="02040604050505020304" pitchFamily="18" charset="0"/>
               </a:rPr>
               <a:t>&amp; Organization</a:t>
@@ -52354,7 +53303,7 @@
           <p:nvPr>
             <p:extLst>
               <p:ext uri="{D42A27DB-BD31-4B8C-83A1-F6EECF244321}">
-                <p14:modId xmlns:p14="http://schemas.microsoft.com/office/powerpoint/2010/main" val="1879958230"/>
+                <p14:modId xmlns:p14="http://schemas.microsoft.com/office/powerpoint/2010/main" val="3680944534"/>
               </p:ext>
             </p:extLst>
           </p:nvPr>
@@ -52442,11 +53391,14 @@
                     <a:lstStyle/>
                     <a:p>
                       <a:pPr algn="ctr"/>
-                      <a:endParaRPr lang="en-US" b="1" dirty="0">
-                        <a:solidFill>
-                          <a:schemeClr val="tx2"/>
-                        </a:solidFill>
-                      </a:endParaRPr>
+                      <a:r>
+                        <a:rPr lang="en-US" b="1" dirty="0">
+                          <a:solidFill>
+                            <a:schemeClr val="tx2"/>
+                          </a:solidFill>
+                        </a:rPr>
+                        <a:t>Read Function</a:t>
+                      </a:r>
                     </a:p>
                   </a:txBody>
                   <a:tcPr/>
@@ -52482,7 +53434,10 @@
                       <a:r>
                         <a:rPr lang="en-US" sz="1600" dirty="0">
                           <a:solidFill>
-                            <a:schemeClr val="tx2"/>
+                            <a:schemeClr val="tx1">
+                              <a:lumMod val="75000"/>
+                              <a:lumOff val="25000"/>
+                            </a:schemeClr>
                           </a:solidFill>
                           <a:latin typeface="Century Schoolbook" panose="02040604050505020304" pitchFamily="18" charset="0"/>
                         </a:rPr>
@@ -52494,7 +53449,10 @@
                       <a:r>
                         <a:rPr lang="en-US" sz="1600" dirty="0" err="1">
                           <a:solidFill>
-                            <a:schemeClr val="tx2"/>
+                            <a:schemeClr val="tx1">
+                              <a:lumMod val="75000"/>
+                              <a:lumOff val="25000"/>
+                            </a:schemeClr>
                           </a:solidFill>
                           <a:latin typeface="Century Schoolbook" panose="02040604050505020304" pitchFamily="18" charset="0"/>
                         </a:rPr>
@@ -52503,7 +53461,10 @@
                       <a:r>
                         <a:rPr lang="en-US" sz="1600" dirty="0">
                           <a:solidFill>
-                            <a:schemeClr val="tx2"/>
+                            <a:schemeClr val="tx1">
+                              <a:lumMod val="75000"/>
+                              <a:lumOff val="25000"/>
+                            </a:schemeClr>
                           </a:solidFill>
                           <a:latin typeface="Century Schoolbook" panose="02040604050505020304" pitchFamily="18" charset="0"/>
                         </a:rPr>
@@ -52515,7 +53476,10 @@
                       <a:r>
                         <a:rPr lang="en-US" sz="1600" dirty="0">
                           <a:solidFill>
-                            <a:schemeClr val="tx2"/>
+                            <a:schemeClr val="tx1">
+                              <a:lumMod val="75000"/>
+                              <a:lumOff val="25000"/>
+                            </a:schemeClr>
                           </a:solidFill>
                           <a:latin typeface="Century Schoolbook" panose="02040604050505020304" pitchFamily="18" charset="0"/>
                         </a:rPr>
@@ -52534,7 +53498,10 @@
                       <a:r>
                         <a:rPr lang="en-US" sz="1600" dirty="0">
                           <a:solidFill>
-                            <a:schemeClr val="tx2"/>
+                            <a:schemeClr val="tx1">
+                              <a:lumMod val="75000"/>
+                              <a:lumOff val="25000"/>
+                            </a:schemeClr>
                           </a:solidFill>
                           <a:latin typeface="Century Schoolbook" panose="02040604050505020304" pitchFamily="18" charset="0"/>
                         </a:rPr>
@@ -52550,12 +53517,18 @@
                     <a:lstStyle/>
                     <a:p>
                       <a:pPr algn="ctr"/>
-                      <a:endParaRPr lang="en-US" sz="1600" dirty="0">
-                        <a:solidFill>
-                          <a:schemeClr val="tx2"/>
-                        </a:solidFill>
-                        <a:latin typeface="Century Schoolbook" panose="02040604050505020304" pitchFamily="18" charset="0"/>
-                      </a:endParaRPr>
+                      <a:r>
+                        <a:rPr lang="en-US" sz="1600" dirty="0">
+                          <a:solidFill>
+                            <a:schemeClr val="tx1">
+                              <a:lumMod val="75000"/>
+                              <a:lumOff val="25000"/>
+                            </a:schemeClr>
+                          </a:solidFill>
+                          <a:latin typeface="Century Schoolbook" panose="02040604050505020304" pitchFamily="18" charset="0"/>
+                        </a:rPr>
+                        <a:t>The awesome individuals working on API were able to add an endpoint that allows us to see the full details of contacts. Awesome! </a:t>
+                      </a:r>
                     </a:p>
                   </a:txBody>
                   <a:tcPr/>
@@ -52568,7 +53541,10 @@
                       <a:pPr algn="ctr"/>
                       <a:endParaRPr lang="en-US" sz="1600" dirty="0">
                         <a:solidFill>
-                          <a:schemeClr val="tx2"/>
+                          <a:schemeClr val="tx1">
+                            <a:lumMod val="75000"/>
+                            <a:lumOff val="25000"/>
+                          </a:schemeClr>
                         </a:solidFill>
                         <a:latin typeface="Century Schoolbook" panose="02040604050505020304" pitchFamily="18" charset="0"/>
                       </a:endParaRPr>
@@ -52691,7 +53667,7 @@
           <p:nvPr>
             <p:extLst>
               <p:ext uri="{D42A27DB-BD31-4B8C-83A1-F6EECF244321}">
-                <p14:modId xmlns:p14="http://schemas.microsoft.com/office/powerpoint/2010/main" val="746959849"/>
+                <p14:modId xmlns:p14="http://schemas.microsoft.com/office/powerpoint/2010/main" val="3053847328"/>
               </p:ext>
             </p:extLst>
           </p:nvPr>
@@ -52790,11 +53766,14 @@
                     <a:lstStyle/>
                     <a:p>
                       <a:pPr algn="ctr"/>
-                      <a:endParaRPr lang="en-US" b="1" dirty="0">
-                        <a:solidFill>
-                          <a:schemeClr val="tx2"/>
-                        </a:solidFill>
-                      </a:endParaRPr>
+                      <a:r>
+                        <a:rPr lang="en-US" b="1" dirty="0">
+                          <a:solidFill>
+                            <a:schemeClr val="tx2"/>
+                          </a:solidFill>
+                        </a:rPr>
+                        <a:t>Oops All API’s </a:t>
+                      </a:r>
                     </a:p>
                   </a:txBody>
                   <a:tcPr/>
@@ -52830,7 +53809,10 @@
                       <a:r>
                         <a:rPr lang="en-US" sz="1600" dirty="0">
                           <a:solidFill>
-                            <a:schemeClr val="tx2"/>
+                            <a:schemeClr val="tx1">
+                              <a:lumMod val="75000"/>
+                              <a:lumOff val="25000"/>
+                            </a:schemeClr>
                           </a:solidFill>
                           <a:latin typeface="Century Schoolbook" panose="02040604050505020304" pitchFamily="18" charset="0"/>
                         </a:rPr>
@@ -52849,7 +53831,10 @@
                       <a:r>
                         <a:rPr lang="en-US" sz="1600" dirty="0">
                           <a:solidFill>
-                            <a:schemeClr val="tx2"/>
+                            <a:schemeClr val="tx1">
+                              <a:lumMod val="75000"/>
+                              <a:lumOff val="25000"/>
+                            </a:schemeClr>
                           </a:solidFill>
                           <a:latin typeface="Century Schoolbook" panose="02040604050505020304" pitchFamily="18" charset="0"/>
                         </a:rPr>
@@ -52860,7 +53845,10 @@
                       <a:pPr algn="ctr"/>
                       <a:endParaRPr lang="en-US" sz="1600" dirty="0">
                         <a:solidFill>
-                          <a:schemeClr val="tx2"/>
+                          <a:schemeClr val="tx1">
+                            <a:lumMod val="75000"/>
+                            <a:lumOff val="25000"/>
+                          </a:schemeClr>
                         </a:solidFill>
                         <a:latin typeface="Century Schoolbook" panose="02040604050505020304" pitchFamily="18" charset="0"/>
                       </a:endParaRPr>
@@ -52870,7 +53858,10 @@
                       <a:r>
                         <a:rPr lang="en-US" sz="1600" dirty="0">
                           <a:solidFill>
-                            <a:schemeClr val="tx2"/>
+                            <a:schemeClr val="tx1">
+                              <a:lumMod val="75000"/>
+                              <a:lumOff val="25000"/>
+                            </a:schemeClr>
                           </a:solidFill>
                           <a:latin typeface="Century Schoolbook" panose="02040604050505020304" pitchFamily="18" charset="0"/>
                         </a:rPr>
@@ -52886,12 +53877,45 @@
                     <a:lstStyle/>
                     <a:p>
                       <a:pPr algn="ctr"/>
+                      <a:r>
+                        <a:rPr lang="en-US" sz="1600" dirty="0">
+                          <a:solidFill>
+                            <a:schemeClr val="tx1">
+                              <a:lumMod val="75000"/>
+                              <a:lumOff val="25000"/>
+                            </a:schemeClr>
+                          </a:solidFill>
+                          <a:latin typeface="Century Schoolbook" panose="02040604050505020304" pitchFamily="18" charset="0"/>
+                        </a:rPr>
+                        <a:t>Originally we intended for only three API’s to exist. Now there’s upwards of seven!</a:t>
+                      </a:r>
+                    </a:p>
+                    <a:p>
+                      <a:pPr algn="ctr"/>
                       <a:endParaRPr lang="en-US" sz="1600" dirty="0">
                         <a:solidFill>
-                          <a:schemeClr val="tx2"/>
+                          <a:schemeClr val="tx1">
+                            <a:lumMod val="75000"/>
+                            <a:lumOff val="25000"/>
+                          </a:schemeClr>
                         </a:solidFill>
                         <a:latin typeface="Century Schoolbook" panose="02040604050505020304" pitchFamily="18" charset="0"/>
                       </a:endParaRPr>
+                    </a:p>
+                    <a:p>
+                      <a:pPr algn="ctr"/>
+                      <a:r>
+                        <a:rPr lang="en-US" sz="1600" dirty="0">
+                          <a:solidFill>
+                            <a:schemeClr val="tx1">
+                              <a:lumMod val="75000"/>
+                              <a:lumOff val="25000"/>
+                            </a:schemeClr>
+                          </a:solidFill>
+                          <a:latin typeface="Century Schoolbook" panose="02040604050505020304" pitchFamily="18" charset="0"/>
+                        </a:rPr>
+                        <a:t>This had a significant impact on our plans for the project.</a:t>
+                      </a:r>
                     </a:p>
                   </a:txBody>
                   <a:tcPr/>
@@ -52904,7 +53928,10 @@
                       <a:pPr algn="ctr"/>
                       <a:endParaRPr lang="en-US" sz="1600" dirty="0">
                         <a:solidFill>
-                          <a:schemeClr val="tx2"/>
+                          <a:schemeClr val="tx1">
+                            <a:lumMod val="75000"/>
+                            <a:lumOff val="25000"/>
+                          </a:schemeClr>
                         </a:solidFill>
                         <a:latin typeface="Century Schoolbook" panose="02040604050505020304" pitchFamily="18" charset="0"/>
                       </a:endParaRPr>
@@ -52982,10 +54009,34 @@
           <a:p>
             <a:r>
               <a:rPr lang="en-US" sz="4000" dirty="0">
+                <a:solidFill>
+                  <a:schemeClr val="bg2">
+                    <a:lumMod val="75000"/>
+                  </a:schemeClr>
+                </a:solidFill>
                 <a:latin typeface="Fugaz One" pitchFamily="2" charset="0"/>
               </a:rPr>
-              <a:t>Gantt Chart</a:t>
+              <a:t>Gant chart </a:t>
             </a:r>
+            <a:r>
+              <a:rPr lang="en-US" sz="4000">
+                <a:solidFill>
+                  <a:schemeClr val="bg2">
+                    <a:lumMod val="75000"/>
+                  </a:schemeClr>
+                </a:solidFill>
+                <a:latin typeface="Fugaz One" pitchFamily="2" charset="0"/>
+              </a:rPr>
+              <a:t>– initial</a:t>
+            </a:r>
+            <a:endParaRPr lang="en-US" sz="4000" dirty="0">
+              <a:solidFill>
+                <a:schemeClr val="bg2">
+                  <a:lumMod val="75000"/>
+                </a:schemeClr>
+              </a:solidFill>
+              <a:latin typeface="Fugaz One" pitchFamily="2" charset="0"/>
+            </a:endParaRPr>
           </a:p>
         </p:txBody>
       </p:sp>
@@ -53034,14 +54085,14 @@
           <p:nvPr>
             <p:extLst>
               <p:ext uri="{D42A27DB-BD31-4B8C-83A1-F6EECF244321}">
-                <p14:modId xmlns:p14="http://schemas.microsoft.com/office/powerpoint/2010/main" val="2406405653"/>
+                <p14:modId xmlns:p14="http://schemas.microsoft.com/office/powerpoint/2010/main" val="2302490717"/>
               </p:ext>
             </p:extLst>
           </p:nvPr>
         </p:nvGraphicFramePr>
         <p:xfrm>
-          <a:off x="4725988" y="1668463"/>
-          <a:ext cx="6827837" cy="3913187"/>
+          <a:off x="4200939" y="1668463"/>
+          <a:ext cx="7379556" cy="4291012"/>
         </p:xfrm>
         <a:graphic>
           <a:graphicData uri="http://schemas.openxmlformats.org/presentationml/2006/ole">
@@ -53068,8 +54119,8 @@
                     </p:blipFill>
                     <p:spPr>
                       <a:xfrm>
-                        <a:off x="4725988" y="1668463"/>
-                        <a:ext cx="6827837" cy="3913187"/>
+                        <a:off x="4200939" y="1668463"/>
+                        <a:ext cx="7379556" cy="4291012"/>
                       </a:xfrm>
                       <a:prstGeom prst="rect">
                         <a:avLst/>
@@ -53096,6 +54147,138 @@
 </file>
 
 <file path=ppt/slides/slide7.xml><?xml version="1.0" encoding="utf-8"?>
+<p:sld xmlns:a="http://schemas.openxmlformats.org/drawingml/2006/main" xmlns:r="http://schemas.openxmlformats.org/officeDocument/2006/relationships" xmlns:p="http://schemas.openxmlformats.org/presentationml/2006/main">
+  <p:cSld>
+    <p:spTree>
+      <p:nvGrpSpPr>
+        <p:cNvPr id="1" name=""/>
+        <p:cNvGrpSpPr/>
+        <p:nvPr/>
+      </p:nvGrpSpPr>
+      <p:grpSpPr>
+        <a:xfrm>
+          <a:off x="0" y="0"/>
+          <a:ext cx="0" cy="0"/>
+          <a:chOff x="0" y="0"/>
+          <a:chExt cx="0" cy="0"/>
+        </a:xfrm>
+      </p:grpSpPr>
+      <p:sp>
+        <p:nvSpPr>
+          <p:cNvPr id="2" name="Title 1">
+            <a:extLst>
+              <a:ext uri="{FF2B5EF4-FFF2-40B4-BE49-F238E27FC236}">
+                <a16:creationId xmlns:a16="http://schemas.microsoft.com/office/drawing/2014/main" id="{75031FE9-9059-4FE8-B4AC-9771F23A1B89}"/>
+              </a:ext>
+            </a:extLst>
+          </p:cNvPr>
+          <p:cNvSpPr>
+            <a:spLocks noGrp="1"/>
+          </p:cNvSpPr>
+          <p:nvPr>
+            <p:ph type="title"/>
+          </p:nvPr>
+        </p:nvSpPr>
+        <p:spPr>
+          <a:xfrm>
+            <a:off x="4725834" y="898525"/>
+            <a:ext cx="6800850" cy="769265"/>
+          </a:xfrm>
+        </p:spPr>
+        <p:txBody>
+          <a:bodyPr>
+            <a:normAutofit/>
+          </a:bodyPr>
+          <a:lstStyle/>
+          <a:p>
+            <a:r>
+              <a:rPr lang="en-US" sz="4000" dirty="0">
+                <a:solidFill>
+                  <a:schemeClr val="bg2">
+                    <a:lumMod val="75000"/>
+                  </a:schemeClr>
+                </a:solidFill>
+                <a:latin typeface="Fugaz One" pitchFamily="2" charset="0"/>
+              </a:rPr>
+              <a:t>Gant chart – Final</a:t>
+            </a:r>
+          </a:p>
+        </p:txBody>
+      </p:sp>
+      <p:sp>
+        <p:nvSpPr>
+          <p:cNvPr id="6" name="Slide Number Placeholder 5">
+            <a:extLst>
+              <a:ext uri="{FF2B5EF4-FFF2-40B4-BE49-F238E27FC236}">
+                <a16:creationId xmlns:a16="http://schemas.microsoft.com/office/drawing/2014/main" id="{FE339B0E-CD75-418B-A2F4-EBDA9C1E06B5}"/>
+              </a:ext>
+            </a:extLst>
+          </p:cNvPr>
+          <p:cNvSpPr>
+            <a:spLocks noGrp="1"/>
+          </p:cNvSpPr>
+          <p:nvPr>
+            <p:ph type="sldNum" sz="quarter" idx="12"/>
+          </p:nvPr>
+        </p:nvSpPr>
+        <p:spPr/>
+        <p:txBody>
+          <a:bodyPr/>
+          <a:lstStyle/>
+          <a:p>
+            <a:fld id="{B5CEABB6-07DC-46E8-9B57-56EC44A396E5}" type="slidenum">
+              <a:rPr lang="en-US" smtClean="0"/>
+              <a:pPr/>
+              <a:t>7</a:t>
+            </a:fld>
+            <a:endParaRPr lang="en-US" dirty="0"/>
+          </a:p>
+        </p:txBody>
+      </p:sp>
+      <p:pic>
+        <p:nvPicPr>
+          <p:cNvPr id="7" name="Picture 6" descr="Chart&#10;&#10;Description automatically generated">
+            <a:extLst>
+              <a:ext uri="{FF2B5EF4-FFF2-40B4-BE49-F238E27FC236}">
+                <a16:creationId xmlns:a16="http://schemas.microsoft.com/office/drawing/2014/main" id="{F39B6FCD-13EC-45A7-A1ED-4DDD3249A0A9}"/>
+              </a:ext>
+            </a:extLst>
+          </p:cNvPr>
+          <p:cNvPicPr>
+            <a:picLocks noChangeAspect="1"/>
+          </p:cNvPicPr>
+          <p:nvPr/>
+        </p:nvPicPr>
+        <p:blipFill>
+          <a:blip r:embed="rId2"/>
+          <a:stretch>
+            <a:fillRect/>
+          </a:stretch>
+        </p:blipFill>
+        <p:spPr>
+          <a:xfrm>
+            <a:off x="4200940" y="1668462"/>
+            <a:ext cx="7379556" cy="4291013"/>
+          </a:xfrm>
+          <a:prstGeom prst="rect">
+            <a:avLst/>
+          </a:prstGeom>
+        </p:spPr>
+      </p:pic>
+    </p:spTree>
+    <p:extLst>
+      <p:ext uri="{BB962C8B-B14F-4D97-AF65-F5344CB8AC3E}">
+        <p14:creationId xmlns:p14="http://schemas.microsoft.com/office/powerpoint/2010/main" val="3922408606"/>
+      </p:ext>
+    </p:extLst>
+  </p:cSld>
+  <p:clrMapOvr>
+    <a:masterClrMapping/>
+  </p:clrMapOvr>
+</p:sld>
+</file>
+
+<file path=ppt/slides/slide8.xml><?xml version="1.0" encoding="utf-8"?>
 <p:sld xmlns:a="http://schemas.openxmlformats.org/drawingml/2006/main" xmlns:r="http://schemas.openxmlformats.org/officeDocument/2006/relationships" xmlns:p="http://schemas.openxmlformats.org/presentationml/2006/main">
   <p:cSld>
     <p:spTree>
@@ -53241,7 +54424,7 @@
             <a:fld id="{B5CEABB6-07DC-46E8-9B57-56EC44A396E5}" type="slidenum">
               <a:rPr lang="en-US" smtClean="0"/>
               <a:pPr/>
-              <a:t>7</a:t>
+              <a:t>8</a:t>
             </a:fld>
             <a:endParaRPr lang="en-US" dirty="0"/>
           </a:p>
@@ -53249,10 +54432,10 @@
       </p:sp>
       <p:pic>
         <p:nvPicPr>
-          <p:cNvPr id="12" name="Picture 11" descr="Diagram&#10;&#10;Description automatically generated">
+          <p:cNvPr id="9" name="Picture 8" descr="Diagram&#10;&#10;Description automatically generated">
             <a:extLst>
               <a:ext uri="{FF2B5EF4-FFF2-40B4-BE49-F238E27FC236}">
-                <a16:creationId xmlns:a16="http://schemas.microsoft.com/office/drawing/2014/main" id="{8119C354-9062-4054-9895-F7CD14C67F95}"/>
+                <a16:creationId xmlns:a16="http://schemas.microsoft.com/office/drawing/2014/main" id="{AE2C88B6-B813-4F26-8443-0F9BA48F226C}"/>
               </a:ext>
             </a:extLst>
           </p:cNvPr>
@@ -53269,8 +54452,8 @@
         </p:blipFill>
         <p:spPr>
           <a:xfrm>
-            <a:off x="1463040" y="2105247"/>
-            <a:ext cx="4819861" cy="4742121"/>
+            <a:off x="1645929" y="1466792"/>
+            <a:ext cx="6069321" cy="5391208"/>
           </a:xfrm>
           <a:prstGeom prst="rect">
             <a:avLst/>
@@ -53281,439 +54464,6 @@
     <p:extLst>
       <p:ext uri="{BB962C8B-B14F-4D97-AF65-F5344CB8AC3E}">
         <p14:creationId xmlns:p14="http://schemas.microsoft.com/office/powerpoint/2010/main" val="627911590"/>
-      </p:ext>
-    </p:extLst>
-  </p:cSld>
-  <p:clrMapOvr>
-    <a:masterClrMapping/>
-  </p:clrMapOvr>
-</p:sld>
-</file>
-
-<file path=ppt/slides/slide8.xml><?xml version="1.0" encoding="utf-8"?>
-<p:sld xmlns:a="http://schemas.openxmlformats.org/drawingml/2006/main" xmlns:r="http://schemas.openxmlformats.org/officeDocument/2006/relationships" xmlns:p="http://schemas.openxmlformats.org/presentationml/2006/main">
-  <p:cSld>
-    <p:spTree>
-      <p:nvGrpSpPr>
-        <p:cNvPr id="1" name=""/>
-        <p:cNvGrpSpPr/>
-        <p:nvPr/>
-      </p:nvGrpSpPr>
-      <p:grpSpPr>
-        <a:xfrm>
-          <a:off x="0" y="0"/>
-          <a:ext cx="0" cy="0"/>
-          <a:chOff x="0" y="0"/>
-          <a:chExt cx="0" cy="0"/>
-        </a:xfrm>
-      </p:grpSpPr>
-      <p:sp>
-        <p:nvSpPr>
-          <p:cNvPr id="2" name="Title 1">
-            <a:extLst>
-              <a:ext uri="{FF2B5EF4-FFF2-40B4-BE49-F238E27FC236}">
-                <a16:creationId xmlns:a16="http://schemas.microsoft.com/office/drawing/2014/main" id="{FDDAF57A-12FD-4324-A565-3DC42EC2EA73}"/>
-              </a:ext>
-            </a:extLst>
-          </p:cNvPr>
-          <p:cNvSpPr>
-            <a:spLocks noGrp="1"/>
-          </p:cNvSpPr>
-          <p:nvPr>
-            <p:ph type="title"/>
-          </p:nvPr>
-        </p:nvSpPr>
-        <p:spPr/>
-        <p:txBody>
-          <a:bodyPr/>
-          <a:lstStyle/>
-          <a:p>
-            <a:r>
-              <a:rPr lang="en-US" dirty="0" err="1">
-                <a:latin typeface="Fugaz One" pitchFamily="2" charset="0"/>
-              </a:rPr>
-              <a:t>APi</a:t>
-            </a:r>
-            <a:endParaRPr lang="en-US" dirty="0">
-              <a:latin typeface="Fugaz One" pitchFamily="2" charset="0"/>
-            </a:endParaRPr>
-          </a:p>
-        </p:txBody>
-      </p:sp>
-      <p:sp>
-        <p:nvSpPr>
-          <p:cNvPr id="3" name="Text Placeholder 2">
-            <a:extLst>
-              <a:ext uri="{FF2B5EF4-FFF2-40B4-BE49-F238E27FC236}">
-                <a16:creationId xmlns:a16="http://schemas.microsoft.com/office/drawing/2014/main" id="{970A254E-2D9F-44A2-B0F2-DA03400F8E23}"/>
-              </a:ext>
-            </a:extLst>
-          </p:cNvPr>
-          <p:cNvSpPr>
-            <a:spLocks noGrp="1"/>
-          </p:cNvSpPr>
-          <p:nvPr>
-            <p:ph type="body" sz="quarter" idx="15"/>
-          </p:nvPr>
-        </p:nvSpPr>
-        <p:spPr/>
-        <p:txBody>
-          <a:bodyPr/>
-          <a:lstStyle/>
-          <a:p>
-            <a:r>
-              <a:rPr lang="en-US" dirty="0"/>
-              <a:t>Login</a:t>
-            </a:r>
-          </a:p>
-        </p:txBody>
-      </p:sp>
-      <p:sp>
-        <p:nvSpPr>
-          <p:cNvPr id="4" name="Text Placeholder 3">
-            <a:extLst>
-              <a:ext uri="{FF2B5EF4-FFF2-40B4-BE49-F238E27FC236}">
-                <a16:creationId xmlns:a16="http://schemas.microsoft.com/office/drawing/2014/main" id="{C8D2584D-20AF-4C2D-8610-88D689512D70}"/>
-              </a:ext>
-            </a:extLst>
-          </p:cNvPr>
-          <p:cNvSpPr>
-            <a:spLocks noGrp="1"/>
-          </p:cNvSpPr>
-          <p:nvPr>
-            <p:ph type="body" sz="quarter" idx="13"/>
-          </p:nvPr>
-        </p:nvSpPr>
-        <p:spPr/>
-        <p:txBody>
-          <a:bodyPr>
-            <a:normAutofit/>
-          </a:bodyPr>
-          <a:lstStyle/>
-          <a:p>
-            <a:pPr marL="285750" indent="-285750">
-              <a:buFont typeface="Arial" panose="020B0604020202020204" pitchFamily="34" charset="0"/>
-              <a:buChar char="•"/>
-            </a:pPr>
-            <a:r>
-              <a:rPr lang="en-US" dirty="0">
-                <a:latin typeface="Century Schoolbook" panose="02040604050505020304" pitchFamily="18" charset="0"/>
-              </a:rPr>
-              <a:t>Input: login, password</a:t>
-            </a:r>
-          </a:p>
-          <a:p>
-            <a:pPr marL="285750" indent="-285750">
-              <a:buFont typeface="Arial" panose="020B0604020202020204" pitchFamily="34" charset="0"/>
-              <a:buChar char="•"/>
-            </a:pPr>
-            <a:endParaRPr lang="en-US" dirty="0">
-              <a:latin typeface="Century Schoolbook" panose="02040604050505020304" pitchFamily="18" charset="0"/>
-            </a:endParaRPr>
-          </a:p>
-          <a:p>
-            <a:pPr marL="285750" indent="-285750">
-              <a:buFont typeface="Arial" panose="020B0604020202020204" pitchFamily="34" charset="0"/>
-              <a:buChar char="•"/>
-            </a:pPr>
-            <a:r>
-              <a:rPr lang="en-US" dirty="0">
-                <a:latin typeface="Century Schoolbook" panose="02040604050505020304" pitchFamily="18" charset="0"/>
-              </a:rPr>
-              <a:t>Output: user ID, first name, last name</a:t>
-            </a:r>
-          </a:p>
-        </p:txBody>
-      </p:sp>
-      <p:sp>
-        <p:nvSpPr>
-          <p:cNvPr id="5" name="Text Placeholder 4">
-            <a:extLst>
-              <a:ext uri="{FF2B5EF4-FFF2-40B4-BE49-F238E27FC236}">
-                <a16:creationId xmlns:a16="http://schemas.microsoft.com/office/drawing/2014/main" id="{149ADDF0-6BF9-4AEB-B0D2-042FA6DE3635}"/>
-              </a:ext>
-            </a:extLst>
-          </p:cNvPr>
-          <p:cNvSpPr>
-            <a:spLocks noGrp="1"/>
-          </p:cNvSpPr>
-          <p:nvPr>
-            <p:ph type="body" sz="quarter" idx="16"/>
-          </p:nvPr>
-        </p:nvSpPr>
-        <p:spPr/>
-        <p:txBody>
-          <a:bodyPr/>
-          <a:lstStyle/>
-          <a:p>
-            <a:r>
-              <a:rPr lang="en-US" dirty="0"/>
-              <a:t>register</a:t>
-            </a:r>
-          </a:p>
-        </p:txBody>
-      </p:sp>
-      <p:sp>
-        <p:nvSpPr>
-          <p:cNvPr id="6" name="Text Placeholder 5">
-            <a:extLst>
-              <a:ext uri="{FF2B5EF4-FFF2-40B4-BE49-F238E27FC236}">
-                <a16:creationId xmlns:a16="http://schemas.microsoft.com/office/drawing/2014/main" id="{1F965AD3-2C55-468B-95E6-350C75F0AA37}"/>
-              </a:ext>
-            </a:extLst>
-          </p:cNvPr>
-          <p:cNvSpPr>
-            <a:spLocks noGrp="1"/>
-          </p:cNvSpPr>
-          <p:nvPr>
-            <p:ph type="body" sz="quarter" idx="14"/>
-          </p:nvPr>
-        </p:nvSpPr>
-        <p:spPr/>
-        <p:txBody>
-          <a:bodyPr>
-            <a:noAutofit/>
-          </a:bodyPr>
-          <a:lstStyle/>
-          <a:p>
-            <a:pPr marL="285750" indent="-285750">
-              <a:buFont typeface="Arial" panose="020B0604020202020204" pitchFamily="34" charset="0"/>
-              <a:buChar char="•"/>
-            </a:pPr>
-            <a:r>
-              <a:rPr lang="en-US" dirty="0">
-                <a:latin typeface="Century Schoolbook" panose="02040604050505020304" pitchFamily="18" charset="0"/>
-              </a:rPr>
-              <a:t>Input: first name, last name, email, phone number, login, password</a:t>
-            </a:r>
-          </a:p>
-          <a:p>
-            <a:pPr marL="285750" indent="-285750">
-              <a:buFont typeface="Arial" panose="020B0604020202020204" pitchFamily="34" charset="0"/>
-              <a:buChar char="•"/>
-            </a:pPr>
-            <a:endParaRPr lang="en-US" dirty="0">
-              <a:latin typeface="Century Schoolbook" panose="02040604050505020304" pitchFamily="18" charset="0"/>
-            </a:endParaRPr>
-          </a:p>
-          <a:p>
-            <a:pPr marL="285750" indent="-285750">
-              <a:buFont typeface="Arial" panose="020B0604020202020204" pitchFamily="34" charset="0"/>
-              <a:buChar char="•"/>
-            </a:pPr>
-            <a:r>
-              <a:rPr lang="en-US" dirty="0">
-                <a:latin typeface="Century Schoolbook" panose="02040604050505020304" pitchFamily="18" charset="0"/>
-              </a:rPr>
-              <a:t>Output: user ID</a:t>
-            </a:r>
-          </a:p>
-        </p:txBody>
-      </p:sp>
-      <p:sp>
-        <p:nvSpPr>
-          <p:cNvPr id="7" name="Text Placeholder 6">
-            <a:extLst>
-              <a:ext uri="{FF2B5EF4-FFF2-40B4-BE49-F238E27FC236}">
-                <a16:creationId xmlns:a16="http://schemas.microsoft.com/office/drawing/2014/main" id="{1DBC60E8-CF0E-4303-ADE4-1542485FE284}"/>
-              </a:ext>
-            </a:extLst>
-          </p:cNvPr>
-          <p:cNvSpPr>
-            <a:spLocks noGrp="1"/>
-          </p:cNvSpPr>
-          <p:nvPr>
-            <p:ph type="body" sz="quarter" idx="19"/>
-          </p:nvPr>
-        </p:nvSpPr>
-        <p:spPr/>
-        <p:txBody>
-          <a:bodyPr/>
-          <a:lstStyle/>
-          <a:p>
-            <a:r>
-              <a:rPr lang="en-US" dirty="0"/>
-              <a:t>Add contact</a:t>
-            </a:r>
-          </a:p>
-        </p:txBody>
-      </p:sp>
-      <p:sp>
-        <p:nvSpPr>
-          <p:cNvPr id="8" name="Text Placeholder 7">
-            <a:extLst>
-              <a:ext uri="{FF2B5EF4-FFF2-40B4-BE49-F238E27FC236}">
-                <a16:creationId xmlns:a16="http://schemas.microsoft.com/office/drawing/2014/main" id="{CB5A9583-FD25-4697-8E82-512F7D0D21EF}"/>
-              </a:ext>
-            </a:extLst>
-          </p:cNvPr>
-          <p:cNvSpPr>
-            <a:spLocks noGrp="1"/>
-          </p:cNvSpPr>
-          <p:nvPr>
-            <p:ph type="body" sz="quarter" idx="17"/>
-          </p:nvPr>
-        </p:nvSpPr>
-        <p:spPr/>
-        <p:txBody>
-          <a:bodyPr>
-            <a:normAutofit/>
-          </a:bodyPr>
-          <a:lstStyle/>
-          <a:p>
-            <a:pPr marL="285750" indent="-285750">
-              <a:buFont typeface="Arial" panose="020B0604020202020204" pitchFamily="34" charset="0"/>
-              <a:buChar char="•"/>
-            </a:pPr>
-            <a:r>
-              <a:rPr lang="en-US" dirty="0">
-                <a:latin typeface="Century Schoolbook" panose="02040604050505020304" pitchFamily="18" charset="0"/>
-              </a:rPr>
-              <a:t>Input: first name, last name, email, phone number, user ID</a:t>
-            </a:r>
-          </a:p>
-          <a:p>
-            <a:pPr marL="285750" indent="-285750">
-              <a:buFont typeface="Arial" panose="020B0604020202020204" pitchFamily="34" charset="0"/>
-              <a:buChar char="•"/>
-            </a:pPr>
-            <a:endParaRPr lang="en-US" dirty="0">
-              <a:latin typeface="Century Schoolbook" panose="02040604050505020304" pitchFamily="18" charset="0"/>
-            </a:endParaRPr>
-          </a:p>
-          <a:p>
-            <a:pPr marL="285750" indent="-285750">
-              <a:buFont typeface="Arial" panose="020B0604020202020204" pitchFamily="34" charset="0"/>
-              <a:buChar char="•"/>
-            </a:pPr>
-            <a:r>
-              <a:rPr lang="en-US" dirty="0">
-                <a:latin typeface="Century Schoolbook" panose="02040604050505020304" pitchFamily="18" charset="0"/>
-              </a:rPr>
-              <a:t>Output: print statement </a:t>
-            </a:r>
-          </a:p>
-        </p:txBody>
-      </p:sp>
-      <p:sp>
-        <p:nvSpPr>
-          <p:cNvPr id="9" name="Text Placeholder 8">
-            <a:extLst>
-              <a:ext uri="{FF2B5EF4-FFF2-40B4-BE49-F238E27FC236}">
-                <a16:creationId xmlns:a16="http://schemas.microsoft.com/office/drawing/2014/main" id="{26194CE6-042F-4F4E-92BB-2A751AECF25D}"/>
-              </a:ext>
-            </a:extLst>
-          </p:cNvPr>
-          <p:cNvSpPr>
-            <a:spLocks noGrp="1"/>
-          </p:cNvSpPr>
-          <p:nvPr>
-            <p:ph type="body" sz="quarter" idx="20"/>
-          </p:nvPr>
-        </p:nvSpPr>
-        <p:spPr/>
-        <p:txBody>
-          <a:bodyPr/>
-          <a:lstStyle/>
-          <a:p>
-            <a:r>
-              <a:rPr lang="en-US" dirty="0"/>
-              <a:t>Delete contact</a:t>
-            </a:r>
-          </a:p>
-        </p:txBody>
-      </p:sp>
-      <p:sp>
-        <p:nvSpPr>
-          <p:cNvPr id="10" name="Text Placeholder 9">
-            <a:extLst>
-              <a:ext uri="{FF2B5EF4-FFF2-40B4-BE49-F238E27FC236}">
-                <a16:creationId xmlns:a16="http://schemas.microsoft.com/office/drawing/2014/main" id="{BAE47FCD-22A2-4D9B-8EF6-7C16C9F4ABC3}"/>
-              </a:ext>
-            </a:extLst>
-          </p:cNvPr>
-          <p:cNvSpPr>
-            <a:spLocks noGrp="1"/>
-          </p:cNvSpPr>
-          <p:nvPr>
-            <p:ph type="body" sz="quarter" idx="18"/>
-          </p:nvPr>
-        </p:nvSpPr>
-        <p:spPr/>
-        <p:txBody>
-          <a:bodyPr>
-            <a:normAutofit/>
-          </a:bodyPr>
-          <a:lstStyle/>
-          <a:p>
-            <a:pPr marL="285750" indent="-285750">
-              <a:buFont typeface="Arial" panose="020B0604020202020204" pitchFamily="34" charset="0"/>
-              <a:buChar char="•"/>
-            </a:pPr>
-            <a:r>
-              <a:rPr lang="en-US" dirty="0">
-                <a:latin typeface="Century Schoolbook" panose="02040604050505020304" pitchFamily="18" charset="0"/>
-              </a:rPr>
-              <a:t>Input: user ID, contact ID</a:t>
-            </a:r>
-          </a:p>
-          <a:p>
-            <a:pPr marL="285750" indent="-285750">
-              <a:buFont typeface="Arial" panose="020B0604020202020204" pitchFamily="34" charset="0"/>
-              <a:buChar char="•"/>
-            </a:pPr>
-            <a:endParaRPr lang="en-US" dirty="0">
-              <a:latin typeface="Century Schoolbook" panose="02040604050505020304" pitchFamily="18" charset="0"/>
-            </a:endParaRPr>
-          </a:p>
-          <a:p>
-            <a:pPr marL="285750" indent="-285750">
-              <a:buFont typeface="Arial" panose="020B0604020202020204" pitchFamily="34" charset="0"/>
-              <a:buChar char="•"/>
-            </a:pPr>
-            <a:r>
-              <a:rPr lang="en-US" dirty="0">
-                <a:latin typeface="Century Schoolbook" panose="02040604050505020304" pitchFamily="18" charset="0"/>
-              </a:rPr>
-              <a:t>Output: print statement</a:t>
-            </a:r>
-          </a:p>
-        </p:txBody>
-      </p:sp>
-      <p:sp>
-        <p:nvSpPr>
-          <p:cNvPr id="13" name="Slide Number Placeholder 12">
-            <a:extLst>
-              <a:ext uri="{FF2B5EF4-FFF2-40B4-BE49-F238E27FC236}">
-                <a16:creationId xmlns:a16="http://schemas.microsoft.com/office/drawing/2014/main" id="{286CDD6D-3A42-45B8-AC82-6D0B8FE9D90D}"/>
-              </a:ext>
-            </a:extLst>
-          </p:cNvPr>
-          <p:cNvSpPr>
-            <a:spLocks noGrp="1"/>
-          </p:cNvSpPr>
-          <p:nvPr>
-            <p:ph type="sldNum" sz="quarter" idx="12"/>
-          </p:nvPr>
-        </p:nvSpPr>
-        <p:spPr/>
-        <p:txBody>
-          <a:bodyPr/>
-          <a:lstStyle/>
-          <a:p>
-            <a:fld id="{B5CEABB6-07DC-46E8-9B57-56EC44A396E5}" type="slidenum">
-              <a:rPr lang="en-US" smtClean="0"/>
-              <a:pPr/>
-              <a:t>8</a:t>
-            </a:fld>
-            <a:endParaRPr lang="en-US" dirty="0"/>
-          </a:p>
-        </p:txBody>
-      </p:sp>
-    </p:spTree>
-    <p:extLst>
-      <p:ext uri="{BB962C8B-B14F-4D97-AF65-F5344CB8AC3E}">
-        <p14:creationId xmlns:p14="http://schemas.microsoft.com/office/powerpoint/2010/main" val="975038328"/>
       </p:ext>
     </p:extLst>
   </p:cSld>
@@ -53745,7 +54495,7 @@
           <p:cNvPr id="2" name="Title 1">
             <a:extLst>
               <a:ext uri="{FF2B5EF4-FFF2-40B4-BE49-F238E27FC236}">
-                <a16:creationId xmlns:a16="http://schemas.microsoft.com/office/drawing/2014/main" id="{18098F23-F482-493A-80F7-3FA661759010}"/>
+                <a16:creationId xmlns:a16="http://schemas.microsoft.com/office/drawing/2014/main" id="{BBCEC3DA-58F4-4AE5-B175-BA21F040A38C}"/>
               </a:ext>
             </a:extLst>
           </p:cNvPr>
@@ -53756,274 +54506,29 @@
             <p:ph type="title"/>
           </p:nvPr>
         </p:nvSpPr>
-        <p:spPr/>
-        <p:txBody>
-          <a:bodyPr/>
-          <a:lstStyle/>
-          <a:p>
-            <a:r>
-              <a:rPr lang="en-US" dirty="0" err="1">
-                <a:latin typeface="Fugaz One" pitchFamily="2" charset="0"/>
-              </a:rPr>
-              <a:t>api</a:t>
-            </a:r>
-            <a:endParaRPr lang="en-US" dirty="0">
-              <a:latin typeface="Fugaz One" pitchFamily="2" charset="0"/>
-            </a:endParaRPr>
-          </a:p>
-        </p:txBody>
-      </p:sp>
-      <p:sp>
-        <p:nvSpPr>
-          <p:cNvPr id="3" name="Text Placeholder 2">
-            <a:extLst>
-              <a:ext uri="{FF2B5EF4-FFF2-40B4-BE49-F238E27FC236}">
-                <a16:creationId xmlns:a16="http://schemas.microsoft.com/office/drawing/2014/main" id="{9FEA5514-183A-45D7-BBCB-842A9AB07111}"/>
-              </a:ext>
-            </a:extLst>
-          </p:cNvPr>
-          <p:cNvSpPr>
-            <a:spLocks noGrp="1"/>
-          </p:cNvSpPr>
-          <p:nvPr>
-            <p:ph type="body" sz="quarter" idx="15"/>
-          </p:nvPr>
-        </p:nvSpPr>
-        <p:spPr/>
-        <p:txBody>
-          <a:bodyPr/>
-          <a:lstStyle/>
-          <a:p>
-            <a:r>
-              <a:rPr lang="en-US" dirty="0"/>
-              <a:t>Read contact</a:t>
-            </a:r>
-          </a:p>
-        </p:txBody>
-      </p:sp>
-      <p:sp>
-        <p:nvSpPr>
-          <p:cNvPr id="4" name="Text Placeholder 3">
-            <a:extLst>
-              <a:ext uri="{FF2B5EF4-FFF2-40B4-BE49-F238E27FC236}">
-                <a16:creationId xmlns:a16="http://schemas.microsoft.com/office/drawing/2014/main" id="{7916EC7B-44EC-4138-B12F-C059C6B18173}"/>
-              </a:ext>
-            </a:extLst>
-          </p:cNvPr>
-          <p:cNvSpPr>
-            <a:spLocks noGrp="1"/>
-          </p:cNvSpPr>
-          <p:nvPr>
-            <p:ph type="body" sz="quarter" idx="13"/>
-          </p:nvPr>
-        </p:nvSpPr>
-        <p:spPr/>
+        <p:spPr>
+          <a:xfrm>
+            <a:off x="1167923" y="127015"/>
+            <a:ext cx="6800850" cy="1325880"/>
+          </a:xfrm>
+        </p:spPr>
         <p:txBody>
           <a:bodyPr>
             <a:normAutofit/>
           </a:bodyPr>
           <a:lstStyle/>
           <a:p>
-            <a:pPr marL="285750" indent="-285750">
-              <a:buFont typeface="Arial" panose="020B0604020202020204" pitchFamily="34" charset="0"/>
-              <a:buChar char="•"/>
-            </a:pPr>
+            <a:pPr algn="ctr"/>
             <a:r>
-              <a:rPr lang="en-US" dirty="0">
-                <a:latin typeface="Century Schoolbook" panose="02040604050505020304" pitchFamily="18" charset="0"/>
+              <a:rPr lang="en-US" sz="7200" dirty="0">
+                <a:solidFill>
+                  <a:schemeClr val="bg2">
+                    <a:lumMod val="75000"/>
+                  </a:schemeClr>
+                </a:solidFill>
+                <a:latin typeface="Fugaz One"/>
               </a:rPr>
-              <a:t>Input: user ID, contact ID</a:t>
-            </a:r>
-          </a:p>
-          <a:p>
-            <a:pPr marL="285750" indent="-285750">
-              <a:buFont typeface="Arial" panose="020B0604020202020204" pitchFamily="34" charset="0"/>
-              <a:buChar char="•"/>
-            </a:pPr>
-            <a:endParaRPr lang="en-US" dirty="0">
-              <a:latin typeface="Century Schoolbook" panose="02040604050505020304" pitchFamily="18" charset="0"/>
-            </a:endParaRPr>
-          </a:p>
-          <a:p>
-            <a:pPr marL="285750" indent="-285750">
-              <a:buFont typeface="Arial" panose="020B0604020202020204" pitchFamily="34" charset="0"/>
-              <a:buChar char="•"/>
-            </a:pPr>
-            <a:r>
-              <a:rPr lang="en-US" dirty="0">
-                <a:latin typeface="Century Schoolbook" panose="02040604050505020304" pitchFamily="18" charset="0"/>
-              </a:rPr>
-              <a:t>Output: first name, last name, email, phone number</a:t>
-            </a:r>
-          </a:p>
-        </p:txBody>
-      </p:sp>
-      <p:sp>
-        <p:nvSpPr>
-          <p:cNvPr id="5" name="Text Placeholder 4">
-            <a:extLst>
-              <a:ext uri="{FF2B5EF4-FFF2-40B4-BE49-F238E27FC236}">
-                <a16:creationId xmlns:a16="http://schemas.microsoft.com/office/drawing/2014/main" id="{36B4586F-24D8-4B2C-976C-9CDC2A80BC35}"/>
-              </a:ext>
-            </a:extLst>
-          </p:cNvPr>
-          <p:cNvSpPr>
-            <a:spLocks noGrp="1"/>
-          </p:cNvSpPr>
-          <p:nvPr>
-            <p:ph type="body" sz="quarter" idx="16"/>
-          </p:nvPr>
-        </p:nvSpPr>
-        <p:spPr/>
-        <p:txBody>
-          <a:bodyPr/>
-          <a:lstStyle/>
-          <a:p>
-            <a:r>
-              <a:rPr lang="en-US" dirty="0"/>
-              <a:t>Edit contact</a:t>
-            </a:r>
-          </a:p>
-        </p:txBody>
-      </p:sp>
-      <p:sp>
-        <p:nvSpPr>
-          <p:cNvPr id="6" name="Text Placeholder 5">
-            <a:extLst>
-              <a:ext uri="{FF2B5EF4-FFF2-40B4-BE49-F238E27FC236}">
-                <a16:creationId xmlns:a16="http://schemas.microsoft.com/office/drawing/2014/main" id="{FA832644-4D0E-46BD-920E-EF4DB3819437}"/>
-              </a:ext>
-            </a:extLst>
-          </p:cNvPr>
-          <p:cNvSpPr>
-            <a:spLocks noGrp="1"/>
-          </p:cNvSpPr>
-          <p:nvPr>
-            <p:ph type="body" sz="quarter" idx="14"/>
-          </p:nvPr>
-        </p:nvSpPr>
-        <p:spPr/>
-        <p:txBody>
-          <a:bodyPr>
-            <a:noAutofit/>
-          </a:bodyPr>
-          <a:lstStyle/>
-          <a:p>
-            <a:pPr marL="285750" indent="-285750">
-              <a:buFont typeface="Arial" panose="020B0604020202020204" pitchFamily="34" charset="0"/>
-              <a:buChar char="•"/>
-            </a:pPr>
-            <a:r>
-              <a:rPr lang="en-US" dirty="0">
-                <a:latin typeface="Century Schoolbook" panose="02040604050505020304" pitchFamily="18" charset="0"/>
-              </a:rPr>
-              <a:t>Input: first name, last name, email, phone number, user ID, contact ID</a:t>
-            </a:r>
-          </a:p>
-          <a:p>
-            <a:pPr marL="285750" indent="-285750">
-              <a:buFont typeface="Arial" panose="020B0604020202020204" pitchFamily="34" charset="0"/>
-              <a:buChar char="•"/>
-            </a:pPr>
-            <a:endParaRPr lang="en-US" dirty="0">
-              <a:latin typeface="Century Schoolbook" panose="02040604050505020304" pitchFamily="18" charset="0"/>
-            </a:endParaRPr>
-          </a:p>
-          <a:p>
-            <a:pPr marL="285750" indent="-285750">
-              <a:buFont typeface="Arial" panose="020B0604020202020204" pitchFamily="34" charset="0"/>
-              <a:buChar char="•"/>
-            </a:pPr>
-            <a:r>
-              <a:rPr lang="en-US" dirty="0">
-                <a:latin typeface="Century Schoolbook" panose="02040604050505020304" pitchFamily="18" charset="0"/>
-              </a:rPr>
-              <a:t>Output: print statement</a:t>
-            </a:r>
-          </a:p>
-        </p:txBody>
-      </p:sp>
-      <p:sp>
-        <p:nvSpPr>
-          <p:cNvPr id="7" name="Text Placeholder 6">
-            <a:extLst>
-              <a:ext uri="{FF2B5EF4-FFF2-40B4-BE49-F238E27FC236}">
-                <a16:creationId xmlns:a16="http://schemas.microsoft.com/office/drawing/2014/main" id="{01CF3796-BD5F-42B3-8FCB-A5A9E1F5B257}"/>
-              </a:ext>
-            </a:extLst>
-          </p:cNvPr>
-          <p:cNvSpPr>
-            <a:spLocks noGrp="1"/>
-          </p:cNvSpPr>
-          <p:nvPr>
-            <p:ph type="body" sz="quarter" idx="19"/>
-          </p:nvPr>
-        </p:nvSpPr>
-        <p:spPr/>
-        <p:txBody>
-          <a:bodyPr/>
-          <a:lstStyle/>
-          <a:p>
-            <a:r>
-              <a:rPr lang="en-US" dirty="0"/>
-              <a:t>Search contact</a:t>
-            </a:r>
-          </a:p>
-        </p:txBody>
-      </p:sp>
-      <p:sp>
-        <p:nvSpPr>
-          <p:cNvPr id="8" name="Text Placeholder 7">
-            <a:extLst>
-              <a:ext uri="{FF2B5EF4-FFF2-40B4-BE49-F238E27FC236}">
-                <a16:creationId xmlns:a16="http://schemas.microsoft.com/office/drawing/2014/main" id="{5BDFE21D-D9D6-426C-91ED-993FC309A40B}"/>
-              </a:ext>
-            </a:extLst>
-          </p:cNvPr>
-          <p:cNvSpPr>
-            <a:spLocks noGrp="1"/>
-          </p:cNvSpPr>
-          <p:nvPr>
-            <p:ph type="body" sz="quarter" idx="17"/>
-          </p:nvPr>
-        </p:nvSpPr>
-        <p:spPr/>
-        <p:txBody>
-          <a:bodyPr>
-            <a:normAutofit/>
-          </a:bodyPr>
-          <a:lstStyle/>
-          <a:p>
-            <a:pPr marL="285750" indent="-285750">
-              <a:buFont typeface="Arial" panose="020B0604020202020204" pitchFamily="34" charset="0"/>
-              <a:buChar char="•"/>
-            </a:pPr>
-            <a:r>
-              <a:rPr lang="en-US" dirty="0">
-                <a:latin typeface="Century Schoolbook" panose="02040604050505020304" pitchFamily="18" charset="0"/>
-              </a:rPr>
-              <a:t>Input: search keywords, user ID</a:t>
-            </a:r>
-          </a:p>
-          <a:p>
-            <a:pPr marL="285750" indent="-285750">
-              <a:buFont typeface="Arial" panose="020B0604020202020204" pitchFamily="34" charset="0"/>
-              <a:buChar char="•"/>
-            </a:pPr>
-            <a:endParaRPr lang="en-US" dirty="0">
-              <a:latin typeface="Century Schoolbook" panose="02040604050505020304" pitchFamily="18" charset="0"/>
-            </a:endParaRPr>
-          </a:p>
-          <a:p>
-            <a:pPr marL="285750" indent="-285750">
-              <a:buFont typeface="Arial" panose="020B0604020202020204" pitchFamily="34" charset="0"/>
-              <a:buChar char="•"/>
-            </a:pPr>
-            <a:r>
-              <a:rPr lang="en-US" dirty="0">
-                <a:latin typeface="Century Schoolbook" panose="02040604050505020304" pitchFamily="18" charset="0"/>
-              </a:rPr>
-              <a:t>Output: first name and contact ID of matches</a:t>
+              <a:t>Database</a:t>
             </a:r>
           </a:p>
         </p:txBody>
@@ -54033,7 +54538,7 @@
           <p:cNvPr id="13" name="Slide Number Placeholder 12">
             <a:extLst>
               <a:ext uri="{FF2B5EF4-FFF2-40B4-BE49-F238E27FC236}">
-                <a16:creationId xmlns:a16="http://schemas.microsoft.com/office/drawing/2014/main" id="{CAF7A222-582A-4492-8771-7A6A36B939AE}"/>
+                <a16:creationId xmlns:a16="http://schemas.microsoft.com/office/drawing/2014/main" id="{17F85F75-B084-4166-8CBB-34C52DEABEC3}"/>
               </a:ext>
             </a:extLst>
           </p:cNvPr>
@@ -54058,10 +54563,702 @@
           </a:p>
         </p:txBody>
       </p:sp>
+      <p:sp>
+        <p:nvSpPr>
+          <p:cNvPr id="14" name="Text Placeholder 3">
+            <a:extLst>
+              <a:ext uri="{FF2B5EF4-FFF2-40B4-BE49-F238E27FC236}">
+                <a16:creationId xmlns:a16="http://schemas.microsoft.com/office/drawing/2014/main" id="{8A32700B-9562-47EB-8853-005CB4D5ED19}"/>
+              </a:ext>
+            </a:extLst>
+          </p:cNvPr>
+          <p:cNvSpPr txBox="1">
+            <a:spLocks/>
+          </p:cNvSpPr>
+          <p:nvPr/>
+        </p:nvSpPr>
+        <p:spPr>
+          <a:xfrm>
+            <a:off x="2955237" y="1086487"/>
+            <a:ext cx="4037019" cy="1188720"/>
+          </a:xfrm>
+          <a:prstGeom prst="rect">
+            <a:avLst/>
+          </a:prstGeom>
+        </p:spPr>
+        <p:txBody>
+          <a:bodyPr vert="horz" lIns="91440" tIns="45720" rIns="91440" bIns="45720" rtlCol="0">
+            <a:normAutofit/>
+          </a:bodyPr>
+          <a:lstStyle>
+            <a:lvl1pPr marL="0" indent="0" algn="l" defTabSz="914400" rtl="0" eaLnBrk="1" latinLnBrk="0" hangingPunct="1">
+              <a:lnSpc>
+                <a:spcPts val="1800"/>
+              </a:lnSpc>
+              <a:spcBef>
+                <a:spcPts val="0"/>
+              </a:spcBef>
+              <a:buFont typeface="Arial" panose="020B0604020202020204" pitchFamily="34" charset="0"/>
+              <a:buNone/>
+              <a:defRPr sz="1400" kern="1200">
+                <a:solidFill>
+                  <a:schemeClr val="tx2"/>
+                </a:solidFill>
+                <a:latin typeface="+mn-lt"/>
+                <a:ea typeface="+mn-ea"/>
+                <a:cs typeface="+mn-cs"/>
+              </a:defRPr>
+            </a:lvl1pPr>
+            <a:lvl2pPr marL="457200" indent="0" algn="l" defTabSz="914400" rtl="0" eaLnBrk="1" latinLnBrk="0" hangingPunct="1">
+              <a:lnSpc>
+                <a:spcPct val="90000"/>
+              </a:lnSpc>
+              <a:spcBef>
+                <a:spcPts val="500"/>
+              </a:spcBef>
+              <a:buFont typeface="Arial" panose="020B0604020202020204" pitchFamily="34" charset="0"/>
+              <a:buNone/>
+              <a:defRPr sz="1800" kern="1200">
+                <a:solidFill>
+                  <a:schemeClr val="tx1"/>
+                </a:solidFill>
+                <a:latin typeface="+mn-lt"/>
+                <a:ea typeface="+mn-ea"/>
+                <a:cs typeface="+mn-cs"/>
+              </a:defRPr>
+            </a:lvl2pPr>
+            <a:lvl3pPr marL="914400" indent="0" algn="l" defTabSz="914400" rtl="0" eaLnBrk="1" latinLnBrk="0" hangingPunct="1">
+              <a:lnSpc>
+                <a:spcPct val="90000"/>
+              </a:lnSpc>
+              <a:spcBef>
+                <a:spcPts val="500"/>
+              </a:spcBef>
+              <a:buFont typeface="Arial" panose="020B0604020202020204" pitchFamily="34" charset="0"/>
+              <a:buNone/>
+              <a:defRPr sz="1800" kern="1200">
+                <a:solidFill>
+                  <a:schemeClr val="tx1"/>
+                </a:solidFill>
+                <a:latin typeface="+mn-lt"/>
+                <a:ea typeface="+mn-ea"/>
+                <a:cs typeface="+mn-cs"/>
+              </a:defRPr>
+            </a:lvl3pPr>
+            <a:lvl4pPr marL="1371600" indent="0" algn="l" defTabSz="914400" rtl="0" eaLnBrk="1" latinLnBrk="0" hangingPunct="1">
+              <a:lnSpc>
+                <a:spcPct val="90000"/>
+              </a:lnSpc>
+              <a:spcBef>
+                <a:spcPts val="500"/>
+              </a:spcBef>
+              <a:buFont typeface="Arial" panose="020B0604020202020204" pitchFamily="34" charset="0"/>
+              <a:buNone/>
+              <a:defRPr sz="1800" kern="1200">
+                <a:solidFill>
+                  <a:schemeClr val="tx1"/>
+                </a:solidFill>
+                <a:latin typeface="+mn-lt"/>
+                <a:ea typeface="+mn-ea"/>
+                <a:cs typeface="+mn-cs"/>
+              </a:defRPr>
+            </a:lvl4pPr>
+            <a:lvl5pPr marL="1828800" indent="0" algn="l" defTabSz="914400" rtl="0" eaLnBrk="1" latinLnBrk="0" hangingPunct="1">
+              <a:lnSpc>
+                <a:spcPct val="90000"/>
+              </a:lnSpc>
+              <a:spcBef>
+                <a:spcPts val="500"/>
+              </a:spcBef>
+              <a:buFont typeface="Arial" panose="020B0604020202020204" pitchFamily="34" charset="0"/>
+              <a:buNone/>
+              <a:defRPr sz="1800" kern="1200">
+                <a:solidFill>
+                  <a:schemeClr val="tx1"/>
+                </a:solidFill>
+                <a:latin typeface="+mn-lt"/>
+                <a:ea typeface="+mn-ea"/>
+                <a:cs typeface="+mn-cs"/>
+              </a:defRPr>
+            </a:lvl5pPr>
+            <a:lvl6pPr marL="2514600" indent="-228600" algn="l" defTabSz="914400" rtl="0" eaLnBrk="1" latinLnBrk="0" hangingPunct="1">
+              <a:lnSpc>
+                <a:spcPct val="90000"/>
+              </a:lnSpc>
+              <a:spcBef>
+                <a:spcPts val="500"/>
+              </a:spcBef>
+              <a:buFont typeface="Arial" panose="020B0604020202020204" pitchFamily="34" charset="0"/>
+              <a:buChar char="•"/>
+              <a:defRPr sz="1800" kern="1200">
+                <a:solidFill>
+                  <a:schemeClr val="tx1"/>
+                </a:solidFill>
+                <a:latin typeface="+mn-lt"/>
+                <a:ea typeface="+mn-ea"/>
+                <a:cs typeface="+mn-cs"/>
+              </a:defRPr>
+            </a:lvl6pPr>
+            <a:lvl7pPr marL="2971800" indent="-228600" algn="l" defTabSz="914400" rtl="0" eaLnBrk="1" latinLnBrk="0" hangingPunct="1">
+              <a:lnSpc>
+                <a:spcPct val="90000"/>
+              </a:lnSpc>
+              <a:spcBef>
+                <a:spcPts val="500"/>
+              </a:spcBef>
+              <a:buFont typeface="Arial" panose="020B0604020202020204" pitchFamily="34" charset="0"/>
+              <a:buChar char="•"/>
+              <a:defRPr sz="1800" kern="1200">
+                <a:solidFill>
+                  <a:schemeClr val="tx1"/>
+                </a:solidFill>
+                <a:latin typeface="+mn-lt"/>
+                <a:ea typeface="+mn-ea"/>
+                <a:cs typeface="+mn-cs"/>
+              </a:defRPr>
+            </a:lvl7pPr>
+            <a:lvl8pPr marL="3429000" indent="-228600" algn="l" defTabSz="914400" rtl="0" eaLnBrk="1" latinLnBrk="0" hangingPunct="1">
+              <a:lnSpc>
+                <a:spcPct val="90000"/>
+              </a:lnSpc>
+              <a:spcBef>
+                <a:spcPts val="500"/>
+              </a:spcBef>
+              <a:buFont typeface="Arial" panose="020B0604020202020204" pitchFamily="34" charset="0"/>
+              <a:buChar char="•"/>
+              <a:defRPr sz="1800" kern="1200">
+                <a:solidFill>
+                  <a:schemeClr val="tx1"/>
+                </a:solidFill>
+                <a:latin typeface="+mn-lt"/>
+                <a:ea typeface="+mn-ea"/>
+                <a:cs typeface="+mn-cs"/>
+              </a:defRPr>
+            </a:lvl8pPr>
+            <a:lvl9pPr marL="3886200" indent="-228600" algn="l" defTabSz="914400" rtl="0" eaLnBrk="1" latinLnBrk="0" hangingPunct="1">
+              <a:lnSpc>
+                <a:spcPct val="90000"/>
+              </a:lnSpc>
+              <a:spcBef>
+                <a:spcPts val="500"/>
+              </a:spcBef>
+              <a:buFont typeface="Arial" panose="020B0604020202020204" pitchFamily="34" charset="0"/>
+              <a:buChar char="•"/>
+              <a:defRPr sz="1800" kern="1200">
+                <a:solidFill>
+                  <a:schemeClr val="tx1"/>
+                </a:solidFill>
+                <a:latin typeface="+mn-lt"/>
+                <a:ea typeface="+mn-ea"/>
+                <a:cs typeface="+mn-cs"/>
+              </a:defRPr>
+            </a:lvl9pPr>
+          </a:lstStyle>
+          <a:p>
+            <a:r>
+              <a:rPr lang="en-US" sz="1800" b="1" u="sng" dirty="0">
+                <a:solidFill>
+                  <a:schemeClr val="bg2">
+                    <a:lumMod val="90000"/>
+                  </a:schemeClr>
+                </a:solidFill>
+                <a:latin typeface="Century Schoolbook" panose="02040604050505020304" pitchFamily="18" charset="0"/>
+              </a:rPr>
+              <a:t>Two Tables : Users and List</a:t>
+            </a:r>
+          </a:p>
+          <a:p>
+            <a:endParaRPr lang="en-US" sz="1800" b="1" u="sng" dirty="0">
+              <a:solidFill>
+                <a:schemeClr val="bg2">
+                  <a:lumMod val="90000"/>
+                </a:schemeClr>
+              </a:solidFill>
+              <a:latin typeface="Century Schoolbook" panose="02040604050505020304" pitchFamily="18" charset="0"/>
+            </a:endParaRPr>
+          </a:p>
+          <a:p>
+            <a:endParaRPr lang="en-US" sz="1800" b="1" u="sng" dirty="0">
+              <a:solidFill>
+                <a:schemeClr val="bg2">
+                  <a:lumMod val="90000"/>
+                </a:schemeClr>
+              </a:solidFill>
+              <a:latin typeface="Century Schoolbook" panose="02040604050505020304" pitchFamily="18" charset="0"/>
+            </a:endParaRPr>
+          </a:p>
+        </p:txBody>
+      </p:sp>
+      <p:sp>
+        <p:nvSpPr>
+          <p:cNvPr id="15" name="TextBox 14">
+            <a:extLst>
+              <a:ext uri="{FF2B5EF4-FFF2-40B4-BE49-F238E27FC236}">
+                <a16:creationId xmlns:a16="http://schemas.microsoft.com/office/drawing/2014/main" id="{5D00150B-1E02-4A85-A013-F7C37386B045}"/>
+              </a:ext>
+            </a:extLst>
+          </p:cNvPr>
+          <p:cNvSpPr txBox="1"/>
+          <p:nvPr/>
+        </p:nvSpPr>
+        <p:spPr>
+          <a:xfrm>
+            <a:off x="4568348" y="4118789"/>
+            <a:ext cx="2252794" cy="2739211"/>
+          </a:xfrm>
+          <a:prstGeom prst="rect">
+            <a:avLst/>
+          </a:prstGeom>
+          <a:noFill/>
+        </p:spPr>
+        <p:txBody>
+          <a:bodyPr wrap="square" rtlCol="0">
+            <a:spAutoFit/>
+          </a:bodyPr>
+          <a:lstStyle/>
+          <a:p>
+            <a:r>
+              <a:rPr lang="en-US" sz="2400" b="1" dirty="0">
+                <a:solidFill>
+                  <a:schemeClr val="bg2">
+                    <a:lumMod val="75000"/>
+                  </a:schemeClr>
+                </a:solidFill>
+                <a:latin typeface="Fugaz One"/>
+              </a:rPr>
+              <a:t>USERS</a:t>
+            </a:r>
+            <a:endParaRPr lang="en-US" b="1" dirty="0">
+              <a:solidFill>
+                <a:schemeClr val="bg2">
+                  <a:lumMod val="75000"/>
+                </a:schemeClr>
+              </a:solidFill>
+              <a:latin typeface="Fugaz One"/>
+            </a:endParaRPr>
+          </a:p>
+          <a:p>
+            <a:pPr marL="285750" indent="-285750">
+              <a:buFont typeface="Arial" panose="020B0604020202020204" pitchFamily="34" charset="0"/>
+              <a:buChar char="•"/>
+            </a:pPr>
+            <a:r>
+              <a:rPr lang="en-US" sz="1600" dirty="0">
+                <a:solidFill>
+                  <a:schemeClr val="bg2">
+                    <a:lumMod val="90000"/>
+                  </a:schemeClr>
+                </a:solidFill>
+                <a:latin typeface="Century Schoolbook" panose="02040604050505020304" pitchFamily="18" charset="0"/>
+              </a:rPr>
+              <a:t>ID</a:t>
+            </a:r>
+          </a:p>
+          <a:p>
+            <a:pPr marL="285750" indent="-285750">
+              <a:buFont typeface="Arial" panose="020B0604020202020204" pitchFamily="34" charset="0"/>
+              <a:buChar char="•"/>
+            </a:pPr>
+            <a:r>
+              <a:rPr lang="en-US" sz="1600" dirty="0" err="1">
+                <a:solidFill>
+                  <a:schemeClr val="bg2">
+                    <a:lumMod val="90000"/>
+                  </a:schemeClr>
+                </a:solidFill>
+                <a:latin typeface="Century Schoolbook" panose="02040604050505020304" pitchFamily="18" charset="0"/>
+              </a:rPr>
+              <a:t>DateCreated</a:t>
+            </a:r>
+            <a:endParaRPr lang="en-US" sz="1600" dirty="0">
+              <a:solidFill>
+                <a:schemeClr val="bg2">
+                  <a:lumMod val="90000"/>
+                </a:schemeClr>
+              </a:solidFill>
+              <a:latin typeface="Century Schoolbook" panose="02040604050505020304" pitchFamily="18" charset="0"/>
+            </a:endParaRPr>
+          </a:p>
+          <a:p>
+            <a:pPr marL="285750" indent="-285750">
+              <a:buFont typeface="Arial" panose="020B0604020202020204" pitchFamily="34" charset="0"/>
+              <a:buChar char="•"/>
+            </a:pPr>
+            <a:r>
+              <a:rPr lang="en-US" sz="1600" dirty="0" err="1">
+                <a:solidFill>
+                  <a:schemeClr val="bg2">
+                    <a:lumMod val="90000"/>
+                  </a:schemeClr>
+                </a:solidFill>
+                <a:latin typeface="Century Schoolbook" panose="02040604050505020304" pitchFamily="18" charset="0"/>
+              </a:rPr>
+              <a:t>DateLastLoggedIn</a:t>
+            </a:r>
+            <a:endParaRPr lang="en-US" sz="1600" dirty="0">
+              <a:solidFill>
+                <a:schemeClr val="bg2">
+                  <a:lumMod val="90000"/>
+                </a:schemeClr>
+              </a:solidFill>
+              <a:latin typeface="Century Schoolbook" panose="02040604050505020304" pitchFamily="18" charset="0"/>
+            </a:endParaRPr>
+          </a:p>
+          <a:p>
+            <a:pPr marL="285750" indent="-285750">
+              <a:buFont typeface="Arial" panose="020B0604020202020204" pitchFamily="34" charset="0"/>
+              <a:buChar char="•"/>
+            </a:pPr>
+            <a:r>
+              <a:rPr lang="en-US" sz="1600" dirty="0">
+                <a:solidFill>
+                  <a:schemeClr val="bg2">
+                    <a:lumMod val="90000"/>
+                  </a:schemeClr>
+                </a:solidFill>
+                <a:latin typeface="Century Schoolbook" panose="02040604050505020304" pitchFamily="18" charset="0"/>
+              </a:rPr>
+              <a:t>FirstName</a:t>
+            </a:r>
+          </a:p>
+          <a:p>
+            <a:pPr marL="285750" indent="-285750">
+              <a:buFont typeface="Arial" panose="020B0604020202020204" pitchFamily="34" charset="0"/>
+              <a:buChar char="•"/>
+            </a:pPr>
+            <a:r>
+              <a:rPr lang="en-US" sz="1600" dirty="0" err="1">
+                <a:solidFill>
+                  <a:schemeClr val="bg2">
+                    <a:lumMod val="90000"/>
+                  </a:schemeClr>
+                </a:solidFill>
+                <a:latin typeface="Century Schoolbook" panose="02040604050505020304" pitchFamily="18" charset="0"/>
+              </a:rPr>
+              <a:t>LastName</a:t>
+            </a:r>
+            <a:endParaRPr lang="en-US" sz="1600" dirty="0">
+              <a:solidFill>
+                <a:schemeClr val="bg2">
+                  <a:lumMod val="90000"/>
+                </a:schemeClr>
+              </a:solidFill>
+              <a:latin typeface="Century Schoolbook" panose="02040604050505020304" pitchFamily="18" charset="0"/>
+            </a:endParaRPr>
+          </a:p>
+          <a:p>
+            <a:pPr marL="285750" indent="-285750">
+              <a:buFont typeface="Arial" panose="020B0604020202020204" pitchFamily="34" charset="0"/>
+              <a:buChar char="•"/>
+            </a:pPr>
+            <a:r>
+              <a:rPr lang="en-US" sz="1600" dirty="0">
+                <a:solidFill>
+                  <a:schemeClr val="bg2">
+                    <a:lumMod val="90000"/>
+                  </a:schemeClr>
+                </a:solidFill>
+                <a:latin typeface="Century Schoolbook" panose="02040604050505020304" pitchFamily="18" charset="0"/>
+              </a:rPr>
+              <a:t>Email</a:t>
+            </a:r>
+          </a:p>
+          <a:p>
+            <a:pPr marL="285750" indent="-285750">
+              <a:buFont typeface="Arial" panose="020B0604020202020204" pitchFamily="34" charset="0"/>
+              <a:buChar char="•"/>
+            </a:pPr>
+            <a:r>
+              <a:rPr lang="en-US" sz="1600" dirty="0" err="1">
+                <a:solidFill>
+                  <a:schemeClr val="bg2">
+                    <a:lumMod val="90000"/>
+                  </a:schemeClr>
+                </a:solidFill>
+                <a:latin typeface="Century Schoolbook" panose="02040604050505020304" pitchFamily="18" charset="0"/>
+              </a:rPr>
+              <a:t>PhoneNumber</a:t>
+            </a:r>
+            <a:endParaRPr lang="en-US" sz="1600" dirty="0">
+              <a:solidFill>
+                <a:schemeClr val="bg2">
+                  <a:lumMod val="90000"/>
+                </a:schemeClr>
+              </a:solidFill>
+              <a:latin typeface="Century Schoolbook" panose="02040604050505020304" pitchFamily="18" charset="0"/>
+            </a:endParaRPr>
+          </a:p>
+          <a:p>
+            <a:pPr marL="285750" indent="-285750">
+              <a:buFont typeface="Arial" panose="020B0604020202020204" pitchFamily="34" charset="0"/>
+              <a:buChar char="•"/>
+            </a:pPr>
+            <a:r>
+              <a:rPr lang="en-US" sz="1600" dirty="0">
+                <a:solidFill>
+                  <a:schemeClr val="bg2">
+                    <a:lumMod val="90000"/>
+                  </a:schemeClr>
+                </a:solidFill>
+                <a:latin typeface="Century Schoolbook" panose="02040604050505020304" pitchFamily="18" charset="0"/>
+              </a:rPr>
+              <a:t>Login</a:t>
+            </a:r>
+          </a:p>
+          <a:p>
+            <a:pPr marL="285750" indent="-285750">
+              <a:buFont typeface="Arial" panose="020B0604020202020204" pitchFamily="34" charset="0"/>
+              <a:buChar char="•"/>
+            </a:pPr>
+            <a:r>
+              <a:rPr lang="en-US" sz="1600" dirty="0">
+                <a:solidFill>
+                  <a:schemeClr val="bg2">
+                    <a:lumMod val="90000"/>
+                  </a:schemeClr>
+                </a:solidFill>
+                <a:latin typeface="Century Schoolbook" panose="02040604050505020304" pitchFamily="18" charset="0"/>
+              </a:rPr>
+              <a:t>Password</a:t>
+            </a:r>
+          </a:p>
+        </p:txBody>
+      </p:sp>
+      <p:sp>
+        <p:nvSpPr>
+          <p:cNvPr id="16" name="TextBox 15">
+            <a:extLst>
+              <a:ext uri="{FF2B5EF4-FFF2-40B4-BE49-F238E27FC236}">
+                <a16:creationId xmlns:a16="http://schemas.microsoft.com/office/drawing/2014/main" id="{4089E03E-AA16-4FF6-B15B-BB75E4C313D5}"/>
+              </a:ext>
+            </a:extLst>
+          </p:cNvPr>
+          <p:cNvSpPr txBox="1"/>
+          <p:nvPr/>
+        </p:nvSpPr>
+        <p:spPr>
+          <a:xfrm>
+            <a:off x="7510333" y="4166193"/>
+            <a:ext cx="2625755" cy="2185214"/>
+          </a:xfrm>
+          <a:prstGeom prst="rect">
+            <a:avLst/>
+          </a:prstGeom>
+          <a:noFill/>
+        </p:spPr>
+        <p:txBody>
+          <a:bodyPr wrap="square" rtlCol="0">
+            <a:spAutoFit/>
+          </a:bodyPr>
+          <a:lstStyle/>
+          <a:p>
+            <a:r>
+              <a:rPr lang="en-US" sz="2400" b="1" dirty="0">
+                <a:solidFill>
+                  <a:schemeClr val="bg2">
+                    <a:lumMod val="75000"/>
+                  </a:schemeClr>
+                </a:solidFill>
+                <a:latin typeface="Fugaz One"/>
+              </a:rPr>
+              <a:t>LIST</a:t>
+            </a:r>
+            <a:endParaRPr lang="en-US" b="1" dirty="0">
+              <a:solidFill>
+                <a:schemeClr val="bg2">
+                  <a:lumMod val="75000"/>
+                </a:schemeClr>
+              </a:solidFill>
+              <a:latin typeface="Fugaz One"/>
+            </a:endParaRPr>
+          </a:p>
+          <a:p>
+            <a:pPr marL="285750" indent="-285750">
+              <a:buFont typeface="Arial" panose="020B0604020202020204" pitchFamily="34" charset="0"/>
+              <a:buChar char="•"/>
+            </a:pPr>
+            <a:r>
+              <a:rPr lang="en-US" sz="1600" dirty="0">
+                <a:solidFill>
+                  <a:schemeClr val="bg2">
+                    <a:lumMod val="90000"/>
+                  </a:schemeClr>
+                </a:solidFill>
+                <a:latin typeface="Century Schoolbook" panose="02040604050505020304" pitchFamily="18" charset="0"/>
+              </a:rPr>
+              <a:t>ID</a:t>
+            </a:r>
+          </a:p>
+          <a:p>
+            <a:pPr marL="285750" indent="-285750">
+              <a:buFont typeface="Arial" panose="020B0604020202020204" pitchFamily="34" charset="0"/>
+              <a:buChar char="•"/>
+            </a:pPr>
+            <a:r>
+              <a:rPr lang="en-US" sz="1600" dirty="0" err="1">
+                <a:solidFill>
+                  <a:schemeClr val="bg2">
+                    <a:lumMod val="90000"/>
+                  </a:schemeClr>
+                </a:solidFill>
+                <a:latin typeface="Century Schoolbook" panose="02040604050505020304" pitchFamily="18" charset="0"/>
+              </a:rPr>
+              <a:t>DateCreated</a:t>
+            </a:r>
+            <a:endParaRPr lang="en-US" sz="1600" dirty="0">
+              <a:solidFill>
+                <a:schemeClr val="bg2">
+                  <a:lumMod val="90000"/>
+                </a:schemeClr>
+              </a:solidFill>
+              <a:latin typeface="Century Schoolbook" panose="02040604050505020304" pitchFamily="18" charset="0"/>
+            </a:endParaRPr>
+          </a:p>
+          <a:p>
+            <a:pPr marL="285750" indent="-285750">
+              <a:buFont typeface="Arial" panose="020B0604020202020204" pitchFamily="34" charset="0"/>
+              <a:buChar char="•"/>
+            </a:pPr>
+            <a:r>
+              <a:rPr lang="en-US" sz="1600" dirty="0">
+                <a:solidFill>
+                  <a:schemeClr val="bg2">
+                    <a:lumMod val="90000"/>
+                  </a:schemeClr>
+                </a:solidFill>
+                <a:latin typeface="Century Schoolbook" panose="02040604050505020304" pitchFamily="18" charset="0"/>
+              </a:rPr>
+              <a:t>FirstName</a:t>
+            </a:r>
+          </a:p>
+          <a:p>
+            <a:pPr marL="285750" indent="-285750">
+              <a:buFont typeface="Arial" panose="020B0604020202020204" pitchFamily="34" charset="0"/>
+              <a:buChar char="•"/>
+            </a:pPr>
+            <a:r>
+              <a:rPr lang="en-US" sz="1600" dirty="0" err="1">
+                <a:solidFill>
+                  <a:schemeClr val="bg2">
+                    <a:lumMod val="90000"/>
+                  </a:schemeClr>
+                </a:solidFill>
+                <a:latin typeface="Century Schoolbook" panose="02040604050505020304" pitchFamily="18" charset="0"/>
+              </a:rPr>
+              <a:t>LastName</a:t>
+            </a:r>
+            <a:endParaRPr lang="en-US" sz="1600" dirty="0">
+              <a:solidFill>
+                <a:schemeClr val="bg2">
+                  <a:lumMod val="90000"/>
+                </a:schemeClr>
+              </a:solidFill>
+              <a:latin typeface="Century Schoolbook" panose="02040604050505020304" pitchFamily="18" charset="0"/>
+            </a:endParaRPr>
+          </a:p>
+          <a:p>
+            <a:pPr marL="285750" indent="-285750">
+              <a:buFont typeface="Arial" panose="020B0604020202020204" pitchFamily="34" charset="0"/>
+              <a:buChar char="•"/>
+            </a:pPr>
+            <a:r>
+              <a:rPr lang="en-US" sz="1600" dirty="0">
+                <a:solidFill>
+                  <a:schemeClr val="bg2">
+                    <a:lumMod val="90000"/>
+                  </a:schemeClr>
+                </a:solidFill>
+                <a:latin typeface="Century Schoolbook" panose="02040604050505020304" pitchFamily="18" charset="0"/>
+              </a:rPr>
+              <a:t>Email</a:t>
+            </a:r>
+          </a:p>
+          <a:p>
+            <a:pPr marL="285750" indent="-285750">
+              <a:buFont typeface="Arial" panose="020B0604020202020204" pitchFamily="34" charset="0"/>
+              <a:buChar char="•"/>
+            </a:pPr>
+            <a:r>
+              <a:rPr lang="en-US" sz="1600" dirty="0" err="1">
+                <a:solidFill>
+                  <a:schemeClr val="bg2">
+                    <a:lumMod val="90000"/>
+                  </a:schemeClr>
+                </a:solidFill>
+                <a:latin typeface="Century Schoolbook" panose="02040604050505020304" pitchFamily="18" charset="0"/>
+              </a:rPr>
+              <a:t>PhoneNumber</a:t>
+            </a:r>
+            <a:endParaRPr lang="en-US" sz="1600" dirty="0">
+              <a:solidFill>
+                <a:schemeClr val="bg2">
+                  <a:lumMod val="90000"/>
+                </a:schemeClr>
+              </a:solidFill>
+              <a:latin typeface="Century Schoolbook" panose="02040604050505020304" pitchFamily="18" charset="0"/>
+            </a:endParaRPr>
+          </a:p>
+          <a:p>
+            <a:pPr marL="285750" indent="-285750">
+              <a:buFont typeface="Arial" panose="020B0604020202020204" pitchFamily="34" charset="0"/>
+              <a:buChar char="•"/>
+            </a:pPr>
+            <a:r>
+              <a:rPr lang="en-US" sz="1600" dirty="0" err="1">
+                <a:solidFill>
+                  <a:schemeClr val="bg2">
+                    <a:lumMod val="90000"/>
+                  </a:schemeClr>
+                </a:solidFill>
+                <a:latin typeface="Century Schoolbook" panose="02040604050505020304" pitchFamily="18" charset="0"/>
+              </a:rPr>
+              <a:t>UserId</a:t>
+            </a:r>
+            <a:endParaRPr lang="en-US" sz="1600" dirty="0">
+              <a:solidFill>
+                <a:schemeClr val="bg2">
+                  <a:lumMod val="90000"/>
+                </a:schemeClr>
+              </a:solidFill>
+              <a:latin typeface="Century Schoolbook" panose="02040604050505020304" pitchFamily="18" charset="0"/>
+            </a:endParaRPr>
+          </a:p>
+        </p:txBody>
+      </p:sp>
+      <p:pic>
+        <p:nvPicPr>
+          <p:cNvPr id="20" name="Picture 19" descr="Graphical user interface&#10;&#10;Description automatically generated">
+            <a:extLst>
+              <a:ext uri="{FF2B5EF4-FFF2-40B4-BE49-F238E27FC236}">
+                <a16:creationId xmlns:a16="http://schemas.microsoft.com/office/drawing/2014/main" id="{B1F9501F-4D17-44F2-B8E3-A33470B13F3D}"/>
+              </a:ext>
+            </a:extLst>
+          </p:cNvPr>
+          <p:cNvPicPr>
+            <a:picLocks noChangeAspect="1"/>
+          </p:cNvPicPr>
+          <p:nvPr/>
+        </p:nvPicPr>
+        <p:blipFill>
+          <a:blip r:embed="rId2"/>
+          <a:stretch>
+            <a:fillRect/>
+          </a:stretch>
+        </p:blipFill>
+        <p:spPr>
+          <a:xfrm>
+            <a:off x="4156947" y="1086487"/>
+            <a:ext cx="7623652" cy="3594224"/>
+          </a:xfrm>
+          <a:prstGeom prst="rect">
+            <a:avLst/>
+          </a:prstGeom>
+        </p:spPr>
+      </p:pic>
     </p:spTree>
     <p:extLst>
       <p:ext uri="{BB962C8B-B14F-4D97-AF65-F5344CB8AC3E}">
-        <p14:creationId xmlns:p14="http://schemas.microsoft.com/office/powerpoint/2010/main" val="2936266322"/>
+        <p14:creationId xmlns:p14="http://schemas.microsoft.com/office/powerpoint/2010/main" val="894973894"/>
       </p:ext>
     </p:extLst>
   </p:cSld>
@@ -54872,6 +56069,25 @@
 </file>
 
 <file path=customXml/item2.xml><?xml version="1.0" encoding="utf-8"?>
+<p:properties xmlns:p="http://schemas.microsoft.com/office/2006/metadata/properties" xmlns:xsi="http://www.w3.org/2001/XMLSchema-instance" xmlns:pc="http://schemas.microsoft.com/office/infopath/2007/PartnerControls">
+  <documentManagement>
+    <_ip_UnifiedCompliancePolicyUIAction xmlns="http://schemas.microsoft.com/sharepoint/v3" xsi:nil="true"/>
+    <Image xmlns="71af3243-3dd4-4a8d-8c0d-dd76da1f02a5">
+      <Url xsi:nil="true"/>
+      <Description xsi:nil="true"/>
+    </Image>
+    <Status xmlns="71af3243-3dd4-4a8d-8c0d-dd76da1f02a5">Not started</Status>
+    <_ip_UnifiedCompliancePolicyProperties xmlns="http://schemas.microsoft.com/sharepoint/v3" xsi:nil="true"/>
+    <ImageTagsTaxHTField xmlns="71af3243-3dd4-4a8d-8c0d-dd76da1f02a5">
+      <Terms xmlns="http://schemas.microsoft.com/office/infopath/2007/PartnerControls"/>
+    </ImageTagsTaxHTField>
+    <TaxCatchAll xmlns="230e9df3-be65-4c73-a93b-d1236ebd677e"/>
+    <MediaServiceKeyPoints xmlns="71af3243-3dd4-4a8d-8c0d-dd76da1f02a5" xsi:nil="true"/>
+  </documentManagement>
+</p:properties>
+</file>
+
+<file path=customXml/item3.xml><?xml version="1.0" encoding="utf-8"?>
 <ct:contentTypeSchema xmlns:ct="http://schemas.microsoft.com/office/2006/metadata/contentType" xmlns:ma="http://schemas.microsoft.com/office/2006/metadata/properties/metaAttributes" ct:_="" ma:_="" ma:contentTypeName="Document" ma:contentTypeID="0x01010079F111ED35F8CC479449609E8A0923A6" ma:contentTypeVersion="20" ma:contentTypeDescription="Create a new document." ma:contentTypeScope="" ma:versionID="1267097ee5f5874adfcc408041ae252e">
   <xsd:schema xmlns:xsd="http://www.w3.org/2001/XMLSchema" xmlns:xs="http://www.w3.org/2001/XMLSchema" xmlns:p="http://schemas.microsoft.com/office/2006/metadata/properties" xmlns:ns1="http://schemas.microsoft.com/sharepoint/v3" xmlns:ns2="71af3243-3dd4-4a8d-8c0d-dd76da1f02a5" xmlns:ns3="16c05727-aa75-4e4a-9b5f-8a80a1165891" xmlns:ns4="230e9df3-be65-4c73-a93b-d1236ebd677e" targetNamespace="http://schemas.microsoft.com/office/2006/metadata/properties" ma:root="true" ma:fieldsID="395891a93df65b14727750f2c06c306c" ns1:_="" ns2:_="" ns3:_="" ns4:_="">
     <xsd:import namespace="http://schemas.microsoft.com/sharepoint/v3"/>
@@ -55147,25 +56363,6 @@
 </ct:contentTypeSchema>
 </file>
 
-<file path=customXml/item3.xml><?xml version="1.0" encoding="utf-8"?>
-<p:properties xmlns:p="http://schemas.microsoft.com/office/2006/metadata/properties" xmlns:xsi="http://www.w3.org/2001/XMLSchema-instance" xmlns:pc="http://schemas.microsoft.com/office/infopath/2007/PartnerControls">
-  <documentManagement>
-    <_ip_UnifiedCompliancePolicyUIAction xmlns="http://schemas.microsoft.com/sharepoint/v3" xsi:nil="true"/>
-    <Image xmlns="71af3243-3dd4-4a8d-8c0d-dd76da1f02a5">
-      <Url xsi:nil="true"/>
-      <Description xsi:nil="true"/>
-    </Image>
-    <Status xmlns="71af3243-3dd4-4a8d-8c0d-dd76da1f02a5">Not started</Status>
-    <_ip_UnifiedCompliancePolicyProperties xmlns="http://schemas.microsoft.com/sharepoint/v3" xsi:nil="true"/>
-    <ImageTagsTaxHTField xmlns="71af3243-3dd4-4a8d-8c0d-dd76da1f02a5">
-      <Terms xmlns="http://schemas.microsoft.com/office/infopath/2007/PartnerControls"/>
-    </ImageTagsTaxHTField>
-    <TaxCatchAll xmlns="230e9df3-be65-4c73-a93b-d1236ebd677e"/>
-    <MediaServiceKeyPoints xmlns="71af3243-3dd4-4a8d-8c0d-dd76da1f02a5" xsi:nil="true"/>
-  </documentManagement>
-</p:properties>
-</file>
-
 <file path=customXml/itemProps1.xml><?xml version="1.0" encoding="utf-8"?>
 <ds:datastoreItem xmlns:ds="http://schemas.openxmlformats.org/officeDocument/2006/customXml" ds:itemID="{66D1D862-643C-46A1-A5ED-679CEB6DE28E}">
   <ds:schemaRefs>
@@ -55175,6 +56372,18 @@
 </file>
 
 <file path=customXml/itemProps2.xml><?xml version="1.0" encoding="utf-8"?>
+<ds:datastoreItem xmlns:ds="http://schemas.openxmlformats.org/officeDocument/2006/customXml" ds:itemID="{854F7209-A407-4CFB-9C3E-C69AB93152F3}">
+  <ds:schemaRefs>
+    <ds:schemaRef ds:uri="http://schemas.microsoft.com/office/2006/metadata/properties"/>
+    <ds:schemaRef ds:uri="http://schemas.microsoft.com/office/infopath/2007/PartnerControls"/>
+    <ds:schemaRef ds:uri="http://schemas.microsoft.com/sharepoint/v3"/>
+    <ds:schemaRef ds:uri="71af3243-3dd4-4a8d-8c0d-dd76da1f02a5"/>
+    <ds:schemaRef ds:uri="230e9df3-be65-4c73-a93b-d1236ebd677e"/>
+  </ds:schemaRefs>
+</ds:datastoreItem>
+</file>
+
+<file path=customXml/itemProps3.xml><?xml version="1.0" encoding="utf-8"?>
 <ds:datastoreItem xmlns:ds="http://schemas.openxmlformats.org/officeDocument/2006/customXml" ds:itemID="{97CDCE58-E008-4D50-B18E-ADC19CB29049}">
   <ds:schemaRefs>
     <ds:schemaRef ds:uri="http://schemas.microsoft.com/office/2006/metadata/contentType"/>
@@ -55193,16 +56402,4 @@
     <ds:schemaRef ds:uri="http://schemas.microsoft.com/internal/obd"/>
   </ds:schemaRefs>
 </ds:datastoreItem>
-</file>
-
-<file path=customXml/itemProps3.xml><?xml version="1.0" encoding="utf-8"?>
-<ds:datastoreItem xmlns:ds="http://schemas.openxmlformats.org/officeDocument/2006/customXml" ds:itemID="{854F7209-A407-4CFB-9C3E-C69AB93152F3}">
-  <ds:schemaRefs>
-    <ds:schemaRef ds:uri="http://schemas.microsoft.com/office/2006/metadata/properties"/>
-    <ds:schemaRef ds:uri="http://schemas.microsoft.com/office/infopath/2007/PartnerControls"/>
-    <ds:schemaRef ds:uri="http://schemas.microsoft.com/sharepoint/v3"/>
-    <ds:schemaRef ds:uri="71af3243-3dd4-4a8d-8c0d-dd76da1f02a5"/>
-    <ds:schemaRef ds:uri="230e9df3-be65-4c73-a93b-d1236ebd677e"/>
-  </ds:schemaRefs>
-</ds:datastoreItem>
 </file>